--- a/Prezantasyon/Gitn_Pro_HTML_CSS.pptx
+++ b/Prezantasyon/Gitn_Pro_HTML_CSS.pptx
@@ -916,7 +916,7 @@
           </a:ln>
           <a:extLst>
             <a:ext uri="{C572A759-6A51-4108-AA02-DFA0A04FC94B}">
-              <ma14:wrappingTextBoxFlag xmlns:ma14="http://schemas.microsoft.com/office/mac/drawingml/2011/main" xmlns="" val="1"/>
+              <ma14:wrappingTextBoxFlag xmlns="" xmlns:ma14="http://schemas.microsoft.com/office/mac/drawingml/2011/main" val="1"/>
             </a:ext>
           </a:extLst>
         </p:spPr>
@@ -1046,7 +1046,7 @@
           </a:ln>
           <a:extLst>
             <a:ext uri="{C572A759-6A51-4108-AA02-DFA0A04FC94B}">
-              <ma14:wrappingTextBoxFlag xmlns:ma14="http://schemas.microsoft.com/office/mac/drawingml/2011/main" xmlns="" val="1"/>
+              <ma14:wrappingTextBoxFlag xmlns="" xmlns:ma14="http://schemas.microsoft.com/office/mac/drawingml/2011/main" val="1"/>
             </a:ext>
           </a:extLst>
         </p:spPr>
@@ -1085,7 +1085,7 @@
           </a:ln>
           <a:extLst>
             <a:ext uri="{C572A759-6A51-4108-AA02-DFA0A04FC94B}">
-              <ma14:wrappingTextBoxFlag xmlns:ma14="http://schemas.microsoft.com/office/mac/drawingml/2011/main" xmlns="" val="1"/>
+              <ma14:wrappingTextBoxFlag xmlns="" xmlns:ma14="http://schemas.microsoft.com/office/mac/drawingml/2011/main" val="1"/>
             </a:ext>
           </a:extLst>
         </p:spPr>
@@ -2026,7 +2026,7 @@
         <p:spPr>
           <a:xfrm>
             <a:off x="98425" y="1066800"/>
-            <a:ext cx="8947150" cy="3299570"/>
+            <a:ext cx="8947150" cy="1985124"/>
           </a:xfrm>
           <a:prstGeom prst="rect">
             <a:avLst/>
@@ -2036,7 +2036,7 @@
           </a:ln>
           <a:extLst>
             <a:ext uri="{C572A759-6A51-4108-AA02-DFA0A04FC94B}">
-              <ma14:wrappingTextBoxFlag xmlns:ma14="http://schemas.microsoft.com/office/mac/drawingml/2011/main" xmlns="" val="1"/>
+              <ma14:wrappingTextBoxFlag xmlns="" xmlns:ma14="http://schemas.microsoft.com/office/mac/drawingml/2011/main" val="1"/>
             </a:ext>
           </a:extLst>
         </p:spPr>
@@ -2061,9 +2061,34 @@
               </a:defRPr>
             </a:pPr>
             <a:r>
-              <a:t>Students will understand the importance of Git Version Control and of how to use it.</a:t>
-            </a:r>
-            <a:endParaRPr sz="2400"/>
+              <a:rPr lang="en-US" dirty="0" err="1"/>
+              <a:t>Etidyan</a:t>
+            </a:r>
+            <a:r>
+              <a:rPr lang="en-US" dirty="0"/>
+              <a:t> dye </a:t>
+            </a:r>
+            <a:r>
+              <a:rPr lang="en-US" dirty="0" err="1"/>
+              <a:t>pratike</a:t>
+            </a:r>
+            <a:r>
+              <a:rPr lang="en-US" dirty="0"/>
+              <a:t> </a:t>
+            </a:r>
+            <a:r>
+              <a:rPr lang="en-US" dirty="0" err="1"/>
+              <a:t>anpil</a:t>
+            </a:r>
+            <a:r>
+              <a:rPr lang="en-US" dirty="0"/>
+              <a:t> HTML</a:t>
+            </a:r>
+            <a:r>
+              <a:rPr dirty="0"/>
+              <a:t>.</a:t>
+            </a:r>
+            <a:endParaRPr sz="2400" dirty="0"/>
           </a:p>
           <a:p>
             <a:pPr marL="257175" indent="-257175" defTabSz="685800">
@@ -2080,7 +2105,7 @@
                 <a:sym typeface="Arial"/>
               </a:defRPr>
             </a:pPr>
-            <a:endParaRPr sz="2400"/>
+            <a:endParaRPr sz="2400" dirty="0"/>
           </a:p>
           <a:p>
             <a:pPr marL="257175" indent="-257175" defTabSz="685800">
@@ -2098,9 +2123,54 @@
               </a:defRPr>
             </a:pPr>
             <a:r>
-              <a:t>Students will create GitHub Repositories, push code into them, and share with class.</a:t>
-            </a:r>
-            <a:endParaRPr sz="2400"/>
+              <a:rPr lang="en-US" dirty="0" err="1"/>
+              <a:t>Edityan</a:t>
+            </a:r>
+            <a:r>
+              <a:rPr lang="en-US" dirty="0"/>
+              <a:t> </a:t>
+            </a:r>
+            <a:r>
+              <a:rPr lang="en-US" dirty="0" err="1"/>
+              <a:t>pral</a:t>
+            </a:r>
+            <a:r>
+              <a:rPr lang="en-US" dirty="0"/>
+              <a:t> </a:t>
+            </a:r>
+            <a:r>
+              <a:rPr lang="en-US" dirty="0" err="1"/>
+              <a:t>koman</a:t>
+            </a:r>
+            <a:r>
+              <a:rPr lang="en-US" dirty="0"/>
+              <a:t> </a:t>
+            </a:r>
+            <a:r>
+              <a:rPr lang="en-US" dirty="0" err="1"/>
+              <a:t>pou’l</a:t>
+            </a:r>
+            <a:r>
+              <a:rPr lang="en-US" dirty="0"/>
+              <a:t> </a:t>
+            </a:r>
+            <a:r>
+              <a:rPr lang="en-US" dirty="0" err="1"/>
+              <a:t>itilize</a:t>
+            </a:r>
+            <a:r>
+              <a:rPr lang="en-US" dirty="0"/>
+              <a:t> yon </a:t>
+            </a:r>
+            <a:r>
+              <a:rPr lang="en-US" dirty="0" err="1"/>
+              <a:t>senp</a:t>
+            </a:r>
+            <a:r>
+              <a:rPr lang="en-US"/>
+              <a:t> tag.</a:t>
+            </a:r>
+            <a:endParaRPr sz="2400" dirty="0"/>
           </a:p>
           <a:p>
             <a:pPr marL="257175" indent="-257175" defTabSz="685800">
@@ -2117,7 +2187,7 @@
                 <a:sym typeface="Arial"/>
               </a:defRPr>
             </a:pPr>
-            <a:endParaRPr sz="2400"/>
+            <a:endParaRPr sz="2400" dirty="0"/>
           </a:p>
           <a:p>
             <a:pPr marL="257175" indent="-257175" defTabSz="685800">
@@ -2135,80 +2205,7 @@
               </a:defRPr>
             </a:pPr>
             <a:r>
-              <a:t>Students will make more HTML documents.</a:t>
-            </a:r>
-            <a:endParaRPr sz="2400"/>
-          </a:p>
-          <a:p>
-            <a:pPr marL="257175" indent="-257175" defTabSz="685800">
-              <a:spcBef>
-                <a:spcPts val="500"/>
-              </a:spcBef>
-              <a:buSzPct val="100000"/>
-              <a:buFont typeface="Arial"/>
-              <a:buChar char="•"/>
-              <a:defRPr>
-                <a:latin typeface="Arial"/>
-                <a:ea typeface="Arial"/>
-                <a:cs typeface="Arial"/>
-                <a:sym typeface="Arial"/>
-              </a:defRPr>
-            </a:pPr>
-            <a:endParaRPr sz="2400"/>
-          </a:p>
-          <a:p>
-            <a:pPr marL="257175" indent="-257175" defTabSz="685800">
-              <a:spcBef>
-                <a:spcPts val="400"/>
-              </a:spcBef>
-              <a:buSzPct val="100000"/>
-              <a:buFont typeface="Arial"/>
-              <a:buChar char="•"/>
-              <a:defRPr>
-                <a:latin typeface="Arial"/>
-                <a:ea typeface="Arial"/>
-                <a:cs typeface="Arial"/>
-                <a:sym typeface="Arial"/>
-              </a:defRPr>
-            </a:pPr>
-            <a:r>
-              <a:t>Students will learn to properly use basic HTML tags.</a:t>
-            </a:r>
-            <a:endParaRPr sz="2400"/>
-          </a:p>
-          <a:p>
-            <a:pPr marL="257175" indent="-257175" defTabSz="685800">
-              <a:spcBef>
-                <a:spcPts val="500"/>
-              </a:spcBef>
-              <a:buSzPct val="100000"/>
-              <a:buFont typeface="Arial"/>
-              <a:buChar char="•"/>
-              <a:defRPr>
-                <a:latin typeface="Arial"/>
-                <a:ea typeface="Arial"/>
-                <a:cs typeface="Arial"/>
-                <a:sym typeface="Arial"/>
-              </a:defRPr>
-            </a:pPr>
-            <a:endParaRPr sz="2400"/>
-          </a:p>
-          <a:p>
-            <a:pPr marL="257175" indent="-257175" defTabSz="685800">
-              <a:spcBef>
-                <a:spcPts val="400"/>
-              </a:spcBef>
-              <a:buSzPct val="100000"/>
-              <a:buFont typeface="Arial"/>
-              <a:buChar char="•"/>
-              <a:defRPr>
-                <a:latin typeface="Arial"/>
-                <a:ea typeface="Arial"/>
-                <a:cs typeface="Arial"/>
-                <a:sym typeface="Arial"/>
-              </a:defRPr>
-            </a:pPr>
-            <a:r>
+              <a:rPr dirty="0"/>
               <a:t>Students will implement basic CSS styling to HTML documents. </a:t>
             </a:r>
           </a:p>
@@ -2328,7 +2325,7 @@
           </a:ln>
           <a:extLst>
             <a:ext uri="{C572A759-6A51-4108-AA02-DFA0A04FC94B}">
-              <ma14:wrappingTextBoxFlag xmlns:ma14="http://schemas.microsoft.com/office/mac/drawingml/2011/main" xmlns="" val="1"/>
+              <ma14:wrappingTextBoxFlag xmlns="" xmlns:ma14="http://schemas.microsoft.com/office/mac/drawingml/2011/main" val="1"/>
             </a:ext>
           </a:extLst>
         </p:spPr>
@@ -2540,7 +2537,7 @@
           </a:ln>
           <a:extLst>
             <a:ext uri="{C572A759-6A51-4108-AA02-DFA0A04FC94B}">
-              <ma14:wrappingTextBoxFlag xmlns:ma14="http://schemas.microsoft.com/office/mac/drawingml/2011/main" xmlns="" val="1"/>
+              <ma14:wrappingTextBoxFlag xmlns="" xmlns:ma14="http://schemas.microsoft.com/office/mac/drawingml/2011/main" val="1"/>
             </a:ext>
           </a:extLst>
         </p:spPr>
@@ -2631,7 +2628,7 @@
           </a:ln>
           <a:extLst>
             <a:ext uri="{C572A759-6A51-4108-AA02-DFA0A04FC94B}">
-              <ma14:wrappingTextBoxFlag xmlns:ma14="http://schemas.microsoft.com/office/mac/drawingml/2011/main" xmlns="" val="1"/>
+              <ma14:wrappingTextBoxFlag xmlns="" xmlns:ma14="http://schemas.microsoft.com/office/mac/drawingml/2011/main" val="1"/>
             </a:ext>
           </a:extLst>
         </p:spPr>
@@ -2960,7 +2957,7 @@
           </a:ln>
           <a:extLst>
             <a:ext uri="{C572A759-6A51-4108-AA02-DFA0A04FC94B}">
-              <ma14:wrappingTextBoxFlag xmlns:ma14="http://schemas.microsoft.com/office/mac/drawingml/2011/main" xmlns="" val="1"/>
+              <ma14:wrappingTextBoxFlag xmlns="" xmlns:ma14="http://schemas.microsoft.com/office/mac/drawingml/2011/main" val="1"/>
             </a:ext>
           </a:extLst>
         </p:spPr>
@@ -3223,7 +3220,7 @@
           </a:ln>
           <a:extLst>
             <a:ext uri="{C572A759-6A51-4108-AA02-DFA0A04FC94B}">
-              <ma14:wrappingTextBoxFlag xmlns:ma14="http://schemas.microsoft.com/office/mac/drawingml/2011/main" xmlns="" val="1"/>
+              <ma14:wrappingTextBoxFlag xmlns="" xmlns:ma14="http://schemas.microsoft.com/office/mac/drawingml/2011/main" val="1"/>
             </a:ext>
           </a:extLst>
         </p:spPr>
@@ -3245,6 +3242,7 @@
               </a:defRPr>
             </a:pPr>
             <a:r>
+              <a:rPr dirty="0"/>
               <a:t>HTML Alone</a:t>
             </a:r>
           </a:p>
@@ -3264,6 +3262,7 @@
               </a:defRPr>
             </a:pPr>
             <a:r>
+              <a:rPr dirty="0"/>
               <a:t>Like writing papers in “Notepad.” </a:t>
             </a:r>
           </a:p>
@@ -3282,7 +3281,7 @@
                 <a:sym typeface="Arial"/>
               </a:defRPr>
             </a:pPr>
-            <a:endParaRPr/>
+            <a:endParaRPr dirty="0"/>
           </a:p>
           <a:p>
             <a:pPr marL="257175" indent="-257175" algn="ctr" defTabSz="685800">
@@ -3300,6 +3299,7 @@
               </a:defRPr>
             </a:pPr>
             <a:r>
+              <a:rPr dirty="0"/>
               <a:t>Can only write unformatted text. </a:t>
             </a:r>
           </a:p>
@@ -3324,7 +3324,7 @@
           </a:ln>
           <a:extLst>
             <a:ext uri="{C572A759-6A51-4108-AA02-DFA0A04FC94B}">
-              <ma14:wrappingTextBoxFlag xmlns:ma14="http://schemas.microsoft.com/office/mac/drawingml/2011/main" xmlns="" val="1"/>
+              <ma14:wrappingTextBoxFlag xmlns="" xmlns:ma14="http://schemas.microsoft.com/office/mac/drawingml/2011/main" val="1"/>
             </a:ext>
           </a:extLst>
         </p:spPr>
@@ -3806,7 +3806,7 @@
           </a:ln>
           <a:extLst>
             <a:ext uri="{C572A759-6A51-4108-AA02-DFA0A04FC94B}">
-              <ma14:wrappingTextBoxFlag xmlns:ma14="http://schemas.microsoft.com/office/mac/drawingml/2011/main" xmlns="" val="1"/>
+              <ma14:wrappingTextBoxFlag xmlns="" xmlns:ma14="http://schemas.microsoft.com/office/mac/drawingml/2011/main" val="1"/>
             </a:ext>
           </a:extLst>
         </p:spPr>
@@ -4206,7 +4206,7 @@
           </a:ln>
           <a:extLst>
             <a:ext uri="{C572A759-6A51-4108-AA02-DFA0A04FC94B}">
-              <ma14:wrappingTextBoxFlag xmlns:ma14="http://schemas.microsoft.com/office/mac/drawingml/2011/main" xmlns="" val="1"/>
+              <ma14:wrappingTextBoxFlag xmlns="" xmlns:ma14="http://schemas.microsoft.com/office/mac/drawingml/2011/main" val="1"/>
             </a:ext>
           </a:extLst>
         </p:spPr>
@@ -4231,27 +4231,30 @@
               </a:defRPr>
             </a:pPr>
             <a:r>
+              <a:rPr dirty="0"/>
               <a:t>CSS works by hooking onto </a:t>
             </a:r>
             <a:r>
-              <a:rPr b="1"/>
+              <a:rPr b="1" dirty="0"/>
               <a:t>selectors</a:t>
             </a:r>
             <a:r>
+              <a:rPr dirty="0"/>
               <a:t> added into HTML using </a:t>
             </a:r>
             <a:r>
-              <a:rPr b="1"/>
+              <a:rPr b="1" dirty="0"/>
               <a:t>classes</a:t>
             </a:r>
             <a:r>
+              <a:rPr dirty="0"/>
               <a:t> and </a:t>
             </a:r>
             <a:r>
-              <a:rPr b="1"/>
+              <a:rPr b="1" dirty="0"/>
               <a:t>identifiers.</a:t>
             </a:r>
-            <a:endParaRPr sz="2400"/>
+            <a:endParaRPr sz="2400" dirty="0"/>
           </a:p>
           <a:p>
             <a:pPr marL="257175" indent="-257175" defTabSz="685800">
@@ -4268,7 +4271,7 @@
                 <a:sym typeface="Arial"/>
               </a:defRPr>
             </a:pPr>
-            <a:endParaRPr sz="2400"/>
+            <a:endParaRPr sz="2400" dirty="0"/>
           </a:p>
           <a:p>
             <a:pPr marL="257175" indent="-257175" defTabSz="685800">
@@ -4286,16 +4289,18 @@
               </a:defRPr>
             </a:pPr>
             <a:r>
+              <a:rPr dirty="0"/>
               <a:t>Once hooked, we apply </a:t>
             </a:r>
             <a:r>
-              <a:rPr b="1"/>
+              <a:rPr b="1" dirty="0"/>
               <a:t>styles </a:t>
             </a:r>
             <a:r>
+              <a:rPr dirty="0"/>
               <a:t>to those HTML elements using CSS.</a:t>
             </a:r>
-            <a:endParaRPr sz="2400"/>
+            <a:endParaRPr sz="2400" dirty="0"/>
           </a:p>
           <a:p>
             <a:pPr marL="257175" indent="-257175" defTabSz="685800">
@@ -4312,7 +4317,7 @@
                 <a:sym typeface="Arial"/>
               </a:defRPr>
             </a:pPr>
-            <a:endParaRPr sz="2400"/>
+            <a:endParaRPr sz="2400" dirty="0"/>
           </a:p>
           <a:p>
             <a:pPr defTabSz="685800">
@@ -4326,7 +4331,7 @@
                 <a:sym typeface="Arial"/>
               </a:defRPr>
             </a:pPr>
-            <a:endParaRPr sz="2400"/>
+            <a:endParaRPr sz="2400" dirty="0"/>
           </a:p>
         </p:txBody>
       </p:sp>
@@ -4446,7 +4451,7 @@
           </a:ln>
           <a:extLst>
             <a:ext uri="{C572A759-6A51-4108-AA02-DFA0A04FC94B}">
-              <ma14:wrappingTextBoxFlag xmlns:ma14="http://schemas.microsoft.com/office/mac/drawingml/2011/main" xmlns="" val="1"/>
+              <ma14:wrappingTextBoxFlag xmlns="" xmlns:ma14="http://schemas.microsoft.com/office/mac/drawingml/2011/main" val="1"/>
             </a:ext>
           </a:extLst>
         </p:spPr>
@@ -4889,7 +4894,7 @@
           </a:ln>
           <a:extLst>
             <a:ext uri="{C572A759-6A51-4108-AA02-DFA0A04FC94B}">
-              <ma14:wrappingTextBoxFlag xmlns:ma14="http://schemas.microsoft.com/office/mac/drawingml/2011/main" xmlns="" val="1"/>
+              <ma14:wrappingTextBoxFlag xmlns="" xmlns:ma14="http://schemas.microsoft.com/office/mac/drawingml/2011/main" val="1"/>
             </a:ext>
           </a:extLst>
         </p:spPr>
@@ -5399,7 +5404,7 @@
           </a:ln>
           <a:extLst>
             <a:ext uri="{C572A759-6A51-4108-AA02-DFA0A04FC94B}">
-              <ma14:wrappingTextBoxFlag xmlns:ma14="http://schemas.microsoft.com/office/mac/drawingml/2011/main" xmlns="" val="1"/>
+              <ma14:wrappingTextBoxFlag xmlns="" xmlns:ma14="http://schemas.microsoft.com/office/mac/drawingml/2011/main" val="1"/>
             </a:ext>
           </a:extLst>
         </p:spPr>
@@ -5530,7 +5535,7 @@
           </a:ln>
           <a:extLst>
             <a:ext uri="{C572A759-6A51-4108-AA02-DFA0A04FC94B}">
-              <ma14:wrappingTextBoxFlag xmlns:ma14="http://schemas.microsoft.com/office/mac/drawingml/2011/main" xmlns="" val="1"/>
+              <ma14:wrappingTextBoxFlag xmlns="" xmlns:ma14="http://schemas.microsoft.com/office/mac/drawingml/2011/main" val="1"/>
             </a:ext>
           </a:extLst>
         </p:spPr>
@@ -5698,7 +5703,7 @@
           </a:ln>
           <a:extLst>
             <a:ext uri="{C572A759-6A51-4108-AA02-DFA0A04FC94B}">
-              <ma14:wrappingTextBoxFlag xmlns:ma14="http://schemas.microsoft.com/office/mac/drawingml/2011/main" xmlns="" val="1"/>
+              <ma14:wrappingTextBoxFlag xmlns="" xmlns:ma14="http://schemas.microsoft.com/office/mac/drawingml/2011/main" val="1"/>
             </a:ext>
           </a:extLst>
         </p:spPr>
@@ -5789,7 +5794,7 @@
           </a:ln>
           <a:extLst>
             <a:ext uri="{C572A759-6A51-4108-AA02-DFA0A04FC94B}">
-              <ma14:wrappingTextBoxFlag xmlns:ma14="http://schemas.microsoft.com/office/mac/drawingml/2011/main" xmlns="" val="1"/>
+              <ma14:wrappingTextBoxFlag xmlns="" xmlns:ma14="http://schemas.microsoft.com/office/mac/drawingml/2011/main" val="1"/>
             </a:ext>
           </a:extLst>
         </p:spPr>
@@ -6037,7 +6042,7 @@
           </a:ln>
           <a:extLst>
             <a:ext uri="{C572A759-6A51-4108-AA02-DFA0A04FC94B}">
-              <ma14:wrappingTextBoxFlag xmlns:ma14="http://schemas.microsoft.com/office/mac/drawingml/2011/main" xmlns="" val="1"/>
+              <ma14:wrappingTextBoxFlag xmlns="" xmlns:ma14="http://schemas.microsoft.com/office/mac/drawingml/2011/main" val="1"/>
             </a:ext>
           </a:extLst>
         </p:spPr>
@@ -6159,7 +6164,7 @@
           </a:ln>
           <a:extLst>
             <a:ext uri="{C572A759-6A51-4108-AA02-DFA0A04FC94B}">
-              <ma14:wrappingTextBoxFlag xmlns:ma14="http://schemas.microsoft.com/office/mac/drawingml/2011/main" xmlns="" val="1"/>
+              <ma14:wrappingTextBoxFlag xmlns="" xmlns:ma14="http://schemas.microsoft.com/office/mac/drawingml/2011/main" val="1"/>
             </a:ext>
           </a:extLst>
         </p:spPr>
@@ -6346,7 +6351,7 @@
           </a:ln>
           <a:extLst>
             <a:ext uri="{C572A759-6A51-4108-AA02-DFA0A04FC94B}">
-              <ma14:wrappingTextBoxFlag xmlns:ma14="http://schemas.microsoft.com/office/mac/drawingml/2011/main" xmlns="" val="1"/>
+              <ma14:wrappingTextBoxFlag xmlns="" xmlns:ma14="http://schemas.microsoft.com/office/mac/drawingml/2011/main" val="1"/>
             </a:ext>
           </a:extLst>
         </p:spPr>
@@ -6393,7 +6398,7 @@
           </a:ln>
           <a:extLst>
             <a:ext uri="{C572A759-6A51-4108-AA02-DFA0A04FC94B}">
-              <ma14:wrappingTextBoxFlag xmlns:ma14="http://schemas.microsoft.com/office/mac/drawingml/2011/main" xmlns="" val="1"/>
+              <ma14:wrappingTextBoxFlag xmlns="" xmlns:ma14="http://schemas.microsoft.com/office/mac/drawingml/2011/main" val="1"/>
             </a:ext>
           </a:extLst>
         </p:spPr>
@@ -6440,7 +6445,7 @@
           </a:ln>
           <a:extLst>
             <a:ext uri="{C572A759-6A51-4108-AA02-DFA0A04FC94B}">
-              <ma14:wrappingTextBoxFlag xmlns:ma14="http://schemas.microsoft.com/office/mac/drawingml/2011/main" xmlns="" val="1"/>
+              <ma14:wrappingTextBoxFlag xmlns="" xmlns:ma14="http://schemas.microsoft.com/office/mac/drawingml/2011/main" val="1"/>
             </a:ext>
           </a:extLst>
         </p:spPr>
@@ -6484,7 +6489,7 @@
           </a:ln>
           <a:extLst>
             <a:ext uri="{C572A759-6A51-4108-AA02-DFA0A04FC94B}">
-              <ma14:wrappingTextBoxFlag xmlns:ma14="http://schemas.microsoft.com/office/mac/drawingml/2011/main" xmlns="" val="1"/>
+              <ma14:wrappingTextBoxFlag xmlns="" xmlns:ma14="http://schemas.microsoft.com/office/mac/drawingml/2011/main" val="1"/>
             </a:ext>
           </a:extLst>
         </p:spPr>
@@ -6504,6 +6509,7 @@
           </a:lstStyle>
           <a:p>
             <a:r>
+              <a:rPr dirty="0"/>
               <a:t>Opening Tag</a:t>
             </a:r>
           </a:p>
@@ -6528,7 +6534,7 @@
           </a:ln>
           <a:extLst>
             <a:ext uri="{C572A759-6A51-4108-AA02-DFA0A04FC94B}">
-              <ma14:wrappingTextBoxFlag xmlns:ma14="http://schemas.microsoft.com/office/mac/drawingml/2011/main" xmlns="" val="1"/>
+              <ma14:wrappingTextBoxFlag xmlns="" xmlns:ma14="http://schemas.microsoft.com/office/mac/drawingml/2011/main" val="1"/>
             </a:ext>
           </a:extLst>
         </p:spPr>
@@ -6572,7 +6578,7 @@
           </a:ln>
           <a:extLst>
             <a:ext uri="{C572A759-6A51-4108-AA02-DFA0A04FC94B}">
-              <ma14:wrappingTextBoxFlag xmlns:ma14="http://schemas.microsoft.com/office/mac/drawingml/2011/main" xmlns="" val="1"/>
+              <ma14:wrappingTextBoxFlag xmlns="" xmlns:ma14="http://schemas.microsoft.com/office/mac/drawingml/2011/main" val="1"/>
             </a:ext>
           </a:extLst>
         </p:spPr>
@@ -7024,7 +7030,7 @@
           </a:ln>
           <a:extLst>
             <a:ext uri="{C572A759-6A51-4108-AA02-DFA0A04FC94B}">
-              <ma14:wrappingTextBoxFlag xmlns:ma14="http://schemas.microsoft.com/office/mac/drawingml/2011/main" xmlns="" val="1"/>
+              <ma14:wrappingTextBoxFlag xmlns="" xmlns:ma14="http://schemas.microsoft.com/office/mac/drawingml/2011/main" val="1"/>
             </a:ext>
           </a:extLst>
         </p:spPr>
@@ -7049,9 +7055,10 @@
               </a:defRPr>
             </a:pPr>
             <a:r>
+              <a:rPr dirty="0"/>
               <a:t>Headings:</a:t>
             </a:r>
-            <a:endParaRPr sz="2000"/>
+            <a:endParaRPr sz="2000" dirty="0"/>
           </a:p>
           <a:p>
             <a:pPr marL="257175" indent="-257175" defTabSz="685800">
@@ -7072,13 +7079,14 @@
               </a:defRPr>
             </a:pPr>
             <a:r>
+              <a:rPr dirty="0"/>
               <a:t>&lt;h1&gt; &lt;/h1&gt; </a:t>
             </a:r>
             <a:r>
-              <a:rPr b="0"/>
+              <a:rPr b="0" dirty="0"/>
               <a:t>- Heading 1 (Largest Heading)</a:t>
             </a:r>
-            <a:endParaRPr sz="2000"/>
+            <a:endParaRPr sz="2000" dirty="0"/>
           </a:p>
           <a:p>
             <a:pPr marL="257175" indent="-257175" defTabSz="685800">
@@ -7099,13 +7107,14 @@
               </a:defRPr>
             </a:pPr>
             <a:r>
+              <a:rPr dirty="0"/>
               <a:t>&lt;h2&gt; &lt;/h2&gt; </a:t>
             </a:r>
             <a:r>
-              <a:rPr b="0"/>
+              <a:rPr b="0" dirty="0"/>
               <a:t>- Heading 2 (Next Largest Heading)</a:t>
             </a:r>
-            <a:endParaRPr sz="2000"/>
+            <a:endParaRPr sz="2000" dirty="0"/>
           </a:p>
           <a:p>
             <a:pPr marL="257175" indent="-257175" defTabSz="685800">
@@ -7126,13 +7135,14 @@
               </a:defRPr>
             </a:pPr>
             <a:r>
+              <a:rPr dirty="0"/>
               <a:t>&lt;h3&gt; &lt;/h3&gt; </a:t>
             </a:r>
             <a:r>
-              <a:rPr b="0"/>
+              <a:rPr b="0" dirty="0"/>
               <a:t>- Heading 3 </a:t>
             </a:r>
-            <a:endParaRPr sz="2000"/>
+            <a:endParaRPr sz="2000" dirty="0"/>
           </a:p>
           <a:p>
             <a:pPr marL="257175" indent="-257175" defTabSz="685800">
@@ -7153,9 +7163,10 @@
               </a:defRPr>
             </a:pPr>
             <a:r>
+              <a:rPr dirty="0"/>
               <a:t>…</a:t>
             </a:r>
-            <a:endParaRPr sz="2000"/>
+            <a:endParaRPr sz="2000" dirty="0"/>
           </a:p>
           <a:p>
             <a:pPr defTabSz="685800">
@@ -7172,7 +7183,7 @@
                 <a:sym typeface="Arial"/>
               </a:defRPr>
             </a:pPr>
-            <a:endParaRPr sz="2000"/>
+            <a:endParaRPr sz="2000" dirty="0"/>
           </a:p>
           <a:p>
             <a:pPr defTabSz="685800">
@@ -7190,9 +7201,10 @@
               </a:defRPr>
             </a:pPr>
             <a:r>
+              <a:rPr dirty="0"/>
               <a:t>Containers:</a:t>
             </a:r>
-            <a:endParaRPr sz="2000"/>
+            <a:endParaRPr sz="2000" dirty="0"/>
           </a:p>
           <a:p>
             <a:pPr marL="257175" indent="-257175" defTabSz="685800">
@@ -7213,13 +7225,14 @@
               </a:defRPr>
             </a:pPr>
             <a:r>
+              <a:rPr dirty="0"/>
               <a:t>&lt;html&gt; &lt;/html&gt; </a:t>
             </a:r>
             <a:r>
-              <a:rPr b="0"/>
+              <a:rPr b="0" dirty="0"/>
               <a:t>- Wraps the entire page</a:t>
             </a:r>
-            <a:endParaRPr sz="2000"/>
+            <a:endParaRPr sz="2000" dirty="0"/>
           </a:p>
           <a:p>
             <a:pPr marL="257175" indent="-257175" defTabSz="685800">
@@ -7240,13 +7253,14 @@
               </a:defRPr>
             </a:pPr>
             <a:r>
+              <a:rPr dirty="0"/>
               <a:t>&lt;head&gt; &lt;/head&gt;</a:t>
             </a:r>
             <a:r>
-              <a:rPr b="0"/>
+              <a:rPr b="0" dirty="0"/>
               <a:t> - Wraps the header of the page</a:t>
             </a:r>
-            <a:endParaRPr sz="2000"/>
+            <a:endParaRPr sz="2000" dirty="0"/>
           </a:p>
           <a:p>
             <a:pPr marL="257175" indent="-257175" defTabSz="685800">
@@ -7267,13 +7281,14 @@
               </a:defRPr>
             </a:pPr>
             <a:r>
+              <a:rPr dirty="0"/>
               <a:t>&lt;body&gt; &lt;/body&gt; </a:t>
             </a:r>
             <a:r>
-              <a:rPr b="0"/>
+              <a:rPr b="0" dirty="0"/>
               <a:t>- Wraps the main content </a:t>
             </a:r>
-            <a:endParaRPr sz="2000"/>
+            <a:endParaRPr sz="2000" dirty="0"/>
           </a:p>
           <a:p>
             <a:pPr marL="257175" indent="-257175" defTabSz="685800">
@@ -7294,13 +7309,14 @@
               </a:defRPr>
             </a:pPr>
             <a:r>
+              <a:rPr dirty="0"/>
               <a:t>&lt;div&gt; &lt;/div&gt; </a:t>
             </a:r>
             <a:r>
-              <a:rPr b="0"/>
+              <a:rPr b="0" dirty="0"/>
               <a:t>- Logical Container *** </a:t>
             </a:r>
-            <a:endParaRPr sz="2000"/>
+            <a:endParaRPr sz="2000" dirty="0"/>
           </a:p>
           <a:p>
             <a:pPr marL="257175" indent="-257175" defTabSz="685800">
@@ -7321,13 +7337,14 @@
               </a:defRPr>
             </a:pPr>
             <a:r>
+              <a:rPr dirty="0"/>
               <a:t>&lt;p&gt; &lt;/p&gt; </a:t>
             </a:r>
             <a:r>
-              <a:rPr b="0"/>
+              <a:rPr b="0" dirty="0"/>
               <a:t>- Wraps individual Paragraphs </a:t>
             </a:r>
-            <a:endParaRPr sz="2000"/>
+            <a:endParaRPr sz="2000" dirty="0"/>
           </a:p>
           <a:p>
             <a:pPr marL="257175" indent="-257175" defTabSz="685800">
@@ -7347,7 +7364,7 @@
                 <a:sym typeface="Arial"/>
               </a:defRPr>
             </a:pPr>
-            <a:endParaRPr sz="2000"/>
+            <a:endParaRPr sz="2000" dirty="0"/>
           </a:p>
           <a:p>
             <a:pPr defTabSz="685800">
@@ -7365,9 +7382,10 @@
               </a:defRPr>
             </a:pPr>
             <a:r>
+              <a:rPr dirty="0"/>
               <a:t>Others:</a:t>
             </a:r>
-            <a:endParaRPr sz="2000"/>
+            <a:endParaRPr sz="2000" dirty="0"/>
           </a:p>
           <a:p>
             <a:pPr marL="257175" indent="-257175" defTabSz="685800">
@@ -7388,20 +7406,30 @@
               </a:defRPr>
             </a:pPr>
             <a:r>
+              <a:rPr dirty="0"/>
               <a:t>&lt;strong&gt; </a:t>
             </a:r>
             <a:r>
-              <a:rPr b="0"/>
+              <a:rPr b="0" dirty="0"/>
               <a:t>(bold), </a:t>
             </a:r>
             <a:r>
-              <a:t>&lt;em&gt; </a:t>
-            </a:r>
-            <a:r>
-              <a:rPr b="0"/>
+              <a:rPr dirty="0"/>
+              <a:t>&lt;</a:t>
+            </a:r>
+            <a:r>
+              <a:rPr dirty="0" err="1"/>
+              <a:t>em</a:t>
+            </a:r>
+            <a:r>
+              <a:rPr dirty="0"/>
+              <a:t>&gt; </a:t>
+            </a:r>
+            <a:r>
+              <a:rPr b="0" dirty="0"/>
               <a:t>(emphasis)</a:t>
             </a:r>
-            <a:endParaRPr sz="2200"/>
+            <a:endParaRPr sz="2200" dirty="0"/>
           </a:p>
           <a:p>
             <a:pPr marL="257175" indent="-257175" defTabSz="685800">
@@ -7422,55 +7450,86 @@
               </a:defRPr>
             </a:pPr>
             <a:r>
-              <a:t>&lt;img&gt; </a:t>
-            </a:r>
-            <a:r>
-              <a:rPr b="0"/>
+              <a:rPr dirty="0"/>
+              <a:t>&lt;</a:t>
+            </a:r>
+            <a:r>
+              <a:rPr dirty="0" err="1"/>
+              <a:t>img</a:t>
+            </a:r>
+            <a:r>
+              <a:rPr dirty="0"/>
+              <a:t>&gt; </a:t>
+            </a:r>
+            <a:r>
+              <a:rPr b="0" dirty="0"/>
               <a:t>(images)</a:t>
             </a:r>
             <a:r>
-              <a:t>, &lt;a href&gt; </a:t>
-            </a:r>
-            <a:r>
-              <a:rPr b="0"/>
+              <a:rPr dirty="0"/>
+              <a:t>, &lt;a </a:t>
+            </a:r>
+            <a:r>
+              <a:rPr dirty="0" err="1"/>
+              <a:t>href</a:t>
+            </a:r>
+            <a:r>
+              <a:rPr dirty="0"/>
+              <a:t>&gt; </a:t>
+            </a:r>
+            <a:r>
+              <a:rPr b="0" dirty="0"/>
               <a:t>(links)</a:t>
             </a:r>
             <a:r>
+              <a:rPr dirty="0"/>
               <a:t>, &lt;li&gt; </a:t>
             </a:r>
             <a:r>
-              <a:rPr b="0"/>
+              <a:rPr b="0" dirty="0"/>
               <a:t>(list items)</a:t>
             </a:r>
             <a:r>
+              <a:rPr dirty="0"/>
               <a:t> , &lt;title&gt;</a:t>
             </a:r>
             <a:r>
-              <a:rPr b="0"/>
+              <a:rPr b="0" dirty="0"/>
               <a:t> (title), </a:t>
             </a:r>
             <a:br>
-              <a:rPr b="0"/>
+              <a:rPr b="0" dirty="0"/>
             </a:br>
             <a:r>
-              <a:t>&lt;br&gt;</a:t>
-            </a:r>
-            <a:r>
-              <a:rPr b="0"/>
+              <a:rPr dirty="0"/>
+              <a:t>&lt;</a:t>
+            </a:r>
+            <a:r>
+              <a:rPr dirty="0" err="1"/>
+              <a:t>br</a:t>
+            </a:r>
+            <a:r>
+              <a:rPr dirty="0"/>
+              <a:t>&gt;</a:t>
+            </a:r>
+            <a:r>
+              <a:rPr b="0" dirty="0"/>
               <a:t> (line break), </a:t>
             </a:r>
             <a:r>
+              <a:rPr dirty="0"/>
               <a:t>&lt;table&gt; </a:t>
             </a:r>
             <a:r>
-              <a:rPr b="0"/>
+              <a:rPr b="0" dirty="0"/>
               <a:t>(tables), </a:t>
             </a:r>
             <a:r>
+              <a:rPr dirty="0"/>
               <a:t>&lt;!-- --&gt;</a:t>
             </a:r>
             <a:r>
-              <a:rPr b="0"/>
+              <a:rPr b="0" dirty="0"/>
               <a:t> (comments)</a:t>
             </a:r>
           </a:p>
@@ -7561,7 +7620,7 @@
           </a:ln>
           <a:extLst>
             <a:ext uri="{C572A759-6A51-4108-AA02-DFA0A04FC94B}">
-              <ma14:wrappingTextBoxFlag xmlns:ma14="http://schemas.microsoft.com/office/mac/drawingml/2011/main" xmlns="" val="1"/>
+              <ma14:wrappingTextBoxFlag xmlns="" xmlns:ma14="http://schemas.microsoft.com/office/mac/drawingml/2011/main" val="1"/>
             </a:ext>
           </a:extLst>
         </p:spPr>
@@ -7911,7 +7970,7 @@
           </a:ln>
           <a:extLst>
             <a:ext uri="{C572A759-6A51-4108-AA02-DFA0A04FC94B}">
-              <ma14:wrappingTextBoxFlag xmlns:ma14="http://schemas.microsoft.com/office/mac/drawingml/2011/main" xmlns="" val="1"/>
+              <ma14:wrappingTextBoxFlag xmlns="" xmlns:ma14="http://schemas.microsoft.com/office/mac/drawingml/2011/main" val="1"/>
             </a:ext>
           </a:extLst>
         </p:spPr>

--- a/Prezantasyon/Gitn_Pro_HTML_CSS.pptx
+++ b/Prezantasyon/Gitn_Pro_HTML_CSS.pptx
@@ -916,7 +916,7 @@
           </a:ln>
           <a:extLst>
             <a:ext uri="{C572A759-6A51-4108-AA02-DFA0A04FC94B}">
-              <ma14:wrappingTextBoxFlag xmlns="" xmlns:ma14="http://schemas.microsoft.com/office/mac/drawingml/2011/main" val="1"/>
+              <ma14:wrappingTextBoxFlag xmlns:ma14="http://schemas.microsoft.com/office/mac/drawingml/2011/main" xmlns="" val="1"/>
             </a:ext>
           </a:extLst>
         </p:spPr>
@@ -1046,7 +1046,7 @@
           </a:ln>
           <a:extLst>
             <a:ext uri="{C572A759-6A51-4108-AA02-DFA0A04FC94B}">
-              <ma14:wrappingTextBoxFlag xmlns="" xmlns:ma14="http://schemas.microsoft.com/office/mac/drawingml/2011/main" val="1"/>
+              <ma14:wrappingTextBoxFlag xmlns:ma14="http://schemas.microsoft.com/office/mac/drawingml/2011/main" xmlns="" val="1"/>
             </a:ext>
           </a:extLst>
         </p:spPr>
@@ -1085,7 +1085,7 @@
           </a:ln>
           <a:extLst>
             <a:ext uri="{C572A759-6A51-4108-AA02-DFA0A04FC94B}">
-              <ma14:wrappingTextBoxFlag xmlns="" xmlns:ma14="http://schemas.microsoft.com/office/mac/drawingml/2011/main" val="1"/>
+              <ma14:wrappingTextBoxFlag xmlns:ma14="http://schemas.microsoft.com/office/mac/drawingml/2011/main" xmlns="" val="1"/>
             </a:ext>
           </a:extLst>
         </p:spPr>
@@ -2012,8 +2012,22 @@
           <a:lstStyle/>
           <a:p>
             <a:r>
-              <a:t>Today’s Objectives</a:t>
-            </a:r>
+              <a:rPr lang="en-US" dirty="0" err="1"/>
+              <a:t>Objektif</a:t>
+            </a:r>
+            <a:r>
+              <a:rPr lang="en-US" dirty="0"/>
+              <a:t> </a:t>
+            </a:r>
+            <a:r>
+              <a:rPr lang="en-US" dirty="0" err="1"/>
+              <a:t>pou</a:t>
+            </a:r>
+            <a:r>
+              <a:rPr lang="en-US" dirty="0"/>
+              <a:t> Jodi an</a:t>
+            </a:r>
+            <a:endParaRPr dirty="0"/>
           </a:p>
         </p:txBody>
       </p:sp>
@@ -2036,7 +2050,7 @@
           </a:ln>
           <a:extLst>
             <a:ext uri="{C572A759-6A51-4108-AA02-DFA0A04FC94B}">
-              <ma14:wrappingTextBoxFlag xmlns="" xmlns:ma14="http://schemas.microsoft.com/office/mac/drawingml/2011/main" val="1"/>
+              <ma14:wrappingTextBoxFlag xmlns:ma14="http://schemas.microsoft.com/office/mac/drawingml/2011/main" xmlns="" val="1"/>
             </a:ext>
           </a:extLst>
         </p:spPr>
@@ -2140,7 +2154,7 @@
             </a:r>
             <a:r>
               <a:rPr lang="en-US" dirty="0" err="1"/>
-              <a:t>koman</a:t>
+              <a:t>komanse</a:t>
             </a:r>
             <a:r>
               <a:rPr lang="en-US" dirty="0"/>
@@ -2148,7 +2162,7 @@
             </a:r>
             <a:r>
               <a:rPr lang="en-US" dirty="0" err="1"/>
-              <a:t>pou’l</a:t>
+              <a:t>aprann</a:t>
             </a:r>
             <a:r>
               <a:rPr lang="en-US" dirty="0"/>
@@ -2160,15 +2174,15 @@
             </a:r>
             <a:r>
               <a:rPr lang="en-US" dirty="0"/>
-              <a:t> yon </a:t>
+              <a:t> </a:t>
             </a:r>
             <a:r>
               <a:rPr lang="en-US" dirty="0" err="1"/>
               <a:t>senp</a:t>
             </a:r>
             <a:r>
-              <a:rPr lang="en-US"/>
-              <a:t> tag.</a:t>
+              <a:rPr lang="en-US" dirty="0"/>
+              <a:t> HTML tag.</a:t>
             </a:r>
             <a:endParaRPr sz="2400" dirty="0"/>
           </a:p>
@@ -2205,9 +2219,42 @@
               </a:defRPr>
             </a:pPr>
             <a:r>
-              <a:rPr dirty="0"/>
-              <a:t>Students will implement basic CSS styling to HTML documents. </a:t>
-            </a:r>
+              <a:rPr lang="en-US" dirty="0" err="1"/>
+              <a:t>Etidyan</a:t>
+            </a:r>
+            <a:r>
+              <a:rPr lang="en-US" dirty="0"/>
+              <a:t> </a:t>
+            </a:r>
+            <a:r>
+              <a:rPr lang="en-US" dirty="0" err="1"/>
+              <a:t>pral</a:t>
+            </a:r>
+            <a:r>
+              <a:rPr lang="en-US" dirty="0"/>
+              <a:t> </a:t>
+            </a:r>
+            <a:r>
+              <a:rPr lang="en-US" dirty="0" err="1"/>
+              <a:t>aprann</a:t>
+            </a:r>
+            <a:r>
+              <a:rPr lang="en-US" dirty="0"/>
+              <a:t> </a:t>
+            </a:r>
+            <a:r>
+              <a:rPr lang="en-US" dirty="0" err="1"/>
+              <a:t>aplike</a:t>
+            </a:r>
+            <a:r>
+              <a:rPr lang="en-US" dirty="0"/>
+              <a:t> CSS nan HTML </a:t>
+            </a:r>
+            <a:r>
+              <a:rPr lang="en-US" dirty="0" err="1"/>
+              <a:t>yo</a:t>
+            </a:r>
+            <a:endParaRPr dirty="0"/>
           </a:p>
         </p:txBody>
       </p:sp>
@@ -2272,8 +2319,22 @@
           <a:lstStyle/>
           <a:p>
             <a:r>
-              <a:t>On Ugly HTML</a:t>
-            </a:r>
+              <a:rPr lang="en-US" dirty="0"/>
+              <a:t>Yon HTML </a:t>
+            </a:r>
+            <a:r>
+              <a:rPr lang="en-US" dirty="0" err="1"/>
+              <a:t>ki</a:t>
+            </a:r>
+            <a:r>
+              <a:rPr lang="en-US" dirty="0"/>
+              <a:t> </a:t>
+            </a:r>
+            <a:r>
+              <a:rPr lang="en-US" dirty="0" err="1"/>
+              <a:t>lèd</a:t>
+            </a:r>
+            <a:endParaRPr dirty="0"/>
           </a:p>
         </p:txBody>
       </p:sp>
@@ -2295,8 +2356,8 @@
         </p:blipFill>
         <p:spPr>
           <a:xfrm>
-            <a:off x="300035" y="914400"/>
-            <a:ext cx="8543927" cy="3181350"/>
+            <a:off x="304800" y="653856"/>
+            <a:ext cx="7463739" cy="2743200"/>
           </a:xfrm>
           <a:prstGeom prst="rect">
             <a:avLst/>
@@ -2314,8 +2375,8 @@
         </p:nvSpPr>
         <p:spPr>
           <a:xfrm>
-            <a:off x="304800" y="4343399"/>
-            <a:ext cx="8686800" cy="1859468"/>
+            <a:off x="304800" y="3584275"/>
+            <a:ext cx="8686800" cy="1938988"/>
           </a:xfrm>
           <a:prstGeom prst="rect">
             <a:avLst/>
@@ -2325,7 +2386,7 @@
           </a:ln>
           <a:extLst>
             <a:ext uri="{C572A759-6A51-4108-AA02-DFA0A04FC94B}">
-              <ma14:wrappingTextBoxFlag xmlns="" xmlns:ma14="http://schemas.microsoft.com/office/mac/drawingml/2011/main" val="1"/>
+              <ma14:wrappingTextBoxFlag xmlns:ma14="http://schemas.microsoft.com/office/mac/drawingml/2011/main" xmlns="" val="1"/>
             </a:ext>
           </a:extLst>
         </p:spPr>
@@ -2347,8 +2408,46 @@
               </a:defRPr>
             </a:pPr>
             <a:r>
-              <a:t>Don’t do this… Use proper indentation and sectioning.</a:t>
-            </a:r>
+              <a:rPr lang="en-US" dirty="0"/>
+              <a:t>Pa </a:t>
+            </a:r>
+            <a:r>
+              <a:rPr lang="en-US" dirty="0" err="1"/>
+              <a:t>fè</a:t>
+            </a:r>
+            <a:r>
+              <a:rPr lang="en-US" dirty="0"/>
+              <a:t> </a:t>
+            </a:r>
+            <a:r>
+              <a:rPr lang="en-US" dirty="0" err="1"/>
+              <a:t>sa</a:t>
+            </a:r>
+            <a:r>
+              <a:rPr lang="en-US" dirty="0"/>
+              <a:t>. </a:t>
+            </a:r>
+            <a:r>
+              <a:rPr lang="en-US" dirty="0" err="1"/>
+              <a:t>Itilize</a:t>
+            </a:r>
+            <a:r>
+              <a:rPr lang="en-US" dirty="0"/>
+              <a:t> </a:t>
+            </a:r>
+            <a:r>
+              <a:rPr lang="en-US" dirty="0" err="1"/>
+              <a:t>bonjan</a:t>
+            </a:r>
+            <a:r>
+              <a:rPr lang="en-US" dirty="0"/>
+              <a:t> </a:t>
+            </a:r>
+            <a:r>
+              <a:rPr lang="en-US" dirty="0" err="1"/>
+              <a:t>endantasyon</a:t>
+            </a:r>
+            <a:endParaRPr dirty="0"/>
           </a:p>
           <a:p>
             <a:pPr marL="342900" indent="-342900">
@@ -2362,7 +2461,55 @@
                 <a:sym typeface="Arial"/>
               </a:defRPr>
             </a:pPr>
-            <a:endParaRPr/>
+            <a:r>
+              <a:rPr lang="en-US" dirty="0" err="1"/>
+              <a:t>Fòk</a:t>
+            </a:r>
+            <a:r>
+              <a:rPr lang="en-US" dirty="0"/>
+              <a:t> </a:t>
+            </a:r>
+            <a:r>
+              <a:rPr lang="en-US" dirty="0" err="1"/>
+              <a:t>kòd</a:t>
+            </a:r>
+            <a:r>
+              <a:rPr lang="en-US" dirty="0"/>
+              <a:t> fasil </a:t>
+            </a:r>
+            <a:r>
+              <a:rPr lang="en-US" dirty="0" err="1"/>
+              <a:t>pou</a:t>
+            </a:r>
+            <a:r>
+              <a:rPr lang="en-US" dirty="0"/>
+              <a:t> </a:t>
+            </a:r>
+            <a:r>
+              <a:rPr lang="en-US" dirty="0" err="1"/>
+              <a:t>lòt</a:t>
+            </a:r>
+            <a:r>
+              <a:rPr lang="en-US" dirty="0"/>
+              <a:t> </a:t>
+            </a:r>
+            <a:r>
+              <a:rPr lang="en-US" dirty="0" err="1"/>
+              <a:t>moun</a:t>
+            </a:r>
+            <a:r>
+              <a:rPr lang="en-US" dirty="0"/>
+              <a:t> </a:t>
+            </a:r>
+            <a:r>
+              <a:rPr lang="en-US" dirty="0" err="1"/>
+              <a:t>lil</a:t>
+            </a:r>
+            <a:r>
+              <a:rPr lang="en-US" dirty="0"/>
+              <a:t>.</a:t>
+            </a:r>
+            <a:endParaRPr dirty="0"/>
           </a:p>
           <a:p>
             <a:pPr marL="342900" indent="-342900">
@@ -2376,9 +2523,7 @@
                 <a:sym typeface="Arial"/>
               </a:defRPr>
             </a:pPr>
-            <a:r>
-              <a:t>Readable code is easier to maintain.</a:t>
-            </a:r>
+            <a:endParaRPr dirty="0"/>
           </a:p>
           <a:p>
             <a:pPr marL="342900" indent="-342900">
@@ -2392,23 +2537,103 @@
                 <a:sym typeface="Arial"/>
               </a:defRPr>
             </a:pPr>
-            <a:endParaRPr/>
-          </a:p>
-          <a:p>
-            <a:pPr marL="342900" indent="-342900">
-              <a:buSzPct val="100000"/>
-              <a:buFont typeface="Arial"/>
-              <a:buChar char="•"/>
-              <a:defRPr sz="2400">
-                <a:latin typeface="Arial"/>
-                <a:ea typeface="Arial"/>
-                <a:cs typeface="Arial"/>
-                <a:sym typeface="Arial"/>
-              </a:defRPr>
-            </a:pPr>
-            <a:r>
-              <a:t>Invest time to get better about this now. It will pay dividends!</a:t>
-            </a:r>
+            <a:r>
+              <a:rPr lang="en-US" dirty="0" err="1"/>
+              <a:t>Envesti</a:t>
+            </a:r>
+            <a:r>
+              <a:rPr lang="en-US" dirty="0"/>
+              <a:t> </a:t>
+            </a:r>
+            <a:r>
+              <a:rPr lang="en-US" dirty="0" err="1"/>
+              <a:t>tan’w</a:t>
+            </a:r>
+            <a:r>
+              <a:rPr lang="en-US" dirty="0"/>
+              <a:t> </a:t>
+            </a:r>
+            <a:r>
+              <a:rPr lang="en-US" dirty="0" err="1"/>
+              <a:t>pou’w</a:t>
+            </a:r>
+            <a:r>
+              <a:rPr lang="en-US" dirty="0"/>
+              <a:t> evite </a:t>
+            </a:r>
+            <a:r>
+              <a:rPr lang="en-US" dirty="0" err="1"/>
+              <a:t>ekri</a:t>
+            </a:r>
+            <a:r>
+              <a:rPr lang="en-US" dirty="0"/>
+              <a:t> </a:t>
+            </a:r>
+            <a:r>
+              <a:rPr lang="en-US" dirty="0" err="1"/>
+              <a:t>kòd</a:t>
+            </a:r>
+            <a:r>
+              <a:rPr lang="en-US" dirty="0"/>
+              <a:t> </a:t>
+            </a:r>
+            <a:r>
+              <a:rPr lang="en-US" dirty="0" err="1"/>
+              <a:t>ki</a:t>
+            </a:r>
+            <a:r>
+              <a:rPr lang="en-US" dirty="0"/>
+              <a:t> </a:t>
+            </a:r>
+            <a:r>
+              <a:rPr lang="en-US" dirty="0" err="1"/>
+              <a:t>sanble</a:t>
+            </a:r>
+            <a:r>
+              <a:rPr lang="en-US" dirty="0"/>
+              <a:t> </a:t>
+            </a:r>
+            <a:r>
+              <a:rPr lang="en-US" dirty="0" err="1"/>
+              <a:t>avek</a:t>
+            </a:r>
+            <a:r>
+              <a:rPr lang="en-US" dirty="0"/>
+              <a:t> </a:t>
+            </a:r>
+            <a:r>
+              <a:rPr lang="en-US" dirty="0" err="1"/>
+              <a:t>sa</a:t>
+            </a:r>
+            <a:r>
+              <a:rPr lang="en-US" dirty="0"/>
+              <a:t> </a:t>
+            </a:r>
+            <a:r>
+              <a:rPr lang="en-US" dirty="0" err="1"/>
+              <a:t>ki</a:t>
+            </a:r>
+            <a:r>
+              <a:rPr lang="en-US" dirty="0"/>
+              <a:t> nan </a:t>
+            </a:r>
+            <a:r>
+              <a:rPr lang="en-US" dirty="0" err="1"/>
+              <a:t>imaj</a:t>
+            </a:r>
+            <a:r>
+              <a:rPr lang="en-US" dirty="0"/>
+              <a:t> </a:t>
+            </a:r>
+            <a:r>
+              <a:rPr lang="en-US" dirty="0" err="1"/>
+              <a:t>lan</a:t>
+            </a:r>
+            <a:r>
+              <a:rPr lang="en-US" dirty="0"/>
+              <a:t>.</a:t>
+            </a:r>
+            <a:endParaRPr dirty="0"/>
           </a:p>
         </p:txBody>
       </p:sp>
@@ -2473,7 +2698,24 @@
           <a:lstStyle/>
           <a:p>
             <a:r>
-              <a:t>&gt; YOUR TURN!</a:t>
+              <a:rPr dirty="0"/>
+              <a:t>&gt; </a:t>
+            </a:r>
+            <a:r>
+              <a:rPr lang="en-US" dirty="0" err="1"/>
+              <a:t>Tou</a:t>
+            </a:r>
+            <a:r>
+              <a:rPr lang="en-US" dirty="0"/>
+              <a:t> </a:t>
+            </a:r>
+            <a:r>
+              <a:rPr lang="en-US" dirty="0" err="1"/>
+              <a:t>pa’w</a:t>
+            </a:r>
+            <a:r>
+              <a:rPr dirty="0"/>
+              <a:t>!</a:t>
             </a:r>
           </a:p>
         </p:txBody>
@@ -2527,7 +2769,7 @@
         <p:spPr>
           <a:xfrm>
             <a:off x="304800" y="914399"/>
-            <a:ext cx="8686800" cy="2570668"/>
+            <a:ext cx="8686800" cy="2062099"/>
           </a:xfrm>
           <a:prstGeom prst="rect">
             <a:avLst/>
@@ -2537,7 +2779,7 @@
           </a:ln>
           <a:extLst>
             <a:ext uri="{C572A759-6A51-4108-AA02-DFA0A04FC94B}">
-              <ma14:wrappingTextBoxFlag xmlns="" xmlns:ma14="http://schemas.microsoft.com/office/mac/drawingml/2011/main" val="1"/>
+              <ma14:wrappingTextBoxFlag xmlns:ma14="http://schemas.microsoft.com/office/mac/drawingml/2011/main" xmlns="" val="1"/>
             </a:ext>
           </a:extLst>
         </p:spPr>
@@ -2556,8 +2798,12 @@
               </a:defRPr>
             </a:pPr>
             <a:r>
-              <a:t>Assignment</a:t>
-            </a:r>
+              <a:rPr lang="en-US" sz="2400" b="1" dirty="0" err="1">
+                <a:sym typeface="Arial"/>
+              </a:rPr>
+              <a:t>Egzèsis</a:t>
+            </a:r>
+            <a:endParaRPr dirty="0"/>
           </a:p>
           <a:p>
             <a:pPr>
@@ -2568,7 +2814,89 @@
                 <a:sym typeface="Arial"/>
               </a:defRPr>
             </a:pPr>
-            <a:endParaRPr/>
+            <a:endParaRPr lang="en-US" dirty="0"/>
+          </a:p>
+          <a:p>
+            <a:r>
+              <a:rPr lang="en-US" sz="2800" dirty="0" err="1"/>
+              <a:t>Kreye</a:t>
+            </a:r>
+            <a:r>
+              <a:rPr lang="en-US" sz="2800" dirty="0"/>
+              <a:t> yon </a:t>
+            </a:r>
+            <a:r>
+              <a:rPr lang="en-US" sz="2800" dirty="0" err="1"/>
+              <a:t>senp</a:t>
+            </a:r>
+            <a:r>
+              <a:rPr lang="en-US" sz="2800" dirty="0"/>
+              <a:t> </a:t>
+            </a:r>
+            <a:r>
+              <a:rPr lang="en-US" sz="2800" dirty="0" err="1"/>
+              <a:t>paj</a:t>
+            </a:r>
+            <a:r>
+              <a:rPr lang="en-US" sz="2800" dirty="0"/>
+              <a:t> HTML </a:t>
+            </a:r>
+            <a:r>
+              <a:rPr lang="en-US" sz="2800" dirty="0" err="1"/>
+              <a:t>avèk</a:t>
+            </a:r>
+            <a:r>
+              <a:rPr lang="en-US" sz="2800" dirty="0"/>
+              <a:t> </a:t>
+            </a:r>
+            <a:r>
+              <a:rPr lang="en-US" sz="2800" dirty="0" err="1"/>
+              <a:t>enfòmasyon'w</a:t>
+            </a:r>
+            <a:r>
+              <a:rPr lang="en-US" sz="2800" dirty="0"/>
+              <a:t> </a:t>
+            </a:r>
+            <a:r>
+              <a:rPr lang="en-US" sz="2800" dirty="0" err="1"/>
+              <a:t>ki</a:t>
+            </a:r>
+            <a:r>
+              <a:rPr lang="en-US" sz="2800" dirty="0"/>
+              <a:t> </a:t>
+            </a:r>
+            <a:r>
+              <a:rPr lang="en-US" sz="2800" dirty="0" err="1"/>
+              <a:t>sanble</a:t>
+            </a:r>
+            <a:r>
+              <a:rPr lang="en-US" sz="2800" dirty="0"/>
+              <a:t> </a:t>
+            </a:r>
+            <a:r>
+              <a:rPr lang="en-US" sz="2800" dirty="0" err="1"/>
+              <a:t>avèk</a:t>
+            </a:r>
+            <a:r>
+              <a:rPr lang="en-US" sz="2800" dirty="0"/>
+              <a:t> </a:t>
+            </a:r>
+            <a:r>
+              <a:rPr lang="en-US" sz="2800" dirty="0" err="1"/>
+              <a:t>imaj</a:t>
+            </a:r>
+            <a:r>
+              <a:rPr lang="en-US" sz="2800" dirty="0"/>
+              <a:t> </a:t>
+            </a:r>
+            <a:r>
+              <a:rPr lang="en-US" sz="2800" dirty="0" err="1"/>
+              <a:t>sa</a:t>
+            </a:r>
+            <a:r>
+              <a:rPr lang="en-US" sz="2800" dirty="0"/>
+              <a:t>.</a:t>
+            </a:r>
           </a:p>
           <a:p>
             <a:pPr>
@@ -2579,33 +2907,7 @@
                 <a:sym typeface="Arial"/>
               </a:defRPr>
             </a:pPr>
-            <a:r>
-              <a:t>In this activity, you’ll create a student bio using HTML. You will then add, commit, and push your completed HTML to GitHub for the world to see.</a:t>
-            </a:r>
-          </a:p>
-          <a:p>
-            <a:pPr>
-              <a:defRPr sz="2400">
-                <a:latin typeface="Arial"/>
-                <a:ea typeface="Arial"/>
-                <a:cs typeface="Arial"/>
-                <a:sym typeface="Arial"/>
-              </a:defRPr>
-            </a:pPr>
-            <a:endParaRPr/>
-          </a:p>
-          <a:p>
-            <a:pPr>
-              <a:defRPr sz="2400">
-                <a:latin typeface="Arial"/>
-                <a:ea typeface="Arial"/>
-                <a:cs typeface="Arial"/>
-                <a:sym typeface="Arial"/>
-              </a:defRPr>
-            </a:pPr>
-            <a:r>
-              <a:t>Additional instructions, sent via Slack.</a:t>
-            </a:r>
+            <a:endParaRPr dirty="0"/>
           </a:p>
         </p:txBody>
       </p:sp>
@@ -2618,7 +2920,7 @@
         <p:spPr>
           <a:xfrm>
             <a:off x="3657600" y="124823"/>
-            <a:ext cx="5334000" cy="350661"/>
+            <a:ext cx="5334000" cy="369328"/>
           </a:xfrm>
           <a:prstGeom prst="rect">
             <a:avLst/>
@@ -2628,7 +2930,7 @@
           </a:ln>
           <a:extLst>
             <a:ext uri="{C572A759-6A51-4108-AA02-DFA0A04FC94B}">
-              <ma14:wrappingTextBoxFlag xmlns="" xmlns:ma14="http://schemas.microsoft.com/office/mac/drawingml/2011/main" val="1"/>
+              <ma14:wrappingTextBoxFlag xmlns:ma14="http://schemas.microsoft.com/office/mac/drawingml/2011/main" xmlns="" val="1"/>
             </a:ext>
           </a:extLst>
         </p:spPr>
@@ -2647,22 +2949,20 @@
               </a:defRPr>
             </a:pPr>
             <a:r>
-              <a:t>Activity</a:t>
-            </a:r>
-            <a:r>
-              <a:rPr b="0" i="1"/>
+              <a:rPr lang="en-US" dirty="0"/>
+              <a:t>Tan</a:t>
+            </a:r>
+            <a:r>
+              <a:rPr dirty="0"/>
               <a:t>: </a:t>
             </a:r>
             <a:r>
-              <a:rPr b="0"/>
-              <a:t>1-HTML_Git </a:t>
-            </a:r>
-            <a:r>
-              <a:t>|  Suggested Time: </a:t>
-            </a:r>
-            <a:r>
-              <a:rPr b="0"/>
-              <a:t>20 min</a:t>
+              <a:rPr lang="en-US" b="0" dirty="0"/>
+              <a:t>20</a:t>
+            </a:r>
+            <a:r>
+              <a:rPr b="0" dirty="0"/>
+              <a:t> min</a:t>
             </a:r>
           </a:p>
         </p:txBody>
@@ -2728,7 +3028,24 @@
           <a:lstStyle/>
           <a:p>
             <a:r>
-              <a:t>&gt; YOUR TURN!</a:t>
+              <a:rPr dirty="0"/>
+              <a:t>&gt; </a:t>
+            </a:r>
+            <a:r>
+              <a:rPr lang="en-US" dirty="0" err="1"/>
+              <a:t>Tou</a:t>
+            </a:r>
+            <a:r>
+              <a:rPr lang="en-US" dirty="0"/>
+              <a:t> </a:t>
+            </a:r>
+            <a:r>
+              <a:rPr lang="en-US" dirty="0" err="1"/>
+              <a:t>pa’w</a:t>
+            </a:r>
+            <a:r>
+              <a:rPr dirty="0"/>
+              <a:t>!</a:t>
             </a:r>
           </a:p>
         </p:txBody>
@@ -2957,7 +3274,7 @@
           </a:ln>
           <a:extLst>
             <a:ext uri="{C572A759-6A51-4108-AA02-DFA0A04FC94B}">
-              <ma14:wrappingTextBoxFlag xmlns="" xmlns:ma14="http://schemas.microsoft.com/office/mac/drawingml/2011/main" val="1"/>
+              <ma14:wrappingTextBoxFlag xmlns:ma14="http://schemas.microsoft.com/office/mac/drawingml/2011/main" xmlns="" val="1"/>
             </a:ext>
           </a:extLst>
         </p:spPr>
@@ -3220,7 +3537,7 @@
           </a:ln>
           <a:extLst>
             <a:ext uri="{C572A759-6A51-4108-AA02-DFA0A04FC94B}">
-              <ma14:wrappingTextBoxFlag xmlns="" xmlns:ma14="http://schemas.microsoft.com/office/mac/drawingml/2011/main" val="1"/>
+              <ma14:wrappingTextBoxFlag xmlns:ma14="http://schemas.microsoft.com/office/mac/drawingml/2011/main" xmlns="" val="1"/>
             </a:ext>
           </a:extLst>
         </p:spPr>
@@ -3324,7 +3641,7 @@
           </a:ln>
           <a:extLst>
             <a:ext uri="{C572A759-6A51-4108-AA02-DFA0A04FC94B}">
-              <ma14:wrappingTextBoxFlag xmlns="" xmlns:ma14="http://schemas.microsoft.com/office/mac/drawingml/2011/main" val="1"/>
+              <ma14:wrappingTextBoxFlag xmlns:ma14="http://schemas.microsoft.com/office/mac/drawingml/2011/main" xmlns="" val="1"/>
             </a:ext>
           </a:extLst>
         </p:spPr>
@@ -3806,7 +4123,7 @@
           </a:ln>
           <a:extLst>
             <a:ext uri="{C572A759-6A51-4108-AA02-DFA0A04FC94B}">
-              <ma14:wrappingTextBoxFlag xmlns="" xmlns:ma14="http://schemas.microsoft.com/office/mac/drawingml/2011/main" val="1"/>
+              <ma14:wrappingTextBoxFlag xmlns:ma14="http://schemas.microsoft.com/office/mac/drawingml/2011/main" xmlns="" val="1"/>
             </a:ext>
           </a:extLst>
         </p:spPr>
@@ -4019,8 +4336,14 @@
           <a:lstStyle/>
           <a:p>
             <a:r>
-              <a:t>HTML Round 2</a:t>
-            </a:r>
+              <a:rPr dirty="0"/>
+              <a:t>HTML</a:t>
+            </a:r>
+            <a:r>
+              <a:rPr lang="en-US" dirty="0"/>
+              <a:t>5</a:t>
+            </a:r>
+            <a:endParaRPr dirty="0"/>
           </a:p>
         </p:txBody>
       </p:sp>
@@ -4206,7 +4529,7 @@
           </a:ln>
           <a:extLst>
             <a:ext uri="{C572A759-6A51-4108-AA02-DFA0A04FC94B}">
-              <ma14:wrappingTextBoxFlag xmlns="" xmlns:ma14="http://schemas.microsoft.com/office/mac/drawingml/2011/main" val="1"/>
+              <ma14:wrappingTextBoxFlag xmlns:ma14="http://schemas.microsoft.com/office/mac/drawingml/2011/main" xmlns="" val="1"/>
             </a:ext>
           </a:extLst>
         </p:spPr>
@@ -4451,7 +4774,7 @@
           </a:ln>
           <a:extLst>
             <a:ext uri="{C572A759-6A51-4108-AA02-DFA0A04FC94B}">
-              <ma14:wrappingTextBoxFlag xmlns="" xmlns:ma14="http://schemas.microsoft.com/office/mac/drawingml/2011/main" val="1"/>
+              <ma14:wrappingTextBoxFlag xmlns:ma14="http://schemas.microsoft.com/office/mac/drawingml/2011/main" xmlns="" val="1"/>
             </a:ext>
           </a:extLst>
         </p:spPr>
@@ -4894,7 +5217,7 @@
           </a:ln>
           <a:extLst>
             <a:ext uri="{C572A759-6A51-4108-AA02-DFA0A04FC94B}">
-              <ma14:wrappingTextBoxFlag xmlns="" xmlns:ma14="http://schemas.microsoft.com/office/mac/drawingml/2011/main" val="1"/>
+              <ma14:wrappingTextBoxFlag xmlns:ma14="http://schemas.microsoft.com/office/mac/drawingml/2011/main" xmlns="" val="1"/>
             </a:ext>
           </a:extLst>
         </p:spPr>
@@ -5404,7 +5727,7 @@
           </a:ln>
           <a:extLst>
             <a:ext uri="{C572A759-6A51-4108-AA02-DFA0A04FC94B}">
-              <ma14:wrappingTextBoxFlag xmlns="" xmlns:ma14="http://schemas.microsoft.com/office/mac/drawingml/2011/main" val="1"/>
+              <ma14:wrappingTextBoxFlag xmlns:ma14="http://schemas.microsoft.com/office/mac/drawingml/2011/main" xmlns="" val="1"/>
             </a:ext>
           </a:extLst>
         </p:spPr>
@@ -5535,7 +5858,7 @@
           </a:ln>
           <a:extLst>
             <a:ext uri="{C572A759-6A51-4108-AA02-DFA0A04FC94B}">
-              <ma14:wrappingTextBoxFlag xmlns="" xmlns:ma14="http://schemas.microsoft.com/office/mac/drawingml/2011/main" val="1"/>
+              <ma14:wrappingTextBoxFlag xmlns:ma14="http://schemas.microsoft.com/office/mac/drawingml/2011/main" xmlns="" val="1"/>
             </a:ext>
           </a:extLst>
         </p:spPr>
@@ -5703,7 +6026,7 @@
           </a:ln>
           <a:extLst>
             <a:ext uri="{C572A759-6A51-4108-AA02-DFA0A04FC94B}">
-              <ma14:wrappingTextBoxFlag xmlns="" xmlns:ma14="http://schemas.microsoft.com/office/mac/drawingml/2011/main" val="1"/>
+              <ma14:wrappingTextBoxFlag xmlns:ma14="http://schemas.microsoft.com/office/mac/drawingml/2011/main" xmlns="" val="1"/>
             </a:ext>
           </a:extLst>
         </p:spPr>
@@ -5794,7 +6117,7 @@
           </a:ln>
           <a:extLst>
             <a:ext uri="{C572A759-6A51-4108-AA02-DFA0A04FC94B}">
-              <ma14:wrappingTextBoxFlag xmlns="" xmlns:ma14="http://schemas.microsoft.com/office/mac/drawingml/2011/main" val="1"/>
+              <ma14:wrappingTextBoxFlag xmlns:ma14="http://schemas.microsoft.com/office/mac/drawingml/2011/main" xmlns="" val="1"/>
             </a:ext>
           </a:extLst>
         </p:spPr>
@@ -6042,7 +6365,7 @@
           </a:ln>
           <a:extLst>
             <a:ext uri="{C572A759-6A51-4108-AA02-DFA0A04FC94B}">
-              <ma14:wrappingTextBoxFlag xmlns="" xmlns:ma14="http://schemas.microsoft.com/office/mac/drawingml/2011/main" val="1"/>
+              <ma14:wrappingTextBoxFlag xmlns:ma14="http://schemas.microsoft.com/office/mac/drawingml/2011/main" xmlns="" val="1"/>
             </a:ext>
           </a:extLst>
         </p:spPr>
@@ -6164,7 +6487,7 @@
           </a:ln>
           <a:extLst>
             <a:ext uri="{C572A759-6A51-4108-AA02-DFA0A04FC94B}">
-              <ma14:wrappingTextBoxFlag xmlns="" xmlns:ma14="http://schemas.microsoft.com/office/mac/drawingml/2011/main" val="1"/>
+              <ma14:wrappingTextBoxFlag xmlns:ma14="http://schemas.microsoft.com/office/mac/drawingml/2011/main" xmlns="" val="1"/>
             </a:ext>
           </a:extLst>
         </p:spPr>
@@ -6324,8 +6647,14 @@
           <a:lstStyle/>
           <a:p>
             <a:r>
-              <a:t>HTML Syntax (Basic)</a:t>
-            </a:r>
+              <a:rPr lang="en-US" dirty="0" err="1"/>
+              <a:t>Sentaks</a:t>
+            </a:r>
+            <a:r>
+              <a:rPr lang="en-US" dirty="0"/>
+              <a:t> HTML</a:t>
+            </a:r>
+            <a:endParaRPr dirty="0"/>
           </a:p>
         </p:txBody>
       </p:sp>
@@ -6351,7 +6680,7 @@
           </a:ln>
           <a:extLst>
             <a:ext uri="{C572A759-6A51-4108-AA02-DFA0A04FC94B}">
-              <ma14:wrappingTextBoxFlag xmlns="" xmlns:ma14="http://schemas.microsoft.com/office/mac/drawingml/2011/main" val="1"/>
+              <ma14:wrappingTextBoxFlag xmlns:ma14="http://schemas.microsoft.com/office/mac/drawingml/2011/main" xmlns="" val="1"/>
             </a:ext>
           </a:extLst>
         </p:spPr>
@@ -6371,6 +6700,7 @@
           </a:lstStyle>
           <a:p>
             <a:r>
+              <a:rPr dirty="0"/>
               <a:t>&lt;h1&gt;</a:t>
             </a:r>
           </a:p>
@@ -6385,7 +6715,7 @@
         <p:spPr>
           <a:xfrm>
             <a:off x="2269217" y="2971799"/>
-            <a:ext cx="5372103" cy="646320"/>
+            <a:ext cx="5372103" cy="707882"/>
           </a:xfrm>
           <a:prstGeom prst="rect">
             <a:avLst/>
@@ -6398,12 +6728,12 @@
           </a:ln>
           <a:extLst>
             <a:ext uri="{C572A759-6A51-4108-AA02-DFA0A04FC94B}">
-              <ma14:wrappingTextBoxFlag xmlns="" xmlns:ma14="http://schemas.microsoft.com/office/mac/drawingml/2011/main" val="1"/>
+              <ma14:wrappingTextBoxFlag xmlns:ma14="http://schemas.microsoft.com/office/mac/drawingml/2011/main" xmlns="" val="1"/>
             </a:ext>
           </a:extLst>
         </p:spPr>
         <p:txBody>
-          <a:bodyPr lIns="45718" tIns="45718" rIns="45718" bIns="45718">
+          <a:bodyPr wrap="square" lIns="45718" tIns="45718" rIns="45718" bIns="45718">
             <a:spAutoFit/>
           </a:bodyPr>
           <a:lstStyle>
@@ -6418,8 +6748,18 @@
           </a:lstStyle>
           <a:p>
             <a:r>
-              <a:t>This is Mah House</a:t>
-            </a:r>
+              <a:rPr lang="en-US" dirty="0"/>
+              <a:t>Sa se kay </a:t>
+            </a:r>
+            <a:r>
+              <a:rPr lang="en-US" dirty="0" err="1"/>
+              <a:t>Matye</a:t>
+            </a:r>
+            <a:r>
+              <a:rPr lang="en-US" dirty="0"/>
+              <a:t> an</a:t>
+            </a:r>
+            <a:endParaRPr dirty="0"/>
           </a:p>
         </p:txBody>
       </p:sp>
@@ -6445,7 +6785,7 @@
           </a:ln>
           <a:extLst>
             <a:ext uri="{C572A759-6A51-4108-AA02-DFA0A04FC94B}">
-              <ma14:wrappingTextBoxFlag xmlns="" xmlns:ma14="http://schemas.microsoft.com/office/mac/drawingml/2011/main" val="1"/>
+              <ma14:wrappingTextBoxFlag xmlns:ma14="http://schemas.microsoft.com/office/mac/drawingml/2011/main" xmlns="" val="1"/>
             </a:ext>
           </a:extLst>
         </p:spPr>
@@ -6479,7 +6819,7 @@
         <p:spPr>
           <a:xfrm>
             <a:off x="716736" y="4497318"/>
-            <a:ext cx="1637441" cy="375229"/>
+            <a:ext cx="1416409" cy="400105"/>
           </a:xfrm>
           <a:prstGeom prst="rect">
             <a:avLst/>
@@ -6489,7 +6829,7 @@
           </a:ln>
           <a:extLst>
             <a:ext uri="{C572A759-6A51-4108-AA02-DFA0A04FC94B}">
-              <ma14:wrappingTextBoxFlag xmlns="" xmlns:ma14="http://schemas.microsoft.com/office/mac/drawingml/2011/main" val="1"/>
+              <ma14:wrappingTextBoxFlag xmlns:ma14="http://schemas.microsoft.com/office/mac/drawingml/2011/main" xmlns="" val="1"/>
             </a:ext>
           </a:extLst>
         </p:spPr>
@@ -6509,8 +6849,12 @@
           </a:lstStyle>
           <a:p>
             <a:r>
+              <a:rPr lang="en-US" dirty="0" err="1"/>
+              <a:t>Ouvèti</a:t>
+            </a:r>
+            <a:r>
               <a:rPr dirty="0"/>
-              <a:t>Opening Tag</a:t>
+              <a:t> Tag</a:t>
             </a:r>
           </a:p>
         </p:txBody>
@@ -6524,7 +6868,7 @@
         <p:spPr>
           <a:xfrm>
             <a:off x="7106577" y="4497318"/>
-            <a:ext cx="1538718" cy="375229"/>
+            <a:ext cx="1446867" cy="400105"/>
           </a:xfrm>
           <a:prstGeom prst="rect">
             <a:avLst/>
@@ -6534,7 +6878,7 @@
           </a:ln>
           <a:extLst>
             <a:ext uri="{C572A759-6A51-4108-AA02-DFA0A04FC94B}">
-              <ma14:wrappingTextBoxFlag xmlns="" xmlns:ma14="http://schemas.microsoft.com/office/mac/drawingml/2011/main" val="1"/>
+              <ma14:wrappingTextBoxFlag xmlns:ma14="http://schemas.microsoft.com/office/mac/drawingml/2011/main" xmlns="" val="1"/>
             </a:ext>
           </a:extLst>
         </p:spPr>
@@ -6554,7 +6898,12 @@
           </a:lstStyle>
           <a:p>
             <a:r>
-              <a:t>Closing Tag</a:t>
+              <a:rPr lang="en-US" dirty="0" err="1"/>
+              <a:t>Fèmen</a:t>
+            </a:r>
+            <a:r>
+              <a:rPr dirty="0"/>
+              <a:t> Tag</a:t>
             </a:r>
           </a:p>
         </p:txBody>
@@ -6568,7 +6917,7 @@
         <p:spPr>
           <a:xfrm>
             <a:off x="4148832" y="1420478"/>
-            <a:ext cx="1134030" cy="375230"/>
+            <a:ext cx="975584" cy="400105"/>
           </a:xfrm>
           <a:prstGeom prst="rect">
             <a:avLst/>
@@ -6578,7 +6927,7 @@
           </a:ln>
           <a:extLst>
             <a:ext uri="{C572A759-6A51-4108-AA02-DFA0A04FC94B}">
-              <ma14:wrappingTextBoxFlag xmlns="" xmlns:ma14="http://schemas.microsoft.com/office/mac/drawingml/2011/main" val="1"/>
+              <ma14:wrappingTextBoxFlag xmlns:ma14="http://schemas.microsoft.com/office/mac/drawingml/2011/main" xmlns="" val="1"/>
             </a:ext>
           </a:extLst>
         </p:spPr>
@@ -6598,7 +6947,12 @@
           </a:lstStyle>
           <a:p>
             <a:r>
-              <a:t>Content </a:t>
+              <a:rPr lang="en-US" dirty="0" err="1"/>
+              <a:t>Kontni</a:t>
+            </a:r>
+            <a:r>
+              <a:rPr dirty="0"/>
+              <a:t> </a:t>
             </a:r>
           </a:p>
         </p:txBody>
@@ -6614,8 +6968,8 @@
         </p:nvCxnSpPr>
         <p:spPr>
           <a:xfrm flipV="1">
-            <a:off x="1535456" y="3297795"/>
-            <a:ext cx="47962" cy="1387138"/>
+            <a:off x="1424941" y="2974636"/>
+            <a:ext cx="158477" cy="1522682"/>
           </a:xfrm>
           <a:prstGeom prst="straightConnector1">
             <a:avLst/>
@@ -6816,7 +7170,32 @@
           <a:lstStyle/>
           <a:p>
             <a:r>
-              <a:t>HTML Syntax (with Attribute)</a:t>
+              <a:rPr lang="en-US" dirty="0" err="1"/>
+              <a:t>Sentaks</a:t>
+            </a:r>
+            <a:r>
+              <a:rPr lang="en-US" dirty="0"/>
+              <a:t> HTML </a:t>
+            </a:r>
+            <a:r>
+              <a:rPr dirty="0"/>
+              <a:t>(</a:t>
+            </a:r>
+            <a:r>
+              <a:rPr lang="en-US" dirty="0" err="1"/>
+              <a:t>avèk</a:t>
+            </a:r>
+            <a:r>
+              <a:rPr lang="en-US" dirty="0"/>
+              <a:t> </a:t>
+            </a:r>
+            <a:r>
+              <a:rPr lang="en-US" dirty="0" err="1"/>
+              <a:t>atribi</a:t>
+            </a:r>
+            <a:r>
+              <a:rPr dirty="0"/>
+              <a:t>)</a:t>
             </a:r>
           </a:p>
         </p:txBody>
@@ -7006,8 +7385,42 @@
           <a:lstStyle/>
           <a:p>
             <a:r>
-              <a:t>Important Common Tags</a:t>
-            </a:r>
+              <a:rPr lang="en-US" dirty="0"/>
+              <a:t>Tags </a:t>
+            </a:r>
+            <a:r>
+              <a:rPr lang="en-US" dirty="0" err="1"/>
+              <a:t>ki</a:t>
+            </a:r>
+            <a:r>
+              <a:rPr lang="en-US" dirty="0"/>
+              <a:t> </a:t>
+            </a:r>
+            <a:r>
+              <a:rPr lang="en-US" dirty="0" err="1"/>
+              <a:t>enpòtan</a:t>
+            </a:r>
+            <a:r>
+              <a:rPr lang="en-US" dirty="0"/>
+              <a:t> (</a:t>
+            </a:r>
+            <a:r>
+              <a:rPr lang="en-US" dirty="0" err="1"/>
+              <a:t>Souvan</a:t>
+            </a:r>
+            <a:r>
+              <a:rPr lang="en-US" dirty="0"/>
+              <a:t> </a:t>
+            </a:r>
+            <a:r>
+              <a:rPr lang="en-US" dirty="0" err="1"/>
+              <a:t>itilize</a:t>
+            </a:r>
+            <a:r>
+              <a:rPr lang="en-US" dirty="0"/>
+              <a:t>)</a:t>
+            </a:r>
+            <a:endParaRPr dirty="0"/>
           </a:p>
         </p:txBody>
       </p:sp>
@@ -7030,7 +7443,7 @@
           </a:ln>
           <a:extLst>
             <a:ext uri="{C572A759-6A51-4108-AA02-DFA0A04FC94B}">
-              <ma14:wrappingTextBoxFlag xmlns="" xmlns:ma14="http://schemas.microsoft.com/office/mac/drawingml/2011/main" val="1"/>
+              <ma14:wrappingTextBoxFlag xmlns:ma14="http://schemas.microsoft.com/office/mac/drawingml/2011/main" xmlns="" val="1"/>
             </a:ext>
           </a:extLst>
         </p:spPr>
@@ -7084,7 +7497,43 @@
             </a:r>
             <a:r>
               <a:rPr b="0" dirty="0"/>
-              <a:t>- Heading 1 (Largest Heading)</a:t>
+              <a:t>- </a:t>
+            </a:r>
+            <a:r>
+              <a:rPr lang="en-US" b="0" dirty="0"/>
+              <a:t>Tit</a:t>
+            </a:r>
+            <a:r>
+              <a:rPr b="0" dirty="0"/>
+              <a:t> 1 (</a:t>
+            </a:r>
+            <a:r>
+              <a:rPr lang="en-US" b="0" dirty="0"/>
+              <a:t>Tit </a:t>
+            </a:r>
+            <a:r>
+              <a:rPr lang="en-US" dirty="0" err="1"/>
+              <a:t>ki</a:t>
+            </a:r>
+            <a:r>
+              <a:rPr lang="en-US" dirty="0"/>
+              <a:t> pi </a:t>
+            </a:r>
+            <a:r>
+              <a:rPr lang="en-US" dirty="0" err="1"/>
+              <a:t>laj</a:t>
+            </a:r>
+            <a:r>
+              <a:rPr lang="en-US" dirty="0"/>
+              <a:t> </a:t>
+            </a:r>
+            <a:r>
+              <a:rPr lang="en-US" dirty="0" err="1"/>
+              <a:t>laj</a:t>
+            </a:r>
+            <a:r>
+              <a:rPr b="0" dirty="0"/>
+              <a:t>)</a:t>
             </a:r>
             <a:endParaRPr sz="2000" dirty="0"/>
           </a:p>
@@ -7112,7 +7561,31 @@
             </a:r>
             <a:r>
               <a:rPr b="0" dirty="0"/>
-              <a:t>- Heading 2 (Next Largest Heading)</a:t>
+              <a:t>- </a:t>
+            </a:r>
+            <a:r>
+              <a:rPr lang="en-US" b="0" dirty="0"/>
+              <a:t>Tit</a:t>
+            </a:r>
+            <a:r>
+              <a:rPr b="0" dirty="0"/>
+              <a:t> 2 (</a:t>
+            </a:r>
+            <a:r>
+              <a:rPr lang="en-US" b="0" dirty="0" err="1"/>
+              <a:t>Dezyèm</a:t>
+            </a:r>
+            <a:r>
+              <a:rPr lang="en-US" b="0" dirty="0"/>
+              <a:t> tit li </a:t>
+            </a:r>
+            <a:r>
+              <a:rPr lang="en-US" b="0" dirty="0" err="1"/>
+              <a:t>laj</a:t>
+            </a:r>
+            <a:r>
+              <a:rPr b="0" dirty="0"/>
+              <a:t>)</a:t>
             </a:r>
             <a:endParaRPr sz="2000" dirty="0"/>
           </a:p>
@@ -7140,7 +7613,15 @@
             </a:r>
             <a:r>
               <a:rPr b="0" dirty="0"/>
-              <a:t>- Heading 3 </a:t>
+              <a:t>- </a:t>
+            </a:r>
+            <a:r>
+              <a:rPr lang="en-US" b="0" dirty="0"/>
+              <a:t>Tit</a:t>
+            </a:r>
+            <a:r>
+              <a:rPr b="0" dirty="0"/>
+              <a:t> 3 </a:t>
             </a:r>
             <a:endParaRPr sz="2000" dirty="0"/>
           </a:p>
@@ -7230,9 +7711,33 @@
             </a:r>
             <a:r>
               <a:rPr b="0" dirty="0"/>
-              <a:t>- Wraps the entire page</a:t>
-            </a:r>
-            <a:endParaRPr sz="2000" dirty="0"/>
+              <a:t>- </a:t>
+            </a:r>
+            <a:r>
+              <a:rPr lang="en-US" b="0" dirty="0" err="1"/>
+              <a:t>Vlope</a:t>
+            </a:r>
+            <a:r>
+              <a:rPr lang="en-US" b="0" dirty="0"/>
+              <a:t> tout </a:t>
+            </a:r>
+            <a:r>
+              <a:rPr lang="en-US" b="0" dirty="0" err="1"/>
+              <a:t>paj</a:t>
+            </a:r>
+            <a:r>
+              <a:rPr lang="en-US" b="0" dirty="0"/>
+              <a:t> </a:t>
+            </a:r>
+            <a:r>
+              <a:rPr lang="en-US" b="0" dirty="0" err="1"/>
+              <a:t>lan</a:t>
+            </a:r>
+            <a:r>
+              <a:rPr b="0" dirty="0"/>
+              <a:t> </a:t>
+            </a:r>
+            <a:endParaRPr lang="en-US" dirty="0"/>
           </a:p>
           <a:p>
             <a:pPr marL="257175" indent="-257175" defTabSz="685800">
@@ -7253,14 +7758,45 @@
               </a:defRPr>
             </a:pPr>
             <a:r>
-              <a:rPr dirty="0"/>
+              <a:rPr lang="en-US" dirty="0"/>
               <a:t>&lt;head&gt; &lt;/head&gt;</a:t>
             </a:r>
             <a:r>
-              <a:rPr b="0" dirty="0"/>
-              <a:t> - Wraps the header of the page</a:t>
-            </a:r>
-            <a:endParaRPr sz="2000" dirty="0"/>
+              <a:rPr lang="en-US" b="0" dirty="0"/>
+              <a:t> - </a:t>
+            </a:r>
+            <a:r>
+              <a:rPr lang="en-US" b="0" dirty="0" err="1"/>
+              <a:t>Vlope</a:t>
+            </a:r>
+            <a:r>
+              <a:rPr lang="en-US" b="0" dirty="0"/>
+              <a:t> </a:t>
+            </a:r>
+            <a:r>
+              <a:rPr lang="en-US" b="0" dirty="0" err="1"/>
+              <a:t>tèt</a:t>
+            </a:r>
+            <a:r>
+              <a:rPr lang="en-US" b="0" dirty="0"/>
+              <a:t> </a:t>
+            </a:r>
+            <a:r>
+              <a:rPr lang="en-US" b="0" dirty="0" err="1"/>
+              <a:t>paj</a:t>
+            </a:r>
+            <a:r>
+              <a:rPr lang="en-US" b="0" dirty="0"/>
+              <a:t> </a:t>
+            </a:r>
+            <a:r>
+              <a:rPr lang="en-US" b="0" dirty="0" err="1"/>
+              <a:t>lan</a:t>
+            </a:r>
+            <a:r>
+              <a:rPr lang="en-US" b="0" dirty="0"/>
+              <a:t> </a:t>
+            </a:r>
           </a:p>
           <a:p>
             <a:pPr marL="257175" indent="-257175" defTabSz="685800">
@@ -7286,7 +7822,35 @@
             </a:r>
             <a:r>
               <a:rPr b="0" dirty="0"/>
-              <a:t>- Wraps the main content </a:t>
+              <a:t>- </a:t>
+            </a:r>
+            <a:r>
+              <a:rPr lang="en-US" b="0" dirty="0" err="1"/>
+              <a:t>Vlope</a:t>
+            </a:r>
+            <a:r>
+              <a:rPr lang="en-US" b="0" dirty="0"/>
+              <a:t> </a:t>
+            </a:r>
+            <a:r>
+              <a:rPr lang="en-US" b="0" dirty="0" err="1"/>
+              <a:t>Kontni</a:t>
+            </a:r>
+            <a:r>
+              <a:rPr lang="en-US" b="0" dirty="0"/>
+              <a:t> </a:t>
+            </a:r>
+            <a:r>
+              <a:rPr lang="en-US" b="0" dirty="0" err="1"/>
+              <a:t>prensipal</a:t>
+            </a:r>
+            <a:r>
+              <a:rPr lang="en-US" b="0" dirty="0"/>
+              <a:t> </a:t>
+            </a:r>
+            <a:r>
+              <a:rPr lang="en-US" b="0" dirty="0" err="1"/>
+              <a:t>lan</a:t>
             </a:r>
             <a:endParaRPr sz="2000" dirty="0"/>
           </a:p>
@@ -7314,7 +7878,27 @@
             </a:r>
             <a:r>
               <a:rPr b="0" dirty="0"/>
-              <a:t>- Logical Container *** </a:t>
+              <a:t>- </a:t>
+            </a:r>
+            <a:r>
+              <a:rPr lang="en-US" b="0" dirty="0" err="1"/>
+              <a:t>Kontni</a:t>
+            </a:r>
+            <a:r>
+              <a:rPr lang="en-US" b="0" dirty="0"/>
+              <a:t> </a:t>
+            </a:r>
+            <a:r>
+              <a:rPr lang="en-US" b="0" dirty="0" err="1"/>
+              <a:t>lojik</a:t>
+            </a:r>
+            <a:r>
+              <a:rPr lang="en-US" b="0" dirty="0"/>
+              <a:t> </a:t>
+            </a:r>
+            <a:r>
+              <a:rPr lang="en-US" b="0" dirty="0" err="1"/>
+              <a:t>yo</a:t>
             </a:r>
             <a:endParaRPr sz="2000" dirty="0"/>
           </a:p>
@@ -7342,50 +7926,21 @@
             </a:r>
             <a:r>
               <a:rPr b="0" dirty="0"/>
-              <a:t>- Wraps individual Paragraphs </a:t>
-            </a:r>
-            <a:endParaRPr sz="2000" dirty="0"/>
-          </a:p>
-          <a:p>
-            <a:pPr marL="257175" indent="-257175" defTabSz="685800">
-              <a:lnSpc>
-                <a:spcPct val="80000"/>
-              </a:lnSpc>
-              <a:spcBef>
-                <a:spcPts val="400"/>
-              </a:spcBef>
-              <a:buSzPct val="100000"/>
-              <a:buFont typeface="Arial"/>
-              <a:buChar char="•"/>
-              <a:defRPr sz="2200" b="1">
-                <a:latin typeface="Arial"/>
-                <a:ea typeface="Arial"/>
-                <a:cs typeface="Arial"/>
-                <a:sym typeface="Arial"/>
-              </a:defRPr>
-            </a:pPr>
-            <a:endParaRPr sz="2000" dirty="0"/>
-          </a:p>
-          <a:p>
-            <a:pPr defTabSz="685800">
-              <a:lnSpc>
-                <a:spcPct val="80000"/>
-              </a:lnSpc>
-              <a:spcBef>
-                <a:spcPts val="400"/>
-              </a:spcBef>
-              <a:defRPr b="1" u="sng">
-                <a:latin typeface="Arial"/>
-                <a:ea typeface="Arial"/>
-                <a:cs typeface="Arial"/>
-                <a:sym typeface="Arial"/>
-              </a:defRPr>
-            </a:pPr>
-            <a:r>
-              <a:rPr dirty="0"/>
-              <a:t>Others:</a:t>
-            </a:r>
-            <a:endParaRPr sz="2000" dirty="0"/>
+              <a:t>- </a:t>
+            </a:r>
+            <a:r>
+              <a:rPr lang="en-US" b="0" dirty="0" err="1"/>
+              <a:t>Vlope</a:t>
+            </a:r>
+            <a:r>
+              <a:rPr lang="en-US" b="0" dirty="0"/>
+              <a:t> paragraph </a:t>
+            </a:r>
+            <a:r>
+              <a:rPr lang="en-US" b="0" dirty="0" err="1"/>
+              <a:t>endividyèl</a:t>
+            </a:r>
+            <a:endParaRPr lang="en-US" b="0" dirty="0"/>
           </a:p>
           <a:p>
             <a:pPr marL="257175" indent="-257175" defTabSz="685800">
@@ -7405,31 +7960,32 @@
                 <a:sym typeface="Arial"/>
               </a:defRPr>
             </a:pPr>
+            <a:endParaRPr sz="2000" dirty="0"/>
+          </a:p>
+          <a:p>
+            <a:pPr defTabSz="685800">
+              <a:lnSpc>
+                <a:spcPct val="80000"/>
+              </a:lnSpc>
+              <a:spcBef>
+                <a:spcPts val="400"/>
+              </a:spcBef>
+              <a:defRPr b="1" u="sng">
+                <a:latin typeface="Arial"/>
+                <a:ea typeface="Arial"/>
+                <a:cs typeface="Arial"/>
+                <a:sym typeface="Arial"/>
+              </a:defRPr>
+            </a:pPr>
+            <a:r>
+              <a:rPr lang="en-US" dirty="0" err="1"/>
+              <a:t>Lòt</a:t>
+            </a:r>
             <a:r>
               <a:rPr dirty="0"/>
-              <a:t>&lt;strong&gt; </a:t>
-            </a:r>
-            <a:r>
-              <a:rPr b="0" dirty="0"/>
-              <a:t>(bold), </a:t>
-            </a:r>
-            <a:r>
-              <a:rPr dirty="0"/>
-              <a:t>&lt;</a:t>
-            </a:r>
-            <a:r>
-              <a:rPr dirty="0" err="1"/>
-              <a:t>em</a:t>
-            </a:r>
-            <a:r>
-              <a:rPr dirty="0"/>
-              <a:t>&gt; </a:t>
-            </a:r>
-            <a:r>
-              <a:rPr b="0" dirty="0"/>
-              <a:t>(emphasis)</a:t>
-            </a:r>
-            <a:endParaRPr sz="2200" dirty="0"/>
+              <a:t>:</a:t>
+            </a:r>
+            <a:endParaRPr sz="2000" dirty="0"/>
           </a:p>
           <a:p>
             <a:pPr marL="257175" indent="-257175" defTabSz="685800">
@@ -7451,6 +8007,66 @@
             </a:pPr>
             <a:r>
               <a:rPr dirty="0"/>
+              <a:t>&lt;strong&gt; </a:t>
+            </a:r>
+            <a:r>
+              <a:rPr b="0" dirty="0"/>
+              <a:t>(</a:t>
+            </a:r>
+            <a:r>
+              <a:rPr lang="en-US" b="0" dirty="0" err="1"/>
+              <a:t>fonse</a:t>
+            </a:r>
+            <a:r>
+              <a:rPr b="0" dirty="0"/>
+              <a:t>), </a:t>
+            </a:r>
+            <a:r>
+              <a:rPr dirty="0"/>
+              <a:t>&lt;</a:t>
+            </a:r>
+            <a:r>
+              <a:rPr dirty="0" err="1"/>
+              <a:t>em</a:t>
+            </a:r>
+            <a:r>
+              <a:rPr dirty="0"/>
+              <a:t>&gt; </a:t>
+            </a:r>
+            <a:r>
+              <a:rPr b="0" dirty="0"/>
+              <a:t>(</a:t>
+            </a:r>
+            <a:r>
+              <a:rPr lang="en-US" b="0" dirty="0" err="1"/>
+              <a:t>anfaz</a:t>
+            </a:r>
+            <a:r>
+              <a:rPr b="0" dirty="0"/>
+              <a:t>)</a:t>
+            </a:r>
+            <a:endParaRPr sz="2200" dirty="0"/>
+          </a:p>
+          <a:p>
+            <a:pPr marL="257175" indent="-257175" defTabSz="685800">
+              <a:lnSpc>
+                <a:spcPct val="80000"/>
+              </a:lnSpc>
+              <a:spcBef>
+                <a:spcPts val="400"/>
+              </a:spcBef>
+              <a:buSzPct val="100000"/>
+              <a:buFont typeface="Arial"/>
+              <a:buChar char="•"/>
+              <a:defRPr b="1">
+                <a:latin typeface="Arial"/>
+                <a:ea typeface="Arial"/>
+                <a:cs typeface="Arial"/>
+                <a:sym typeface="Arial"/>
+              </a:defRPr>
+            </a:pPr>
+            <a:r>
+              <a:rPr dirty="0"/>
               <a:t>&lt;</a:t>
             </a:r>
             <a:r>
@@ -7463,7 +8079,15 @@
             </a:r>
             <a:r>
               <a:rPr b="0" dirty="0"/>
-              <a:t>(images)</a:t>
+              <a:t>(</a:t>
+            </a:r>
+            <a:r>
+              <a:rPr lang="en-US" b="0" dirty="0" err="1"/>
+              <a:t>imaj</a:t>
+            </a:r>
+            <a:r>
+              <a:rPr b="0" dirty="0"/>
+              <a:t>)</a:t>
             </a:r>
             <a:r>
               <a:rPr dirty="0"/>
@@ -7479,7 +8103,15 @@
             </a:r>
             <a:r>
               <a:rPr b="0" dirty="0"/>
-              <a:t>(links)</a:t>
+              <a:t>(</a:t>
+            </a:r>
+            <a:r>
+              <a:rPr lang="en-US" b="0" dirty="0" err="1"/>
+              <a:t>lyen</a:t>
+            </a:r>
+            <a:r>
+              <a:rPr b="0" dirty="0"/>
+              <a:t>)</a:t>
             </a:r>
             <a:r>
               <a:rPr dirty="0"/>
@@ -7487,7 +8119,31 @@
             </a:r>
             <a:r>
               <a:rPr b="0" dirty="0"/>
-              <a:t>(list items)</a:t>
+              <a:t>(</a:t>
+            </a:r>
+            <a:r>
+              <a:rPr lang="en-US" b="0" dirty="0" err="1"/>
+              <a:t>lis</a:t>
+            </a:r>
+            <a:r>
+              <a:rPr lang="en-US" b="0" dirty="0"/>
+              <a:t> </a:t>
+            </a:r>
+            <a:r>
+              <a:rPr lang="en-US" b="0" dirty="0" err="1"/>
+              <a:t>atik</a:t>
+            </a:r>
+            <a:r>
+              <a:rPr lang="en-US" b="0" dirty="0"/>
+              <a:t> </a:t>
+            </a:r>
+            <a:r>
+              <a:rPr lang="en-US" b="0" dirty="0" err="1"/>
+              <a:t>yo</a:t>
+            </a:r>
+            <a:r>
+              <a:rPr b="0" dirty="0"/>
+              <a:t>)</a:t>
             </a:r>
             <a:r>
               <a:rPr dirty="0"/>
@@ -7495,7 +8151,15 @@
             </a:r>
             <a:r>
               <a:rPr b="0" dirty="0"/>
-              <a:t> (title), </a:t>
+              <a:t> (</a:t>
+            </a:r>
+            <a:r>
+              <a:rPr lang="en-US" b="0" dirty="0"/>
+              <a:t>tit</a:t>
+            </a:r>
+            <a:r>
+              <a:rPr b="0" dirty="0"/>
+              <a:t>), </a:t>
             </a:r>
             <a:br>
               <a:rPr b="0" dirty="0"/>
@@ -7514,7 +8178,23 @@
             </a:r>
             <a:r>
               <a:rPr b="0" dirty="0"/>
-              <a:t> (line break), </a:t>
+              <a:t> (</a:t>
+            </a:r>
+            <a:r>
+              <a:rPr lang="en-US" b="0" dirty="0" err="1"/>
+              <a:t>liy</a:t>
+            </a:r>
+            <a:r>
+              <a:rPr lang="en-US" b="0" dirty="0"/>
+              <a:t> </a:t>
+            </a:r>
+            <a:r>
+              <a:rPr lang="en-US" b="0" dirty="0" err="1"/>
+              <a:t>kraze</a:t>
+            </a:r>
+            <a:r>
+              <a:rPr b="0" dirty="0"/>
+              <a:t>), </a:t>
             </a:r>
             <a:r>
               <a:rPr dirty="0"/>
@@ -7522,7 +8202,15 @@
             </a:r>
             <a:r>
               <a:rPr b="0" dirty="0"/>
-              <a:t>(tables), </a:t>
+              <a:t>(</a:t>
+            </a:r>
+            <a:r>
+              <a:rPr lang="en-US" b="0" dirty="0"/>
+              <a:t>tab</a:t>
+            </a:r>
+            <a:r>
+              <a:rPr b="0" dirty="0"/>
+              <a:t>), </a:t>
             </a:r>
             <a:r>
               <a:rPr dirty="0"/>
@@ -7530,7 +8218,15 @@
             </a:r>
             <a:r>
               <a:rPr b="0" dirty="0"/>
-              <a:t> (comments)</a:t>
+              <a:t> (</a:t>
+            </a:r>
+            <a:r>
+              <a:rPr lang="en-US" b="0" dirty="0" err="1"/>
+              <a:t>komantè</a:t>
+            </a:r>
+            <a:r>
+              <a:rPr b="0" dirty="0"/>
+              <a:t>)</a:t>
             </a:r>
           </a:p>
         </p:txBody>
@@ -7596,8 +8292,22 @@
           <a:lstStyle/>
           <a:p>
             <a:r>
-              <a:t>Less Common Tags</a:t>
-            </a:r>
+              <a:rPr lang="en-US" dirty="0"/>
+              <a:t>Tags </a:t>
+            </a:r>
+            <a:r>
+              <a:rPr lang="en-US" dirty="0" err="1"/>
+              <a:t>ki</a:t>
+            </a:r>
+            <a:r>
+              <a:rPr lang="en-US" dirty="0"/>
+              <a:t> pa two </a:t>
+            </a:r>
+            <a:r>
+              <a:rPr lang="en-US" dirty="0" err="1"/>
+              <a:t>popilè</a:t>
+            </a:r>
+            <a:endParaRPr dirty="0"/>
           </a:p>
         </p:txBody>
       </p:sp>
@@ -7620,13 +8330,13 @@
           </a:ln>
           <a:extLst>
             <a:ext uri="{C572A759-6A51-4108-AA02-DFA0A04FC94B}">
-              <ma14:wrappingTextBoxFlag xmlns="" xmlns:ma14="http://schemas.microsoft.com/office/mac/drawingml/2011/main" val="1"/>
+              <ma14:wrappingTextBoxFlag xmlns:ma14="http://schemas.microsoft.com/office/mac/drawingml/2011/main" xmlns="" val="1"/>
             </a:ext>
           </a:extLst>
         </p:spPr>
         <p:txBody>
           <a:bodyPr lIns="45718" tIns="45718" rIns="45718" bIns="45718">
-            <a:normAutofit/>
+            <a:normAutofit fontScale="92500"/>
           </a:bodyPr>
           <a:lstStyle/>
           <a:p>
@@ -7645,10 +8355,55 @@
               </a:defRPr>
             </a:pPr>
             <a:r>
-              <a:t>All HTML Tags are listed here: </a:t>
-            </a:r>
-            <a:r>
-              <a:rPr b="0" u="sng">
+              <a:rPr lang="en-US" dirty="0" err="1"/>
+              <a:t>Ou</a:t>
+            </a:r>
+            <a:r>
+              <a:rPr lang="en-US" dirty="0"/>
+              <a:t> </a:t>
+            </a:r>
+            <a:r>
+              <a:rPr lang="en-US" dirty="0" err="1"/>
+              <a:t>kapab</a:t>
+            </a:r>
+            <a:r>
+              <a:rPr lang="en-US" dirty="0"/>
+              <a:t> </a:t>
+            </a:r>
+            <a:r>
+              <a:rPr lang="en-US" dirty="0" err="1"/>
+              <a:t>jwenn</a:t>
+            </a:r>
+            <a:r>
+              <a:rPr lang="en-US" dirty="0"/>
+              <a:t> tout tags HTML </a:t>
+            </a:r>
+            <a:r>
+              <a:rPr lang="en-US" dirty="0" err="1"/>
+              <a:t>yo</a:t>
+            </a:r>
+            <a:r>
+              <a:rPr lang="en-US" dirty="0"/>
+              <a:t> </a:t>
+            </a:r>
+            <a:r>
+              <a:rPr lang="en-US" dirty="0" err="1"/>
+              <a:t>sou</a:t>
+            </a:r>
+            <a:r>
+              <a:rPr lang="en-US" dirty="0"/>
+              <a:t> sit </a:t>
+            </a:r>
+            <a:r>
+              <a:rPr lang="en-US" dirty="0" err="1"/>
+              <a:t>sa</a:t>
+            </a:r>
+            <a:r>
+              <a:rPr lang="en-US" dirty="0"/>
+              <a:t>. </a:t>
+            </a:r>
+            <a:r>
+              <a:rPr b="0" u="sng" dirty="0">
                 <a:solidFill>
                   <a:srgbClr val="0000FF"/>
                 </a:solidFill>
@@ -7674,7 +8429,7 @@
                 <a:sym typeface="Arial"/>
               </a:defRPr>
             </a:pPr>
-            <a:endParaRPr b="0" u="sng">
+            <a:endParaRPr b="0" u="sng" dirty="0">
               <a:solidFill>
                 <a:srgbClr val="0000FF"/>
               </a:solidFill>
@@ -7702,26 +8457,81 @@
               </a:defRPr>
             </a:pPr>
             <a:r>
-              <a:t>Don’t try to memorize them! Simply refer back to documentation as needed. </a:t>
-            </a:r>
-            <a:endParaRPr sz="2300"/>
-          </a:p>
-          <a:p>
-            <a:pPr marL="254602" indent="-254602" defTabSz="678941">
-              <a:spcBef>
-                <a:spcPts val="500"/>
-              </a:spcBef>
-              <a:buSzPct val="100000"/>
-              <a:buFont typeface="Arial"/>
-              <a:buChar char="•"/>
-              <a:defRPr sz="1900">
-                <a:latin typeface="Arial"/>
-                <a:ea typeface="Arial"/>
-                <a:cs typeface="Arial"/>
-                <a:sym typeface="Arial"/>
-              </a:defRPr>
-            </a:pPr>
-            <a:endParaRPr sz="2300"/>
+              <a:rPr lang="en-US" dirty="0"/>
+              <a:t>Pa </a:t>
+            </a:r>
+            <a:r>
+              <a:rPr lang="en-US" dirty="0" err="1"/>
+              <a:t>eseye</a:t>
+            </a:r>
+            <a:r>
+              <a:rPr lang="en-US" dirty="0"/>
+              <a:t> memorize </a:t>
+            </a:r>
+            <a:r>
+              <a:rPr lang="en-US" dirty="0" err="1"/>
+              <a:t>yo</a:t>
+            </a:r>
+            <a:r>
+              <a:rPr lang="en-US" dirty="0"/>
+              <a:t>. </a:t>
+            </a:r>
+            <a:r>
+              <a:rPr lang="en-US" dirty="0" err="1"/>
+              <a:t>Senpleman</a:t>
+            </a:r>
+            <a:r>
+              <a:rPr lang="en-US" dirty="0"/>
+              <a:t> </a:t>
+            </a:r>
+            <a:r>
+              <a:rPr lang="en-US" dirty="0" err="1"/>
+              <a:t>refere</a:t>
+            </a:r>
+            <a:r>
+              <a:rPr lang="en-US" dirty="0"/>
+              <a:t> </a:t>
+            </a:r>
+            <a:r>
+              <a:rPr lang="en-US" dirty="0" err="1"/>
+              <a:t>avèk</a:t>
+            </a:r>
+            <a:r>
+              <a:rPr lang="en-US" dirty="0"/>
+              <a:t>  </a:t>
+            </a:r>
+            <a:r>
+              <a:rPr lang="en-US" dirty="0" err="1"/>
+              <a:t>yo</a:t>
+            </a:r>
+            <a:r>
+              <a:rPr lang="en-US" dirty="0"/>
+              <a:t> nan </a:t>
+            </a:r>
+            <a:r>
+              <a:rPr lang="en-US" dirty="0" err="1"/>
+              <a:t>dokiman</a:t>
+            </a:r>
+            <a:r>
+              <a:rPr lang="en-US" dirty="0"/>
+              <a:t> an </a:t>
+            </a:r>
+            <a:r>
+              <a:rPr lang="en-US" dirty="0" err="1"/>
+              <a:t>lè’w</a:t>
+            </a:r>
+            <a:r>
+              <a:rPr lang="en-US" dirty="0"/>
+              <a:t> </a:t>
+            </a:r>
+            <a:r>
+              <a:rPr lang="en-US" dirty="0" err="1"/>
+              <a:t>bezwen</a:t>
+            </a:r>
+            <a:r>
+              <a:rPr lang="en-US" dirty="0"/>
+              <a:t>.</a:t>
+            </a:r>
           </a:p>
           <a:p>
             <a:pPr marL="254602" indent="-254602" defTabSz="678941">
@@ -7738,10 +8548,32 @@
                 <a:sym typeface="Arial"/>
               </a:defRPr>
             </a:pPr>
-            <a:r>
-              <a:t>Other tags:</a:t>
-            </a:r>
-            <a:endParaRPr sz="2300"/>
+            <a:endParaRPr sz="2300" dirty="0"/>
+          </a:p>
+          <a:p>
+            <a:pPr marL="254602" indent="-254602" defTabSz="678941">
+              <a:spcBef>
+                <a:spcPts val="400"/>
+              </a:spcBef>
+              <a:buSzPct val="100000"/>
+              <a:buFont typeface="Arial"/>
+              <a:buChar char="•"/>
+              <a:defRPr sz="1900">
+                <a:latin typeface="Arial"/>
+                <a:ea typeface="Arial"/>
+                <a:cs typeface="Arial"/>
+                <a:sym typeface="Arial"/>
+              </a:defRPr>
+            </a:pPr>
+            <a:r>
+              <a:rPr lang="en-US" dirty="0" err="1"/>
+              <a:t>Lòt</a:t>
+            </a:r>
+            <a:r>
+              <a:rPr dirty="0"/>
+              <a:t> tags:</a:t>
+            </a:r>
+            <a:endParaRPr sz="2300" dirty="0"/>
           </a:p>
           <a:p>
             <a:pPr marL="551640" lvl="1" indent="-212169" defTabSz="678941">
@@ -7759,9 +8591,18 @@
               </a:defRPr>
             </a:pPr>
             <a:r>
-              <a:t>&lt;video&gt; for Videos</a:t>
-            </a:r>
-            <a:endParaRPr sz="2000"/>
+              <a:rPr dirty="0"/>
+              <a:t>&lt;video&gt; </a:t>
+            </a:r>
+            <a:r>
+              <a:rPr lang="en-US" dirty="0" err="1"/>
+              <a:t>Pou</a:t>
+            </a:r>
+            <a:r>
+              <a:rPr dirty="0"/>
+              <a:t> Videos</a:t>
+            </a:r>
+            <a:endParaRPr sz="2000" dirty="0"/>
           </a:p>
           <a:p>
             <a:pPr marL="551640" lvl="1" indent="-212169" defTabSz="678941">
@@ -7779,9 +8620,26 @@
               </a:defRPr>
             </a:pPr>
             <a:r>
-              <a:t>&lt;audio&gt; for Audio files</a:t>
-            </a:r>
-            <a:endParaRPr sz="2000"/>
+              <a:rPr dirty="0"/>
+              <a:t>&lt;audio&gt; </a:t>
+            </a:r>
+            <a:r>
+              <a:rPr lang="en-US" dirty="0" err="1"/>
+              <a:t>Pou</a:t>
+            </a:r>
+            <a:r>
+              <a:rPr lang="en-US" dirty="0"/>
+              <a:t> </a:t>
+            </a:r>
+            <a:r>
+              <a:rPr lang="en-US" dirty="0" err="1"/>
+              <a:t>fichye</a:t>
+            </a:r>
+            <a:r>
+              <a:rPr dirty="0"/>
+              <a:t> Audio</a:t>
+            </a:r>
+            <a:endParaRPr sz="2000" dirty="0"/>
           </a:p>
           <a:p>
             <a:pPr marL="551640" lvl="1" indent="-212169" defTabSz="678941">
@@ -7799,9 +8657,26 @@
               </a:defRPr>
             </a:pPr>
             <a:r>
-              <a:t>&lt;embed&gt; for Embedded files</a:t>
-            </a:r>
-            <a:endParaRPr sz="2000"/>
+              <a:rPr dirty="0"/>
+              <a:t>&lt;embed&gt; for </a:t>
+            </a:r>
+            <a:r>
+              <a:rPr lang="en-US" dirty="0" err="1"/>
+              <a:t>fichye</a:t>
+            </a:r>
+            <a:r>
+              <a:rPr lang="en-US" dirty="0"/>
+              <a:t> </a:t>
+            </a:r>
+            <a:r>
+              <a:rPr dirty="0"/>
+              <a:t>Embedde</a:t>
+            </a:r>
+            <a:r>
+              <a:rPr lang="en-US" dirty="0"/>
+              <a:t>d</a:t>
+            </a:r>
+            <a:endParaRPr sz="2000" dirty="0"/>
           </a:p>
           <a:p>
             <a:pPr marL="551640" lvl="1" indent="-212169" defTabSz="678941">
@@ -7819,9 +8694,41 @@
               </a:defRPr>
             </a:pPr>
             <a:r>
-              <a:t>&lt;code&gt; for including computer code</a:t>
-            </a:r>
-            <a:endParaRPr sz="2000"/>
+              <a:rPr dirty="0"/>
+              <a:t>&lt;code&gt; </a:t>
+            </a:r>
+            <a:r>
+              <a:rPr lang="en-US" dirty="0" err="1"/>
+              <a:t>Pou</a:t>
+            </a:r>
+            <a:r>
+              <a:rPr lang="en-US" dirty="0"/>
+              <a:t> </a:t>
+            </a:r>
+            <a:r>
+              <a:rPr lang="en-US" dirty="0" err="1"/>
+              <a:t>inkli</a:t>
+            </a:r>
+            <a:r>
+              <a:rPr lang="en-US" dirty="0"/>
+              <a:t> </a:t>
+            </a:r>
+            <a:r>
+              <a:rPr lang="en-US" dirty="0" err="1"/>
+              <a:t>Kòd</a:t>
+            </a:r>
+            <a:r>
+              <a:rPr lang="en-US" dirty="0"/>
+              <a:t> </a:t>
+            </a:r>
+            <a:r>
+              <a:rPr lang="en-US" dirty="0" err="1"/>
+              <a:t>Òdinatè</a:t>
+            </a:r>
+            <a:r>
+              <a:rPr lang="en-US" dirty="0"/>
+              <a:t>. </a:t>
+            </a:r>
           </a:p>
           <a:p>
             <a:pPr marL="551640" lvl="1" indent="-212169" defTabSz="678941">
@@ -7839,9 +8746,30 @@
               </a:defRPr>
             </a:pPr>
             <a:r>
-              <a:t>&lt;header&gt; for headers</a:t>
-            </a:r>
-            <a:endParaRPr sz="2000"/>
+              <a:rPr dirty="0"/>
+              <a:t>&lt;header&gt; </a:t>
+            </a:r>
+            <a:r>
+              <a:rPr lang="en-US" dirty="0" err="1"/>
+              <a:t>Pou</a:t>
+            </a:r>
+            <a:r>
+              <a:rPr lang="en-US" dirty="0"/>
+              <a:t> </a:t>
+            </a:r>
+            <a:r>
+              <a:rPr lang="en-US" dirty="0" err="1"/>
+              <a:t>tèt</a:t>
+            </a:r>
+            <a:r>
+              <a:rPr lang="en-US" dirty="0"/>
+              <a:t> </a:t>
+            </a:r>
+            <a:r>
+              <a:rPr lang="en-US" dirty="0" err="1"/>
+              <a:t>lan</a:t>
+            </a:r>
+            <a:endParaRPr sz="2000" dirty="0"/>
           </a:p>
           <a:p>
             <a:pPr marL="551640" lvl="1" indent="-212169" defTabSz="678941">
@@ -7859,9 +8787,46 @@
               </a:defRPr>
             </a:pPr>
             <a:r>
-              <a:t>&lt;nav&gt; for navigation bars</a:t>
-            </a:r>
-            <a:endParaRPr sz="2000"/>
+              <a:rPr dirty="0"/>
+              <a:t>&lt;</a:t>
+            </a:r>
+            <a:r>
+              <a:rPr dirty="0" err="1"/>
+              <a:t>nav</a:t>
+            </a:r>
+            <a:r>
+              <a:rPr dirty="0"/>
+              <a:t>&gt; </a:t>
+            </a:r>
+            <a:r>
+              <a:rPr lang="en-US" dirty="0" err="1"/>
+              <a:t>Pou</a:t>
+            </a:r>
+            <a:r>
+              <a:rPr lang="en-US" dirty="0"/>
+              <a:t> </a:t>
+            </a:r>
+            <a:r>
+              <a:rPr lang="en-US" dirty="0" err="1"/>
+              <a:t>navigasyon</a:t>
+            </a:r>
+            <a:r>
+              <a:rPr lang="en-US" dirty="0"/>
+              <a:t> </a:t>
+            </a:r>
+            <a:r>
+              <a:rPr lang="en-US" dirty="0" err="1"/>
+              <a:t>ba</a:t>
+            </a:r>
+            <a:r>
+              <a:rPr lang="en-US" dirty="0"/>
+              <a:t> </a:t>
+            </a:r>
+            <a:r>
+              <a:rPr lang="en-US" dirty="0" err="1"/>
+              <a:t>yo</a:t>
+            </a:r>
+            <a:endParaRPr sz="2000" dirty="0"/>
           </a:p>
           <a:p>
             <a:pPr marL="551640" lvl="1" indent="-212169" defTabSz="678941">
@@ -7879,9 +8844,30 @@
               </a:defRPr>
             </a:pPr>
             <a:r>
-              <a:t>&lt;footer&gt; for footers </a:t>
-            </a:r>
-            <a:endParaRPr sz="2000"/>
+              <a:rPr dirty="0"/>
+              <a:t>&lt;footer&gt; </a:t>
+            </a:r>
+            <a:r>
+              <a:rPr lang="en-US" dirty="0" err="1"/>
+              <a:t>Pou</a:t>
+            </a:r>
+            <a:r>
+              <a:rPr lang="en-US" dirty="0"/>
+              <a:t> </a:t>
+            </a:r>
+            <a:r>
+              <a:rPr lang="en-US" dirty="0" err="1"/>
+              <a:t>pye</a:t>
+            </a:r>
+            <a:r>
+              <a:rPr lang="en-US" dirty="0"/>
+              <a:t> </a:t>
+            </a:r>
+            <a:r>
+              <a:rPr lang="en-US" dirty="0" err="1"/>
+              <a:t>yo</a:t>
+            </a:r>
+            <a:endParaRPr sz="2000" dirty="0"/>
           </a:p>
         </p:txBody>
       </p:sp>
@@ -7946,8 +8932,14 @@
           <a:lstStyle/>
           <a:p>
             <a:r>
-              <a:t>HTML for Forms</a:t>
-            </a:r>
+              <a:rPr lang="en-US" dirty="0" err="1"/>
+              <a:t>Fòm</a:t>
+            </a:r>
+            <a:r>
+              <a:rPr lang="en-US" dirty="0"/>
+              <a:t> HTML</a:t>
+            </a:r>
+            <a:endParaRPr dirty="0"/>
           </a:p>
         </p:txBody>
       </p:sp>
@@ -7970,13 +8962,13 @@
           </a:ln>
           <a:extLst>
             <a:ext uri="{C572A759-6A51-4108-AA02-DFA0A04FC94B}">
-              <ma14:wrappingTextBoxFlag xmlns="" xmlns:ma14="http://schemas.microsoft.com/office/mac/drawingml/2011/main" val="1"/>
+              <ma14:wrappingTextBoxFlag xmlns:ma14="http://schemas.microsoft.com/office/mac/drawingml/2011/main" xmlns="" val="1"/>
             </a:ext>
           </a:extLst>
         </p:spPr>
         <p:txBody>
           <a:bodyPr lIns="45718" tIns="45718" rIns="45718" bIns="45718">
-            <a:normAutofit lnSpcReduction="10000"/>
+            <a:normAutofit/>
           </a:bodyPr>
           <a:lstStyle/>
           <a:p>
@@ -7991,24 +8983,7 @@
                 <a:sym typeface="Arial"/>
               </a:defRPr>
             </a:pPr>
-            <a:r>
-              <a:t>Common UI (User Interface) Form Elements:</a:t>
-            </a:r>
-            <a:endParaRPr sz="2400"/>
-          </a:p>
-          <a:p>
-            <a:pPr defTabSz="685800">
-              <a:spcBef>
-                <a:spcPts val="500"/>
-              </a:spcBef>
-              <a:defRPr sz="2200" b="1" u="sng">
-                <a:latin typeface="Arial"/>
-                <a:ea typeface="Arial"/>
-                <a:cs typeface="Arial"/>
-                <a:sym typeface="Arial"/>
-              </a:defRPr>
-            </a:pPr>
-            <a:endParaRPr sz="2400"/>
+            <a:endParaRPr sz="2400" dirty="0"/>
           </a:p>
           <a:p>
             <a:pPr marL="257175" indent="-257175" defTabSz="685800">
@@ -8026,13 +9001,54 @@
               </a:defRPr>
             </a:pPr>
             <a:r>
+              <a:rPr dirty="0"/>
               <a:t>&lt;form&gt; </a:t>
             </a:r>
             <a:r>
-              <a:rPr b="0"/>
-              <a:t>- Creates a form section in HTML</a:t>
-            </a:r>
-            <a:endParaRPr sz="2400"/>
+              <a:rPr b="0" dirty="0"/>
+              <a:t>- </a:t>
+            </a:r>
+            <a:r>
+              <a:rPr lang="en-US" b="0" dirty="0" err="1"/>
+              <a:t>Kreye</a:t>
+            </a:r>
+            <a:r>
+              <a:rPr lang="en-US" b="0" dirty="0"/>
+              <a:t> yon </a:t>
+            </a:r>
+            <a:r>
+              <a:rPr lang="en-US" b="0" dirty="0" err="1"/>
+              <a:t>seksyon</a:t>
+            </a:r>
+            <a:r>
+              <a:rPr lang="en-US" b="0" dirty="0"/>
+              <a:t> </a:t>
+            </a:r>
+            <a:r>
+              <a:rPr lang="en-US" b="0" dirty="0" err="1"/>
+              <a:t>pou</a:t>
+            </a:r>
+            <a:r>
+              <a:rPr lang="en-US" b="0" dirty="0"/>
+              <a:t> </a:t>
+            </a:r>
+            <a:r>
+              <a:rPr lang="en-US" b="0" dirty="0" err="1"/>
+              <a:t>fòm</a:t>
+            </a:r>
+            <a:r>
+              <a:rPr lang="en-US" b="0" dirty="0"/>
+              <a:t> HTML </a:t>
+            </a:r>
+            <a:r>
+              <a:rPr lang="en-US" b="0" dirty="0" err="1"/>
+              <a:t>ou</a:t>
+            </a:r>
+            <a:r>
+              <a:rPr lang="en-US" b="0" dirty="0"/>
+              <a:t>. </a:t>
+            </a:r>
+            <a:endParaRPr sz="2400" dirty="0"/>
           </a:p>
           <a:p>
             <a:pPr marL="257175" indent="-257175" defTabSz="685800">
@@ -8049,7 +9065,7 @@
                 <a:sym typeface="Arial"/>
               </a:defRPr>
             </a:pPr>
-            <a:endParaRPr sz="2400"/>
+            <a:endParaRPr sz="2400" dirty="0"/>
           </a:p>
           <a:p>
             <a:pPr marL="257175" indent="-257175" defTabSz="685800">
@@ -8067,13 +9083,26 @@
               </a:defRPr>
             </a:pPr>
             <a:r>
+              <a:rPr dirty="0"/>
               <a:t>&lt;input&gt; </a:t>
             </a:r>
             <a:r>
-              <a:rPr b="0"/>
-              <a:t>- Input boxes</a:t>
-            </a:r>
-            <a:endParaRPr sz="2400"/>
+              <a:rPr b="0" dirty="0"/>
+              <a:t>- </a:t>
+            </a:r>
+            <a:r>
+              <a:rPr lang="en-US" b="0" dirty="0" err="1"/>
+              <a:t>Bwat</a:t>
+            </a:r>
+            <a:r>
+              <a:rPr lang="en-US" b="0" dirty="0"/>
+              <a:t> </a:t>
+            </a:r>
+            <a:r>
+              <a:rPr lang="en-US" b="0" dirty="0" err="1"/>
+              <a:t>opinyon</a:t>
+            </a:r>
+            <a:endParaRPr sz="2400" dirty="0"/>
           </a:p>
           <a:p>
             <a:pPr marL="257175" indent="-257175" defTabSz="685800">
@@ -8090,7 +9119,7 @@
                 <a:sym typeface="Arial"/>
               </a:defRPr>
             </a:pPr>
-            <a:endParaRPr sz="2400"/>
+            <a:endParaRPr sz="2400" dirty="0"/>
           </a:p>
           <a:p>
             <a:pPr marL="257175" indent="-257175" defTabSz="685800">
@@ -8108,13 +9137,34 @@
               </a:defRPr>
             </a:pPr>
             <a:r>
+              <a:rPr dirty="0"/>
               <a:t>&lt;label&gt; </a:t>
             </a:r>
             <a:r>
-              <a:rPr b="0"/>
-              <a:t>- Labels for boxes</a:t>
-            </a:r>
-            <a:endParaRPr sz="2400"/>
+              <a:rPr b="0" dirty="0"/>
+              <a:t>- </a:t>
+            </a:r>
+            <a:r>
+              <a:rPr lang="en-US" b="0" dirty="0" err="1"/>
+              <a:t>Etikèt</a:t>
+            </a:r>
+            <a:r>
+              <a:rPr lang="en-US" b="0" dirty="0"/>
+              <a:t> </a:t>
+            </a:r>
+            <a:r>
+              <a:rPr lang="en-US" b="0" dirty="0" err="1"/>
+              <a:t>bwat</a:t>
+            </a:r>
+            <a:r>
+              <a:rPr lang="en-US" b="0" dirty="0"/>
+              <a:t> </a:t>
+            </a:r>
+            <a:r>
+              <a:rPr lang="en-US" b="0" dirty="0" err="1"/>
+              <a:t>ou</a:t>
+            </a:r>
+            <a:endParaRPr sz="2400" dirty="0"/>
           </a:p>
           <a:p>
             <a:pPr marL="257175" indent="-257175" defTabSz="685800">
@@ -8131,7 +9181,7 @@
                 <a:sym typeface="Arial"/>
               </a:defRPr>
             </a:pPr>
-            <a:endParaRPr sz="2400"/>
+            <a:endParaRPr sz="2400" dirty="0"/>
           </a:p>
           <a:p>
             <a:pPr marL="257175" indent="-257175" defTabSz="685800">
@@ -8149,13 +9199,18 @@
               </a:defRPr>
             </a:pPr>
             <a:r>
+              <a:rPr dirty="0"/>
               <a:t>&lt;button&gt; </a:t>
             </a:r>
             <a:r>
-              <a:rPr b="0"/>
-              <a:t>- Button</a:t>
-            </a:r>
-            <a:endParaRPr sz="2400"/>
+              <a:rPr b="0" dirty="0"/>
+              <a:t>- </a:t>
+            </a:r>
+            <a:r>
+              <a:rPr lang="en-US" b="0" dirty="0"/>
+              <a:t>Bouton</a:t>
+            </a:r>
+            <a:endParaRPr sz="2400" dirty="0"/>
           </a:p>
           <a:p>
             <a:pPr marL="257175" indent="-257175" defTabSz="685800">
@@ -8172,7 +9227,7 @@
                 <a:sym typeface="Arial"/>
               </a:defRPr>
             </a:pPr>
-            <a:endParaRPr sz="2400"/>
+            <a:endParaRPr sz="2400" dirty="0"/>
           </a:p>
           <a:p>
             <a:pPr marL="257175" indent="-257175" defTabSz="685800">
@@ -8190,12 +9245,50 @@
               </a:defRPr>
             </a:pPr>
             <a:r>
-              <a:t>&lt;textarea&gt; </a:t>
-            </a:r>
-            <a:r>
-              <a:rPr b="0"/>
-              <a:t>- Large textbox</a:t>
-            </a:r>
+              <a:rPr dirty="0"/>
+              <a:t>&lt;</a:t>
+            </a:r>
+            <a:r>
+              <a:rPr dirty="0" err="1"/>
+              <a:t>textarea</a:t>
+            </a:r>
+            <a:r>
+              <a:rPr dirty="0"/>
+              <a:t>&gt; </a:t>
+            </a:r>
+            <a:r>
+              <a:rPr lang="en-US" b="0" dirty="0"/>
+              <a:t>- </a:t>
+            </a:r>
+            <a:r>
+              <a:rPr lang="en-US" b="0" dirty="0" err="1"/>
+              <a:t>Gwo</a:t>
+            </a:r>
+            <a:r>
+              <a:rPr lang="en-US" b="0" dirty="0"/>
+              <a:t> </a:t>
+            </a:r>
+            <a:r>
+              <a:rPr lang="en-US" b="0" dirty="0" err="1"/>
+              <a:t>bwat</a:t>
+            </a:r>
+            <a:r>
+              <a:rPr lang="en-US" b="0" dirty="0"/>
+              <a:t> </a:t>
+            </a:r>
+            <a:r>
+              <a:rPr lang="en-US" b="0" dirty="0" err="1"/>
+              <a:t>tèx</a:t>
+            </a:r>
+            <a:r>
+              <a:rPr lang="en-US" b="0" dirty="0"/>
+              <a:t> </a:t>
+            </a:r>
+            <a:r>
+              <a:rPr lang="en-US" b="0" dirty="0" err="1"/>
+              <a:t>ou</a:t>
+            </a:r>
+            <a:endParaRPr b="0" dirty="0"/>
           </a:p>
         </p:txBody>
       </p:sp>

--- a/Prezantasyon/Gitn_Pro_HTML_CSS.pptx
+++ b/Prezantasyon/Gitn_Pro_HTML_CSS.pptx
@@ -5,7 +5,7 @@
     <p:sldMasterId id="2147483648" r:id="rId1"/>
   </p:sldMasterIdLst>
   <p:notesMasterIdLst>
-    <p:notesMasterId r:id="rId32"/>
+    <p:notesMasterId r:id="rId28"/>
   </p:notesMasterIdLst>
   <p:sldIdLst>
     <p:sldId id="262" r:id="rId2"/>
@@ -22,22 +22,18 @@
     <p:sldId id="308" r:id="rId13"/>
     <p:sldId id="309" r:id="rId14"/>
     <p:sldId id="310" r:id="rId15"/>
-    <p:sldId id="311" r:id="rId16"/>
-    <p:sldId id="312" r:id="rId17"/>
-    <p:sldId id="313" r:id="rId18"/>
-    <p:sldId id="314" r:id="rId19"/>
-    <p:sldId id="315" r:id="rId20"/>
-    <p:sldId id="316" r:id="rId21"/>
-    <p:sldId id="317" r:id="rId22"/>
-    <p:sldId id="318" r:id="rId23"/>
-    <p:sldId id="319" r:id="rId24"/>
-    <p:sldId id="320" r:id="rId25"/>
-    <p:sldId id="321" r:id="rId26"/>
-    <p:sldId id="322" r:id="rId27"/>
-    <p:sldId id="323" r:id="rId28"/>
-    <p:sldId id="324" r:id="rId29"/>
-    <p:sldId id="325" r:id="rId30"/>
-    <p:sldId id="326" r:id="rId31"/>
+    <p:sldId id="312" r:id="rId16"/>
+    <p:sldId id="313" r:id="rId17"/>
+    <p:sldId id="314" r:id="rId18"/>
+    <p:sldId id="315" r:id="rId19"/>
+    <p:sldId id="316" r:id="rId20"/>
+    <p:sldId id="317" r:id="rId21"/>
+    <p:sldId id="319" r:id="rId22"/>
+    <p:sldId id="320" r:id="rId23"/>
+    <p:sldId id="321" r:id="rId24"/>
+    <p:sldId id="322" r:id="rId25"/>
+    <p:sldId id="323" r:id="rId26"/>
+    <p:sldId id="326" r:id="rId27"/>
   </p:sldIdLst>
   <p:sldSz cx="9144000" cy="6858000" type="screen4x3"/>
   <p:notesSz cx="6858000" cy="9144000"/>
@@ -3180,7 +3176,8 @@
           <a:lstStyle/>
           <a:p>
             <a:r>
-              <a:t>CSS Stylin’</a:t>
+              <a:rPr dirty="0"/>
+              <a:t>CSS</a:t>
             </a:r>
           </a:p>
         </p:txBody>
@@ -3246,12 +3243,14 @@
           <a:lstStyle/>
           <a:p>
             <a:r>
-              <a:t>HTML / CSS Definitions </a:t>
-            </a:r>
-            <a:r>
-              <a:rPr sz="1000"/>
-              <a:t>(*yawn* unimportant)</a:t>
-            </a:r>
+              <a:rPr dirty="0"/>
+              <a:t>HTML / CSS </a:t>
+            </a:r>
+            <a:r>
+              <a:rPr lang="en-US" dirty="0" err="1"/>
+              <a:t>Definisyon</a:t>
+            </a:r>
+            <a:endParaRPr sz="1000" dirty="0"/>
           </a:p>
         </p:txBody>
       </p:sp>
@@ -3280,7 +3279,7 @@
         </p:spPr>
         <p:txBody>
           <a:bodyPr lIns="45718" tIns="45718" rIns="45718" bIns="45718">
-            <a:normAutofit lnSpcReduction="10000"/>
+            <a:normAutofit/>
           </a:bodyPr>
           <a:lstStyle/>
           <a:p>
@@ -3299,13 +3298,22 @@
               </a:defRPr>
             </a:pPr>
             <a:r>
+              <a:rPr dirty="0"/>
               <a:t>HTML:</a:t>
             </a:r>
             <a:r>
-              <a:rPr b="0"/>
-              <a:t> Hypertext Markup Language – (Content)</a:t>
-            </a:r>
-            <a:endParaRPr sz="2400"/>
+              <a:rPr b="0" dirty="0"/>
+              <a:t> Hypertext Markup Language – (</a:t>
+            </a:r>
+            <a:r>
+              <a:rPr lang="en-US" b="0" dirty="0" err="1"/>
+              <a:t>Kontni</a:t>
+            </a:r>
+            <a:r>
+              <a:rPr b="0" dirty="0"/>
+              <a:t>)</a:t>
+            </a:r>
+            <a:endParaRPr sz="2400" dirty="0"/>
           </a:p>
           <a:p>
             <a:pPr marL="257175" indent="-257175" defTabSz="685800">
@@ -3322,7 +3330,7 @@
                 <a:sym typeface="Arial"/>
               </a:defRPr>
             </a:pPr>
-            <a:endParaRPr sz="2400"/>
+            <a:endParaRPr sz="2400" dirty="0"/>
           </a:p>
           <a:p>
             <a:pPr marL="257175" indent="-257175" defTabSz="685800">
@@ -3340,13 +3348,22 @@
               </a:defRPr>
             </a:pPr>
             <a:r>
+              <a:rPr dirty="0"/>
               <a:t>CSS: </a:t>
             </a:r>
             <a:r>
-              <a:rPr b="0"/>
-              <a:t>Cascading Style Sheets – (Appearance)</a:t>
-            </a:r>
-            <a:endParaRPr sz="2400"/>
+              <a:rPr b="0" dirty="0"/>
+              <a:t>Cascading Style Sheets – (</a:t>
+            </a:r>
+            <a:r>
+              <a:rPr lang="en-US" b="0" dirty="0" err="1"/>
+              <a:t>Aparans</a:t>
+            </a:r>
+            <a:r>
+              <a:rPr b="0" dirty="0"/>
+              <a:t>)</a:t>
+            </a:r>
+            <a:endParaRPr sz="2400" dirty="0"/>
           </a:p>
           <a:p>
             <a:pPr marL="257175" indent="-257175" defTabSz="685800">
@@ -3363,7 +3380,7 @@
                 <a:sym typeface="Arial"/>
               </a:defRPr>
             </a:pPr>
-            <a:endParaRPr sz="2400"/>
+            <a:endParaRPr sz="2400" dirty="0"/>
           </a:p>
           <a:p>
             <a:pPr marL="257175" indent="-257175" defTabSz="685800">
@@ -3381,16 +3398,222 @@
               </a:defRPr>
             </a:pPr>
             <a:r>
-              <a:t>HTML/CSS are the “languages of the web.” </a:t>
-            </a:r>
-            <a:r>
-              <a:rPr b="0"/>
-              <a:t>Together they define both the content and the aesthetics of a webpage – handling everything from the layouts, colors, fonts and  content placement.  </a:t>
-            </a:r>
-            <a:r>
-              <a:rPr sz="1400" b="0"/>
-              <a:t>(JavaScript is the third – handling logic, animation, etc.)</a:t>
-            </a:r>
+              <a:rPr dirty="0"/>
+              <a:t>HTML/CSS </a:t>
+            </a:r>
+            <a:r>
+              <a:rPr lang="en-US" dirty="0"/>
+              <a:t>se ”</a:t>
+            </a:r>
+            <a:r>
+              <a:rPr lang="en-US" dirty="0" err="1"/>
+              <a:t>langaj</a:t>
+            </a:r>
+            <a:r>
+              <a:rPr lang="en-US" dirty="0"/>
+              <a:t> web </a:t>
+            </a:r>
+            <a:r>
+              <a:rPr lang="en-US" dirty="0" err="1"/>
+              <a:t>lan</a:t>
+            </a:r>
+            <a:r>
+              <a:rPr lang="en-US" dirty="0"/>
+              <a:t>”. </a:t>
+            </a:r>
+            <a:r>
+              <a:rPr lang="en-US" b="0" dirty="0" err="1"/>
+              <a:t>Ansanm</a:t>
+            </a:r>
+            <a:r>
+              <a:rPr lang="en-US" b="0" dirty="0"/>
+              <a:t>, </a:t>
+            </a:r>
+            <a:r>
+              <a:rPr lang="en-US" b="0" dirty="0" err="1"/>
+              <a:t>yo</a:t>
+            </a:r>
+            <a:r>
+              <a:rPr lang="en-US" b="0" dirty="0"/>
+              <a:t> </a:t>
+            </a:r>
+            <a:r>
+              <a:rPr lang="en-US" b="0" dirty="0" err="1"/>
+              <a:t>fòm</a:t>
+            </a:r>
+            <a:r>
+              <a:rPr lang="en-US" b="0" dirty="0"/>
+              <a:t> define </a:t>
+            </a:r>
+            <a:r>
+              <a:rPr lang="en-US" b="0" dirty="0" err="1"/>
+              <a:t>kontni</a:t>
+            </a:r>
+            <a:r>
+              <a:rPr lang="en-US" b="0" dirty="0"/>
+              <a:t> </a:t>
+            </a:r>
+            <a:r>
+              <a:rPr lang="en-US" b="0" dirty="0" err="1"/>
+              <a:t>avek</a:t>
+            </a:r>
+            <a:r>
+              <a:rPr lang="en-US" b="0" dirty="0"/>
+              <a:t> </a:t>
+            </a:r>
+            <a:r>
+              <a:rPr lang="en-US" b="0" dirty="0" err="1"/>
+              <a:t>estetik</a:t>
+            </a:r>
+            <a:r>
+              <a:rPr lang="en-US" b="0" dirty="0"/>
+              <a:t> yon </a:t>
+            </a:r>
+            <a:r>
+              <a:rPr lang="en-US" b="0" dirty="0" err="1"/>
+              <a:t>paj</a:t>
+            </a:r>
+            <a:r>
+              <a:rPr lang="en-US" b="0" dirty="0"/>
+              <a:t> web </a:t>
+            </a:r>
+            <a:r>
+              <a:rPr b="0" dirty="0"/>
+              <a:t>–</a:t>
+            </a:r>
+            <a:r>
+              <a:rPr lang="en-US" b="0" dirty="0"/>
+              <a:t> </a:t>
+            </a:r>
+            <a:r>
+              <a:rPr lang="en-US" b="0" dirty="0" err="1"/>
+              <a:t>yo</a:t>
+            </a:r>
+            <a:r>
+              <a:rPr lang="en-US" b="0" dirty="0"/>
+              <a:t> </a:t>
+            </a:r>
+            <a:r>
+              <a:rPr lang="en-US" b="0" dirty="0" err="1"/>
+              <a:t>manyen</a:t>
+            </a:r>
+            <a:r>
+              <a:rPr lang="en-US" b="0" dirty="0"/>
+              <a:t> tout </a:t>
+            </a:r>
+            <a:r>
+              <a:rPr lang="en-US" b="0" dirty="0" err="1"/>
+              <a:t>bagay</a:t>
+            </a:r>
+            <a:r>
+              <a:rPr lang="en-US" b="0" dirty="0"/>
+              <a:t> </a:t>
+            </a:r>
+            <a:r>
+              <a:rPr lang="en-US" b="0" dirty="0" err="1"/>
+              <a:t>komanse</a:t>
+            </a:r>
+            <a:r>
+              <a:rPr lang="en-US" b="0" dirty="0"/>
+              <a:t> </a:t>
+            </a:r>
+            <a:r>
+              <a:rPr lang="en-US" b="0" dirty="0" err="1"/>
+              <a:t>sou</a:t>
+            </a:r>
+            <a:r>
+              <a:rPr lang="en-US" b="0" dirty="0"/>
+              <a:t> layouts, </a:t>
+            </a:r>
+            <a:r>
+              <a:rPr lang="en-US" b="0" dirty="0" err="1"/>
+              <a:t>koulè</a:t>
+            </a:r>
+            <a:r>
+              <a:rPr lang="en-US" b="0" dirty="0"/>
+              <a:t>, fonts, e </a:t>
+            </a:r>
+            <a:r>
+              <a:rPr lang="en-US" b="0" dirty="0" err="1"/>
+              <a:t>menm</a:t>
+            </a:r>
+            <a:r>
+              <a:rPr lang="en-US" b="0" dirty="0"/>
+              <a:t> </a:t>
+            </a:r>
+            <a:r>
+              <a:rPr lang="en-US" b="0" dirty="0" err="1"/>
+              <a:t>plasman</a:t>
+            </a:r>
+            <a:r>
+              <a:rPr lang="en-US" b="0" dirty="0"/>
+              <a:t> de </a:t>
+            </a:r>
+            <a:r>
+              <a:rPr lang="en-US" b="0" dirty="0" err="1"/>
+              <a:t>kontni</a:t>
+            </a:r>
+            <a:r>
+              <a:rPr b="0" dirty="0"/>
+              <a:t> </a:t>
+            </a:r>
+            <a:r>
+              <a:rPr sz="1400" b="0" dirty="0"/>
+              <a:t>(JavaScript </a:t>
+            </a:r>
+            <a:r>
+              <a:rPr lang="en-US" sz="1400" b="0" dirty="0"/>
+              <a:t>se 3èm </a:t>
+            </a:r>
+            <a:r>
+              <a:rPr sz="1400" b="0" dirty="0"/>
+              <a:t>– </a:t>
+            </a:r>
+            <a:r>
+              <a:rPr lang="en-US" sz="1400" b="0" dirty="0"/>
+              <a:t>li </a:t>
+            </a:r>
+            <a:r>
+              <a:rPr lang="en-US" sz="1400" b="0" dirty="0" err="1"/>
+              <a:t>manyen</a:t>
+            </a:r>
+            <a:r>
+              <a:rPr lang="en-US" sz="1400" b="0" dirty="0"/>
+              <a:t> </a:t>
+            </a:r>
+            <a:r>
+              <a:rPr lang="en-US" sz="1400" b="0" dirty="0" err="1"/>
+              <a:t>lojik</a:t>
+            </a:r>
+            <a:r>
+              <a:rPr lang="en-US" sz="1400" b="0" dirty="0"/>
+              <a:t>, </a:t>
+            </a:r>
+            <a:r>
+              <a:rPr lang="en-US" sz="1400" b="0" dirty="0" err="1"/>
+              <a:t>animasyon</a:t>
+            </a:r>
+            <a:r>
+              <a:rPr lang="en-US" sz="1400" b="0" dirty="0"/>
+              <a:t> </a:t>
+            </a:r>
+            <a:r>
+              <a:rPr lang="en-US" sz="1400" b="0" dirty="0" err="1"/>
+              <a:t>paj</a:t>
+            </a:r>
+            <a:r>
+              <a:rPr lang="en-US" sz="1400" b="0" dirty="0"/>
+              <a:t> </a:t>
+            </a:r>
+            <a:r>
+              <a:rPr lang="en-US" sz="1400" b="0" dirty="0" err="1"/>
+              <a:t>lan</a:t>
+            </a:r>
+            <a:r>
+              <a:rPr lang="en-US" sz="1400" b="0" dirty="0"/>
+              <a:t>. )</a:t>
+            </a:r>
+            <a:endParaRPr sz="1400" b="0" dirty="0"/>
           </a:p>
         </p:txBody>
       </p:sp>
@@ -3491,337 +3714,6 @@
       </p:grpSpPr>
       <p:sp>
         <p:nvSpPr>
-          <p:cNvPr id="586" name="Shape 586"/>
-          <p:cNvSpPr>
-            <a:spLocks noGrp="1"/>
-          </p:cNvSpPr>
-          <p:nvPr>
-            <p:ph type="title"/>
-          </p:nvPr>
-        </p:nvSpPr>
-        <p:spPr>
-          <a:xfrm>
-            <a:off x="304798" y="-2"/>
-            <a:ext cx="5470530" cy="653858"/>
-          </a:xfrm>
-          <a:prstGeom prst="rect">
-            <a:avLst/>
-          </a:prstGeom>
-        </p:spPr>
-        <p:txBody>
-          <a:bodyPr/>
-          <a:lstStyle/>
-          <a:p>
-            <a:r>
-              <a:t>HTML / CSS Analogy</a:t>
-            </a:r>
-          </a:p>
-        </p:txBody>
-      </p:sp>
-      <p:sp>
-        <p:nvSpPr>
-          <p:cNvPr id="587" name="Shape 587"/>
-          <p:cNvSpPr/>
-          <p:nvPr/>
-        </p:nvSpPr>
-        <p:spPr>
-          <a:xfrm>
-            <a:off x="457199" y="990600"/>
-            <a:ext cx="4100947" cy="2405567"/>
-          </a:xfrm>
-          <a:prstGeom prst="rect">
-            <a:avLst/>
-          </a:prstGeom>
-          <a:ln w="12700">
-            <a:miter lim="400000"/>
-          </a:ln>
-          <a:extLst>
-            <a:ext uri="{C572A759-6A51-4108-AA02-DFA0A04FC94B}">
-              <ma14:wrappingTextBoxFlag xmlns:ma14="http://schemas.microsoft.com/office/mac/drawingml/2011/main" xmlns="" val="1"/>
-            </a:ext>
-          </a:extLst>
-        </p:spPr>
-        <p:txBody>
-          <a:bodyPr lIns="45718" tIns="45718" rIns="45718" bIns="45718">
-            <a:normAutofit lnSpcReduction="10000"/>
-          </a:bodyPr>
-          <a:lstStyle/>
-          <a:p>
-            <a:pPr algn="ctr" defTabSz="685800">
-              <a:spcBef>
-                <a:spcPts val="500"/>
-              </a:spcBef>
-              <a:defRPr sz="2400" b="1" u="sng">
-                <a:latin typeface="Arial"/>
-                <a:ea typeface="Arial"/>
-                <a:cs typeface="Arial"/>
-                <a:sym typeface="Arial"/>
-              </a:defRPr>
-            </a:pPr>
-            <a:r>
-              <a:rPr dirty="0"/>
-              <a:t>HTML Alone</a:t>
-            </a:r>
-          </a:p>
-          <a:p>
-            <a:pPr marL="257175" indent="-257175" algn="ctr" defTabSz="685800">
-              <a:spcBef>
-                <a:spcPts val="500"/>
-              </a:spcBef>
-              <a:buSzPct val="100000"/>
-              <a:buFont typeface="Arial"/>
-              <a:buChar char="•"/>
-              <a:defRPr sz="2400">
-                <a:latin typeface="Arial"/>
-                <a:ea typeface="Arial"/>
-                <a:cs typeface="Arial"/>
-                <a:sym typeface="Arial"/>
-              </a:defRPr>
-            </a:pPr>
-            <a:r>
-              <a:rPr dirty="0"/>
-              <a:t>Like writing papers in “Notepad.” </a:t>
-            </a:r>
-          </a:p>
-          <a:p>
-            <a:pPr marL="257175" indent="-257175" algn="ctr" defTabSz="685800">
-              <a:spcBef>
-                <a:spcPts val="500"/>
-              </a:spcBef>
-              <a:buSzPct val="100000"/>
-              <a:buFont typeface="Arial"/>
-              <a:buChar char="•"/>
-              <a:defRPr sz="2400">
-                <a:latin typeface="Arial"/>
-                <a:ea typeface="Arial"/>
-                <a:cs typeface="Arial"/>
-                <a:sym typeface="Arial"/>
-              </a:defRPr>
-            </a:pPr>
-            <a:endParaRPr dirty="0"/>
-          </a:p>
-          <a:p>
-            <a:pPr marL="257175" indent="-257175" algn="ctr" defTabSz="685800">
-              <a:spcBef>
-                <a:spcPts val="500"/>
-              </a:spcBef>
-              <a:buSzPct val="100000"/>
-              <a:buFont typeface="Arial"/>
-              <a:buChar char="•"/>
-              <a:defRPr sz="2400">
-                <a:latin typeface="Arial"/>
-                <a:ea typeface="Arial"/>
-                <a:cs typeface="Arial"/>
-                <a:sym typeface="Arial"/>
-              </a:defRPr>
-            </a:pPr>
-            <a:r>
-              <a:rPr dirty="0"/>
-              <a:t>Can only write unformatted text. </a:t>
-            </a:r>
-          </a:p>
-        </p:txBody>
-      </p:sp>
-      <p:sp>
-        <p:nvSpPr>
-          <p:cNvPr id="588" name="Shape 588"/>
-          <p:cNvSpPr/>
-          <p:nvPr/>
-        </p:nvSpPr>
-        <p:spPr>
-          <a:xfrm>
-            <a:off x="4743201" y="990600"/>
-            <a:ext cx="4100946" cy="3142167"/>
-          </a:xfrm>
-          <a:prstGeom prst="rect">
-            <a:avLst/>
-          </a:prstGeom>
-          <a:ln w="12700">
-            <a:miter lim="400000"/>
-          </a:ln>
-          <a:extLst>
-            <a:ext uri="{C572A759-6A51-4108-AA02-DFA0A04FC94B}">
-              <ma14:wrappingTextBoxFlag xmlns:ma14="http://schemas.microsoft.com/office/mac/drawingml/2011/main" xmlns="" val="1"/>
-            </a:ext>
-          </a:extLst>
-        </p:spPr>
-        <p:txBody>
-          <a:bodyPr lIns="45718" tIns="45718" rIns="45718" bIns="45718">
-            <a:normAutofit lnSpcReduction="10000"/>
-          </a:bodyPr>
-          <a:lstStyle/>
-          <a:p>
-            <a:pPr algn="ctr">
-              <a:spcBef>
-                <a:spcPts val="500"/>
-              </a:spcBef>
-              <a:defRPr sz="2400" b="1" u="sng">
-                <a:latin typeface="Arial"/>
-                <a:ea typeface="Arial"/>
-                <a:cs typeface="Arial"/>
-                <a:sym typeface="Arial"/>
-              </a:defRPr>
-            </a:pPr>
-            <a:r>
-              <a:t>HTML / CSS</a:t>
-            </a:r>
-            <a:endParaRPr sz="3200"/>
-          </a:p>
-          <a:p>
-            <a:pPr marL="342900" indent="-342900" algn="ctr">
-              <a:spcBef>
-                <a:spcPts val="500"/>
-              </a:spcBef>
-              <a:buSzPct val="100000"/>
-              <a:buFont typeface="Arial"/>
-              <a:buChar char="•"/>
-              <a:defRPr sz="2400">
-                <a:latin typeface="Arial"/>
-                <a:ea typeface="Arial"/>
-                <a:cs typeface="Arial"/>
-                <a:sym typeface="Arial"/>
-              </a:defRPr>
-            </a:pPr>
-            <a:r>
-              <a:t>Like writing papers in Microsoft Word.</a:t>
-            </a:r>
-            <a:endParaRPr sz="3200"/>
-          </a:p>
-          <a:p>
-            <a:pPr marL="342900" indent="-342900" algn="ctr">
-              <a:spcBef>
-                <a:spcPts val="700"/>
-              </a:spcBef>
-              <a:buSzPct val="100000"/>
-              <a:buFont typeface="Arial"/>
-              <a:buChar char="•"/>
-              <a:defRPr sz="2400" b="1" u="sng">
-                <a:latin typeface="Arial"/>
-                <a:ea typeface="Arial"/>
-                <a:cs typeface="Arial"/>
-                <a:sym typeface="Arial"/>
-              </a:defRPr>
-            </a:pPr>
-            <a:endParaRPr sz="3200"/>
-          </a:p>
-          <a:p>
-            <a:pPr marL="342900" indent="-342900" algn="ctr">
-              <a:spcBef>
-                <a:spcPts val="500"/>
-              </a:spcBef>
-              <a:buSzPct val="100000"/>
-              <a:buFont typeface="Arial"/>
-              <a:buChar char="•"/>
-              <a:defRPr sz="2400">
-                <a:latin typeface="Arial"/>
-                <a:ea typeface="Arial"/>
-                <a:cs typeface="Arial"/>
-                <a:sym typeface="Arial"/>
-              </a:defRPr>
-            </a:pPr>
-            <a:r>
-              <a:t>Can format text, page settings, alignment, etc. based on “highlighting” and menu options.</a:t>
-            </a:r>
-          </a:p>
-        </p:txBody>
-      </p:sp>
-      <p:pic>
-        <p:nvPicPr>
-          <p:cNvPr id="589" name="image21.png" descr="Picture 2"/>
-          <p:cNvPicPr>
-            <a:picLocks noChangeAspect="1"/>
-          </p:cNvPicPr>
-          <p:nvPr/>
-        </p:nvPicPr>
-        <p:blipFill>
-          <a:blip r:embed="rId2">
-            <a:extLst/>
-          </a:blip>
-          <a:stretch>
-            <a:fillRect/>
-          </a:stretch>
-        </p:blipFill>
-        <p:spPr>
-          <a:xfrm>
-            <a:off x="1603827" y="4449762"/>
-            <a:ext cx="1676401" cy="1676402"/>
-          </a:xfrm>
-          <a:prstGeom prst="rect">
-            <a:avLst/>
-          </a:prstGeom>
-          <a:ln w="12700">
-            <a:miter lim="400000"/>
-          </a:ln>
-        </p:spPr>
-      </p:pic>
-      <p:pic>
-        <p:nvPicPr>
-          <p:cNvPr id="590" name="image22.png" descr="Picture 4"/>
-          <p:cNvPicPr>
-            <a:picLocks noChangeAspect="1"/>
-          </p:cNvPicPr>
-          <p:nvPr/>
-        </p:nvPicPr>
-        <p:blipFill>
-          <a:blip r:embed="rId3">
-            <a:extLst/>
-          </a:blip>
-          <a:stretch>
-            <a:fillRect/>
-          </a:stretch>
-        </p:blipFill>
-        <p:spPr>
-          <a:xfrm>
-            <a:off x="6194876" y="4602162"/>
-            <a:ext cx="1475767" cy="1448936"/>
-          </a:xfrm>
-          <a:prstGeom prst="rect">
-            <a:avLst/>
-          </a:prstGeom>
-          <a:ln w="12700">
-            <a:miter lim="400000"/>
-          </a:ln>
-        </p:spPr>
-      </p:pic>
-    </p:spTree>
-  </p:cSld>
-  <p:clrMapOvr>
-    <a:masterClrMapping/>
-  </p:clrMapOvr>
-  <mc:AlternateContent xmlns:mc="http://schemas.openxmlformats.org/markup-compatibility/2006" xmlns:p14="http://schemas.microsoft.com/office/powerpoint/2010/main">
-    <mc:Choice Requires="p14">
-      <p:transition spd="slow">
-        <p:dissolve/>
-      </p:transition>
-    </mc:Choice>
-    <mc:Fallback xmlns="">
-      <p:transition spd="med">
-        <p:fade/>
-      </p:transition>
-    </mc:Fallback>
-  </mc:AlternateContent>
-</p:sld>
-</file>
-
-<file path=ppt/slides/slide16.xml><?xml version="1.0" encoding="utf-8"?>
-<p:sld xmlns:a="http://schemas.openxmlformats.org/drawingml/2006/main" xmlns:r="http://schemas.openxmlformats.org/officeDocument/2006/relationships" xmlns:p="http://schemas.openxmlformats.org/presentationml/2006/main">
-  <p:cSld>
-    <p:spTree>
-      <p:nvGrpSpPr>
-        <p:cNvPr id="1" name=""/>
-        <p:cNvGrpSpPr/>
-        <p:nvPr/>
-      </p:nvGrpSpPr>
-      <p:grpSpPr>
-        <a:xfrm>
-          <a:off x="0" y="0"/>
-          <a:ext cx="0" cy="0"/>
-          <a:chOff x="0" y="0"/>
-          <a:chExt cx="0" cy="0"/>
-        </a:xfrm>
-      </p:grpSpPr>
-      <p:sp>
-        <p:nvSpPr>
           <p:cNvPr id="592" name="Shape 592"/>
           <p:cNvSpPr>
             <a:spLocks noGrp="1"/>
@@ -3844,8 +3736,26 @@
           <a:lstStyle/>
           <a:p>
             <a:r>
-              <a:t>Basic HTML Page</a:t>
-            </a:r>
+              <a:rPr lang="en-US" dirty="0"/>
+              <a:t>Yon </a:t>
+            </a:r>
+            <a:r>
+              <a:rPr lang="en-US" dirty="0" err="1"/>
+              <a:t>senp</a:t>
+            </a:r>
+            <a:r>
+              <a:rPr lang="en-US" dirty="0"/>
+              <a:t> </a:t>
+            </a:r>
+            <a:r>
+              <a:rPr lang="en-US" dirty="0" err="1"/>
+              <a:t>paj</a:t>
+            </a:r>
+            <a:r>
+              <a:rPr lang="en-US" dirty="0"/>
+              <a:t> HTML</a:t>
+            </a:r>
+            <a:endParaRPr dirty="0"/>
           </a:p>
         </p:txBody>
       </p:sp>
@@ -3927,7 +3837,7 @@
 </p:sld>
 </file>
 
-<file path=ppt/slides/slide17.xml><?xml version="1.0" encoding="utf-8"?>
+<file path=ppt/slides/slide16.xml><?xml version="1.0" encoding="utf-8"?>
 <p:sld xmlns:a="http://schemas.openxmlformats.org/drawingml/2006/main" xmlns:r="http://schemas.openxmlformats.org/officeDocument/2006/relationships" xmlns:p="http://schemas.openxmlformats.org/presentationml/2006/main">
   <p:cSld>
     <p:spTree>
@@ -3968,8 +3878,34 @@
           <a:lstStyle/>
           <a:p>
             <a:r>
-              <a:t>Basic HTML Page - Result</a:t>
-            </a:r>
+              <a:rPr lang="en-US" dirty="0" err="1"/>
+              <a:t>Rezilta</a:t>
+            </a:r>
+            <a:r>
+              <a:rPr lang="en-US" dirty="0"/>
+              <a:t> </a:t>
+            </a:r>
+            <a:r>
+              <a:rPr lang="en-US" dirty="0" err="1"/>
+              <a:t>senp</a:t>
+            </a:r>
+            <a:r>
+              <a:rPr lang="en-US" dirty="0"/>
+              <a:t> </a:t>
+            </a:r>
+            <a:r>
+              <a:rPr lang="en-US" dirty="0" err="1"/>
+              <a:t>paj</a:t>
+            </a:r>
+            <a:r>
+              <a:rPr lang="en-US" dirty="0"/>
+              <a:t> HTML </a:t>
+            </a:r>
+            <a:r>
+              <a:rPr lang="en-US" dirty="0" err="1"/>
+              <a:t>lan</a:t>
+            </a:r>
+            <a:endParaRPr dirty="0"/>
           </a:p>
         </p:txBody>
       </p:sp>
@@ -4024,7 +3960,7 @@
 </p:sld>
 </file>
 
-<file path=ppt/slides/slide18.xml><?xml version="1.0" encoding="utf-8"?>
+<file path=ppt/slides/slide17.xml><?xml version="1.0" encoding="utf-8"?>
 <p:sld xmlns:a="http://schemas.openxmlformats.org/drawingml/2006/main" xmlns:r="http://schemas.openxmlformats.org/officeDocument/2006/relationships" xmlns:p="http://schemas.openxmlformats.org/presentationml/2006/main">
   <p:cSld>
     <p:spTree>
@@ -4065,8 +4001,34 @@
           <a:lstStyle/>
           <a:p>
             <a:r>
-              <a:t>Basic HTML Page - Result</a:t>
-            </a:r>
+              <a:rPr lang="en-US" dirty="0" err="1"/>
+              <a:t>Rezilta</a:t>
+            </a:r>
+            <a:r>
+              <a:rPr lang="en-US" dirty="0"/>
+              <a:t> </a:t>
+            </a:r>
+            <a:r>
+              <a:rPr lang="en-US" dirty="0" err="1"/>
+              <a:t>Senp</a:t>
+            </a:r>
+            <a:r>
+              <a:rPr lang="en-US" dirty="0"/>
+              <a:t> </a:t>
+            </a:r>
+            <a:r>
+              <a:rPr lang="en-US" dirty="0" err="1"/>
+              <a:t>paj</a:t>
+            </a:r>
+            <a:r>
+              <a:rPr lang="en-US" dirty="0"/>
+              <a:t> HTML </a:t>
+            </a:r>
+            <a:r>
+              <a:rPr lang="en-US" dirty="0" err="1"/>
+              <a:t>lan</a:t>
+            </a:r>
+            <a:endParaRPr dirty="0"/>
           </a:p>
         </p:txBody>
       </p:sp>
@@ -4110,7 +4072,7 @@
         <p:spPr>
           <a:xfrm>
             <a:off x="4267200" y="4571999"/>
-            <a:ext cx="4304068" cy="769997"/>
+            <a:ext cx="3551609" cy="830993"/>
           </a:xfrm>
           <a:prstGeom prst="rect">
             <a:avLst/>
@@ -4146,8 +4108,30 @@
           </a:lstStyle>
           <a:p>
             <a:r>
-              <a:t>Hella Boring…</a:t>
-            </a:r>
+              <a:rPr lang="en-US" dirty="0" err="1"/>
+              <a:t>Paj</a:t>
+            </a:r>
+            <a:r>
+              <a:rPr lang="en-US" dirty="0"/>
+              <a:t> </a:t>
+            </a:r>
+            <a:r>
+              <a:rPr lang="en-US" dirty="0" err="1"/>
+              <a:t>sa</a:t>
+            </a:r>
+            <a:r>
+              <a:rPr lang="en-US" dirty="0"/>
+              <a:t> </a:t>
+            </a:r>
+            <a:r>
+              <a:rPr lang="en-US" dirty="0" err="1"/>
+              <a:t>raz</a:t>
+            </a:r>
+            <a:r>
+              <a:rPr lang="en-US" dirty="0"/>
+              <a:t>…</a:t>
+            </a:r>
+            <a:endParaRPr dirty="0"/>
           </a:p>
         </p:txBody>
       </p:sp>
@@ -4171,7 +4155,7 @@
 </p:sld>
 </file>
 
-<file path=ppt/slides/slide19.xml><?xml version="1.0" encoding="utf-8"?>
+<file path=ppt/slides/slide18.xml><?xml version="1.0" encoding="utf-8"?>
 <p:sld xmlns:a="http://schemas.openxmlformats.org/drawingml/2006/main" xmlns:r="http://schemas.openxmlformats.org/officeDocument/2006/relationships" xmlns:p="http://schemas.openxmlformats.org/presentationml/2006/main">
   <p:cSld>
     <p:spTree>
@@ -4212,8 +4196,26 @@
           <a:lstStyle/>
           <a:p>
             <a:r>
-              <a:t>Enter CSS</a:t>
-            </a:r>
+              <a:rPr lang="en-US" dirty="0" err="1"/>
+              <a:t>Ajoute</a:t>
+            </a:r>
+            <a:r>
+              <a:rPr lang="en-US" dirty="0"/>
+              <a:t> </a:t>
+            </a:r>
+            <a:r>
+              <a:rPr lang="en-US" dirty="0" err="1"/>
+              <a:t>kèk</a:t>
+            </a:r>
+            <a:r>
+              <a:rPr lang="en-US" dirty="0"/>
+              <a:t> </a:t>
+            </a:r>
+            <a:r>
+              <a:rPr lang="en-US" dirty="0" err="1"/>
+              <a:t>css</a:t>
+            </a:r>
+            <a:endParaRPr dirty="0"/>
           </a:p>
         </p:txBody>
       </p:sp>
@@ -4295,79 +4297,7 @@
 </p:sld>
 </file>
 
-<file path=ppt/slides/slide2.xml><?xml version="1.0" encoding="utf-8"?>
-<p:sld xmlns:a="http://schemas.openxmlformats.org/drawingml/2006/main" xmlns:r="http://schemas.openxmlformats.org/officeDocument/2006/relationships" xmlns:p="http://schemas.openxmlformats.org/presentationml/2006/main">
-  <p:cSld>
-    <p:spTree>
-      <p:nvGrpSpPr>
-        <p:cNvPr id="1" name=""/>
-        <p:cNvGrpSpPr/>
-        <p:nvPr/>
-      </p:nvGrpSpPr>
-      <p:grpSpPr>
-        <a:xfrm>
-          <a:off x="0" y="0"/>
-          <a:ext cx="0" cy="0"/>
-          <a:chOff x="0" y="0"/>
-          <a:chExt cx="0" cy="0"/>
-        </a:xfrm>
-      </p:grpSpPr>
-      <p:sp>
-        <p:nvSpPr>
-          <p:cNvPr id="533" name="Shape 533"/>
-          <p:cNvSpPr>
-            <a:spLocks noGrp="1"/>
-          </p:cNvSpPr>
-          <p:nvPr>
-            <p:ph type="title"/>
-          </p:nvPr>
-        </p:nvSpPr>
-        <p:spPr>
-          <a:xfrm>
-            <a:off x="390606" y="2953542"/>
-            <a:ext cx="8229601" cy="871860"/>
-          </a:xfrm>
-          <a:prstGeom prst="rect">
-            <a:avLst/>
-          </a:prstGeom>
-        </p:spPr>
-        <p:txBody>
-          <a:bodyPr/>
-          <a:lstStyle/>
-          <a:p>
-            <a:r>
-              <a:rPr dirty="0"/>
-              <a:t>HTML</a:t>
-            </a:r>
-            <a:r>
-              <a:rPr lang="en-US" dirty="0"/>
-              <a:t>5</a:t>
-            </a:r>
-            <a:endParaRPr dirty="0"/>
-          </a:p>
-        </p:txBody>
-      </p:sp>
-    </p:spTree>
-  </p:cSld>
-  <p:clrMapOvr>
-    <a:masterClrMapping/>
-  </p:clrMapOvr>
-  <mc:AlternateContent xmlns:mc="http://schemas.openxmlformats.org/markup-compatibility/2006" xmlns:p14="http://schemas.microsoft.com/office/powerpoint/2010/main">
-    <mc:Choice Requires="p14">
-      <p:transition spd="slow">
-        <p:dissolve/>
-      </p:transition>
-    </mc:Choice>
-    <mc:Fallback xmlns="">
-      <p:transition spd="med">
-        <p:fade/>
-      </p:transition>
-    </mc:Fallback>
-  </mc:AlternateContent>
-</p:sld>
-</file>
-
-<file path=ppt/slides/slide20.xml><?xml version="1.0" encoding="utf-8"?>
+<file path=ppt/slides/slide19.xml><?xml version="1.0" encoding="utf-8"?>
 <p:sld xmlns:a="http://schemas.openxmlformats.org/drawingml/2006/main" xmlns:r="http://schemas.openxmlformats.org/officeDocument/2006/relationships" xmlns:p="http://schemas.openxmlformats.org/presentationml/2006/main">
   <p:cSld>
     <p:spTree>
@@ -4408,8 +4338,14 @@
           <a:lstStyle/>
           <a:p>
             <a:r>
-              <a:t>Enter CSS - Result</a:t>
-            </a:r>
+              <a:rPr lang="en-US" dirty="0" err="1"/>
+              <a:t>Rezilta</a:t>
+            </a:r>
+            <a:r>
+              <a:rPr lang="en-US" dirty="0"/>
+              <a:t> CSS</a:t>
+            </a:r>
+            <a:endParaRPr dirty="0"/>
           </a:p>
         </p:txBody>
       </p:sp>
@@ -4464,7 +4400,79 @@
 </p:sld>
 </file>
 
-<file path=ppt/slides/slide21.xml><?xml version="1.0" encoding="utf-8"?>
+<file path=ppt/slides/slide2.xml><?xml version="1.0" encoding="utf-8"?>
+<p:sld xmlns:a="http://schemas.openxmlformats.org/drawingml/2006/main" xmlns:r="http://schemas.openxmlformats.org/officeDocument/2006/relationships" xmlns:p="http://schemas.openxmlformats.org/presentationml/2006/main">
+  <p:cSld>
+    <p:spTree>
+      <p:nvGrpSpPr>
+        <p:cNvPr id="1" name=""/>
+        <p:cNvGrpSpPr/>
+        <p:nvPr/>
+      </p:nvGrpSpPr>
+      <p:grpSpPr>
+        <a:xfrm>
+          <a:off x="0" y="0"/>
+          <a:ext cx="0" cy="0"/>
+          <a:chOff x="0" y="0"/>
+          <a:chExt cx="0" cy="0"/>
+        </a:xfrm>
+      </p:grpSpPr>
+      <p:sp>
+        <p:nvSpPr>
+          <p:cNvPr id="533" name="Shape 533"/>
+          <p:cNvSpPr>
+            <a:spLocks noGrp="1"/>
+          </p:cNvSpPr>
+          <p:nvPr>
+            <p:ph type="title"/>
+          </p:nvPr>
+        </p:nvSpPr>
+        <p:spPr>
+          <a:xfrm>
+            <a:off x="390606" y="2953542"/>
+            <a:ext cx="8229601" cy="871860"/>
+          </a:xfrm>
+          <a:prstGeom prst="rect">
+            <a:avLst/>
+          </a:prstGeom>
+        </p:spPr>
+        <p:txBody>
+          <a:bodyPr/>
+          <a:lstStyle/>
+          <a:p>
+            <a:r>
+              <a:rPr dirty="0"/>
+              <a:t>HTML</a:t>
+            </a:r>
+            <a:r>
+              <a:rPr lang="en-US" dirty="0"/>
+              <a:t>5</a:t>
+            </a:r>
+            <a:endParaRPr dirty="0"/>
+          </a:p>
+        </p:txBody>
+      </p:sp>
+    </p:spTree>
+  </p:cSld>
+  <p:clrMapOvr>
+    <a:masterClrMapping/>
+  </p:clrMapOvr>
+  <mc:AlternateContent xmlns:mc="http://schemas.openxmlformats.org/markup-compatibility/2006" xmlns:p14="http://schemas.microsoft.com/office/powerpoint/2010/main">
+    <mc:Choice Requires="p14">
+      <p:transition spd="slow">
+        <p:dissolve/>
+      </p:transition>
+    </mc:Choice>
+    <mc:Fallback xmlns="">
+      <p:transition spd="med">
+        <p:fade/>
+      </p:transition>
+    </mc:Fallback>
+  </mc:AlternateContent>
+</p:sld>
+</file>
+
+<file path=ppt/slides/slide20.xml><?xml version="1.0" encoding="utf-8"?>
 <p:sld xmlns:a="http://schemas.openxmlformats.org/drawingml/2006/main" xmlns:r="http://schemas.openxmlformats.org/officeDocument/2006/relationships" xmlns:p="http://schemas.openxmlformats.org/presentationml/2006/main">
   <p:cSld>
     <p:spTree>
@@ -4505,8 +4513,14 @@
           <a:lstStyle/>
           <a:p>
             <a:r>
-              <a:t>CSS Syntax</a:t>
-            </a:r>
+              <a:rPr dirty="0"/>
+              <a:t>CSS </a:t>
+            </a:r>
+            <a:r>
+              <a:rPr lang="en-US" dirty="0" err="1"/>
+              <a:t>Sentaks</a:t>
+            </a:r>
+            <a:endParaRPr dirty="0"/>
           </a:p>
         </p:txBody>
       </p:sp>
@@ -4555,27 +4569,121 @@
             </a:pPr>
             <a:r>
               <a:rPr dirty="0"/>
-              <a:t>CSS works by hooking onto </a:t>
+              <a:t>CSS</a:t>
+            </a:r>
+            <a:r>
+              <a:rPr lang="en-US" dirty="0"/>
+              <a:t> </a:t>
+            </a:r>
+            <a:r>
+              <a:rPr lang="en-US" dirty="0" err="1"/>
+              <a:t>fonksyone</a:t>
+            </a:r>
+            <a:r>
+              <a:rPr lang="en-US" dirty="0"/>
+              <a:t> se </a:t>
+            </a:r>
+            <a:r>
+              <a:rPr lang="en-US" dirty="0" err="1"/>
+              <a:t>lè’w</a:t>
+            </a:r>
+            <a:r>
+              <a:rPr lang="en-US" dirty="0"/>
+              <a:t> </a:t>
+            </a:r>
+            <a:r>
+              <a:rPr lang="en-US" sz="2000" dirty="0" err="1">
+                <a:sym typeface="Arial"/>
+              </a:rPr>
+              <a:t>akroche</a:t>
+            </a:r>
+            <a:r>
+              <a:rPr lang="en-US" sz="2000" dirty="0">
+                <a:sym typeface="Arial"/>
+              </a:rPr>
+              <a:t> </a:t>
+            </a:r>
+            <a:r>
+              <a:rPr lang="en-US" sz="2000" dirty="0" err="1">
+                <a:sym typeface="Arial"/>
+              </a:rPr>
+              <a:t>css</a:t>
+            </a:r>
+            <a:r>
+              <a:rPr lang="en-US" sz="2000" dirty="0">
+                <a:sym typeface="Arial"/>
+              </a:rPr>
+              <a:t> </a:t>
+            </a:r>
+            <a:r>
+              <a:rPr lang="en-US" sz="2000" b="1" dirty="0">
+                <a:sym typeface="Arial"/>
+              </a:rPr>
+              <a:t>selector</a:t>
+            </a:r>
+            <a:r>
+              <a:rPr lang="en-US" sz="2000" dirty="0">
+                <a:sym typeface="Arial"/>
+              </a:rPr>
+              <a:t> </a:t>
+            </a:r>
+            <a:r>
+              <a:rPr lang="en-US" sz="2000" dirty="0" err="1">
+                <a:sym typeface="Arial"/>
+              </a:rPr>
+              <a:t>anndan</a:t>
+            </a:r>
+            <a:r>
+              <a:rPr lang="en-US" sz="2000" dirty="0">
+                <a:sym typeface="Arial"/>
+              </a:rPr>
+              <a:t> HTML an </a:t>
+            </a:r>
+            <a:r>
+              <a:rPr lang="en-US" sz="2000" dirty="0" err="1">
+                <a:sym typeface="Arial"/>
+              </a:rPr>
+              <a:t>itilizan</a:t>
+            </a:r>
+            <a:r>
+              <a:rPr lang="en-US" sz="2000" dirty="0">
+                <a:sym typeface="Arial"/>
+              </a:rPr>
+              <a:t> </a:t>
+            </a:r>
+            <a:r>
+              <a:rPr lang="en-US" sz="2000" b="1" dirty="0">
+                <a:sym typeface="Arial"/>
+              </a:rPr>
+              <a:t>class</a:t>
+            </a:r>
+            <a:r>
+              <a:rPr lang="en-US" sz="2000" dirty="0">
+                <a:sym typeface="Arial"/>
+              </a:rPr>
+              <a:t> </a:t>
+            </a:r>
+            <a:r>
+              <a:rPr lang="en-US" sz="2000" dirty="0" err="1">
+                <a:sym typeface="Arial"/>
+              </a:rPr>
+              <a:t>oswa</a:t>
+            </a:r>
+            <a:r>
+              <a:rPr lang="en-US" sz="2000" dirty="0">
+                <a:sym typeface="Arial"/>
+              </a:rPr>
+              <a:t> </a:t>
+            </a:r>
+            <a:r>
+              <a:rPr lang="en-US" sz="2000" b="1" dirty="0">
+                <a:sym typeface="Arial"/>
+              </a:rPr>
+              <a:t>ID</a:t>
             </a:r>
             <a:r>
               <a:rPr b="1" dirty="0"/>
-              <a:t>selectors</a:t>
-            </a:r>
-            <a:r>
-              <a:rPr dirty="0"/>
-              <a:t> added into HTML using </a:t>
-            </a:r>
-            <a:r>
-              <a:rPr b="1" dirty="0"/>
-              <a:t>classes</a:t>
-            </a:r>
-            <a:r>
-              <a:rPr dirty="0"/>
-              <a:t> and </a:t>
-            </a:r>
-            <a:r>
-              <a:rPr b="1" dirty="0"/>
-              <a:t>identifiers.</a:t>
+              <a:t>.</a:t>
             </a:r>
             <a:endParaRPr sz="2400" dirty="0"/>
           </a:p>
@@ -4612,16 +4720,88 @@
               </a:defRPr>
             </a:pPr>
             <a:r>
+              <a:rPr lang="en-US" dirty="0" err="1"/>
+              <a:t>Lè’w</a:t>
+            </a:r>
+            <a:r>
+              <a:rPr lang="en-US" dirty="0"/>
+              <a:t> </a:t>
+            </a:r>
+            <a:r>
+              <a:rPr lang="en-US" dirty="0" err="1"/>
+              <a:t>finn</a:t>
+            </a:r>
+            <a:r>
+              <a:rPr lang="en-US" dirty="0"/>
+              <a:t> </a:t>
+            </a:r>
+            <a:r>
+              <a:rPr lang="en-US" dirty="0" err="1"/>
+              <a:t>akwoche</a:t>
+            </a:r>
+            <a:r>
+              <a:rPr lang="en-US" dirty="0"/>
+              <a:t> selector </a:t>
+            </a:r>
+            <a:r>
+              <a:rPr lang="en-US" dirty="0" err="1"/>
+              <a:t>yo</a:t>
+            </a:r>
+            <a:r>
               <a:rPr dirty="0"/>
-              <a:t>Once hooked, we apply </a:t>
-            </a:r>
-            <a:r>
-              <a:rPr b="1" dirty="0"/>
-              <a:t>styles </a:t>
+              <a:t>, </a:t>
+            </a:r>
+            <a:r>
+              <a:rPr lang="en-US" dirty="0" err="1"/>
+              <a:t>nou</a:t>
+            </a:r>
+            <a:r>
+              <a:rPr lang="en-US" dirty="0"/>
+              <a:t> </a:t>
+            </a:r>
+            <a:r>
+              <a:rPr lang="en-US" dirty="0" err="1"/>
+              <a:t>aplike</a:t>
+            </a:r>
+            <a:r>
+              <a:rPr lang="en-US" dirty="0"/>
+              <a:t> </a:t>
+            </a:r>
+            <a:r>
+              <a:rPr lang="en-US" b="1" dirty="0"/>
+              <a:t>style</a:t>
+            </a:r>
+            <a:r>
+              <a:rPr lang="en-US" dirty="0"/>
+              <a:t> nan </a:t>
+            </a:r>
+            <a:r>
+              <a:rPr lang="en-US" dirty="0" err="1"/>
+              <a:t>eleman</a:t>
+            </a:r>
+            <a:r>
+              <a:rPr lang="en-US" dirty="0"/>
+              <a:t> HTML </a:t>
+            </a:r>
+            <a:r>
+              <a:rPr lang="en-US" dirty="0" err="1"/>
+              <a:t>yo</a:t>
+            </a:r>
+            <a:r>
+              <a:rPr lang="en-US" dirty="0"/>
+              <a:t> an </a:t>
+            </a:r>
+            <a:r>
+              <a:rPr lang="en-US" dirty="0" err="1"/>
+              <a:t>itilizan</a:t>
+            </a:r>
+            <a:r>
+              <a:rPr lang="en-US" dirty="0"/>
+              <a:t> </a:t>
             </a:r>
             <a:r>
               <a:rPr dirty="0"/>
-              <a:t>to those HTML elements using CSS.</a:t>
+              <a:t>CSS.</a:t>
             </a:r>
             <a:endParaRPr sz="2400" dirty="0"/>
           </a:p>
@@ -4676,7 +4856,7 @@
         </p:blipFill>
         <p:spPr>
           <a:xfrm>
-            <a:off x="361281" y="2629936"/>
+            <a:off x="329052" y="2871475"/>
             <a:ext cx="8409696" cy="2883327"/>
           </a:xfrm>
           <a:prstGeom prst="rect">
@@ -4689,6 +4869,705 @@
           </a:ln>
         </p:spPr>
       </p:pic>
+    </p:spTree>
+  </p:cSld>
+  <p:clrMapOvr>
+    <a:masterClrMapping/>
+  </p:clrMapOvr>
+  <mc:AlternateContent xmlns:mc="http://schemas.openxmlformats.org/markup-compatibility/2006" xmlns:p14="http://schemas.microsoft.com/office/powerpoint/2010/main">
+    <mc:Choice Requires="p14">
+      <p:transition spd="slow">
+        <p:dissolve/>
+      </p:transition>
+    </mc:Choice>
+    <mc:Fallback xmlns="">
+      <p:transition spd="med">
+        <p:fade/>
+      </p:transition>
+    </mc:Fallback>
+  </mc:AlternateContent>
+</p:sld>
+</file>
+
+<file path=ppt/slides/slide21.xml><?xml version="1.0" encoding="utf-8"?>
+<p:sld xmlns:a="http://schemas.openxmlformats.org/drawingml/2006/main" xmlns:r="http://schemas.openxmlformats.org/officeDocument/2006/relationships" xmlns:p="http://schemas.openxmlformats.org/presentationml/2006/main">
+  <p:cSld>
+    <p:spTree>
+      <p:nvGrpSpPr>
+        <p:cNvPr id="1" name=""/>
+        <p:cNvGrpSpPr/>
+        <p:nvPr/>
+      </p:nvGrpSpPr>
+      <p:grpSpPr>
+        <a:xfrm>
+          <a:off x="0" y="0"/>
+          <a:ext cx="0" cy="0"/>
+          <a:chOff x="0" y="0"/>
+          <a:chExt cx="0" cy="0"/>
+        </a:xfrm>
+      </p:grpSpPr>
+      <p:sp>
+        <p:nvSpPr>
+          <p:cNvPr id="617" name="Shape 617"/>
+          <p:cNvSpPr>
+            <a:spLocks noGrp="1"/>
+          </p:cNvSpPr>
+          <p:nvPr>
+            <p:ph type="title"/>
+          </p:nvPr>
+        </p:nvSpPr>
+        <p:spPr>
+          <a:xfrm>
+            <a:off x="304798" y="-2"/>
+            <a:ext cx="5470530" cy="653858"/>
+          </a:xfrm>
+          <a:prstGeom prst="rect">
+            <a:avLst/>
+          </a:prstGeom>
+        </p:spPr>
+        <p:txBody>
+          <a:bodyPr/>
+          <a:lstStyle/>
+          <a:p>
+            <a:r>
+              <a:rPr lang="en-US" dirty="0" err="1"/>
+              <a:t>Kle</a:t>
+            </a:r>
+            <a:r>
+              <a:rPr lang="en-US" dirty="0"/>
+              <a:t> </a:t>
+            </a:r>
+            <a:r>
+              <a:rPr lang="en-US" dirty="0" err="1"/>
+              <a:t>kèk</a:t>
+            </a:r>
+            <a:r>
+              <a:rPr dirty="0"/>
+              <a:t> CSS </a:t>
+            </a:r>
+            <a:r>
+              <a:rPr lang="en-US" dirty="0" err="1"/>
+              <a:t>Atribi</a:t>
+            </a:r>
+            <a:endParaRPr dirty="0"/>
+          </a:p>
+        </p:txBody>
+      </p:sp>
+      <p:sp>
+        <p:nvSpPr>
+          <p:cNvPr id="618" name="Shape 618"/>
+          <p:cNvSpPr/>
+          <p:nvPr/>
+        </p:nvSpPr>
+        <p:spPr>
+          <a:xfrm>
+            <a:off x="457200" y="783751"/>
+            <a:ext cx="8153400" cy="4502092"/>
+          </a:xfrm>
+          <a:prstGeom prst="rect">
+            <a:avLst/>
+          </a:prstGeom>
+          <a:ln w="12700">
+            <a:miter lim="400000"/>
+          </a:ln>
+          <a:extLst>
+            <a:ext uri="{C572A759-6A51-4108-AA02-DFA0A04FC94B}">
+              <ma14:wrappingTextBoxFlag xmlns:ma14="http://schemas.microsoft.com/office/mac/drawingml/2011/main" xmlns="" val="1"/>
+            </a:ext>
+          </a:extLst>
+        </p:spPr>
+        <p:txBody>
+          <a:bodyPr lIns="45718" tIns="45718" rIns="45718" bIns="45718">
+            <a:normAutofit/>
+          </a:bodyPr>
+          <a:lstStyle/>
+          <a:p>
+            <a:pPr defTabSz="589787">
+              <a:lnSpc>
+                <a:spcPct val="80000"/>
+              </a:lnSpc>
+              <a:spcBef>
+                <a:spcPts val="300"/>
+              </a:spcBef>
+              <a:defRPr sz="1500" b="1" u="sng">
+                <a:latin typeface="Arial"/>
+                <a:ea typeface="Arial"/>
+                <a:cs typeface="Arial"/>
+                <a:sym typeface="Arial"/>
+              </a:defRPr>
+            </a:pPr>
+            <a:r>
+              <a:rPr dirty="0"/>
+              <a:t>Font / Color:</a:t>
+            </a:r>
+            <a:endParaRPr sz="1700" dirty="0"/>
+          </a:p>
+          <a:p>
+            <a:pPr marL="221170" indent="-221170" defTabSz="589787">
+              <a:lnSpc>
+                <a:spcPct val="80000"/>
+              </a:lnSpc>
+              <a:spcBef>
+                <a:spcPts val="300"/>
+              </a:spcBef>
+              <a:buSzPct val="100000"/>
+              <a:buFont typeface="Arial"/>
+              <a:buChar char="•"/>
+              <a:defRPr sz="1500" b="1">
+                <a:latin typeface="Arial"/>
+                <a:ea typeface="Arial"/>
+                <a:cs typeface="Arial"/>
+                <a:sym typeface="Arial"/>
+              </a:defRPr>
+            </a:pPr>
+            <a:r>
+              <a:rPr dirty="0"/>
+              <a:t>color</a:t>
+            </a:r>
+            <a:r>
+              <a:rPr b="0" dirty="0"/>
+              <a:t>: </a:t>
+            </a:r>
+            <a:r>
+              <a:rPr lang="en-US" dirty="0"/>
+              <a:t>C</a:t>
+            </a:r>
+            <a:r>
+              <a:rPr lang="en-US" b="0" dirty="0"/>
+              <a:t>hange </a:t>
+            </a:r>
+            <a:r>
+              <a:rPr lang="en-US" b="0" dirty="0" err="1"/>
+              <a:t>koulè</a:t>
+            </a:r>
+            <a:r>
+              <a:rPr lang="en-US" b="0" dirty="0"/>
+              <a:t> yon text </a:t>
+            </a:r>
+          </a:p>
+          <a:p>
+            <a:pPr marL="221170" indent="-221170" defTabSz="589787">
+              <a:lnSpc>
+                <a:spcPct val="80000"/>
+              </a:lnSpc>
+              <a:spcBef>
+                <a:spcPts val="300"/>
+              </a:spcBef>
+              <a:buSzPct val="100000"/>
+              <a:buFont typeface="Arial"/>
+              <a:buChar char="•"/>
+              <a:defRPr sz="1500" b="1">
+                <a:latin typeface="Arial"/>
+                <a:ea typeface="Arial"/>
+                <a:cs typeface="Arial"/>
+                <a:sym typeface="Arial"/>
+              </a:defRPr>
+            </a:pPr>
+            <a:r>
+              <a:rPr dirty="0"/>
+              <a:t>font-size</a:t>
+            </a:r>
+            <a:r>
+              <a:rPr b="0" dirty="0"/>
+              <a:t>: </a:t>
+            </a:r>
+            <a:r>
+              <a:rPr lang="en-US" b="0" dirty="0" err="1"/>
+              <a:t>Chanje</a:t>
+            </a:r>
+            <a:r>
+              <a:rPr lang="en-US" b="0" dirty="0"/>
+              <a:t> </a:t>
+            </a:r>
+            <a:r>
+              <a:rPr lang="en-US" b="0" dirty="0" err="1"/>
+              <a:t>gwosè</a:t>
+            </a:r>
+            <a:r>
+              <a:rPr lang="en-US" b="0" dirty="0"/>
+              <a:t> text </a:t>
+            </a:r>
+            <a:r>
+              <a:rPr lang="en-US" b="0" dirty="0" err="1"/>
+              <a:t>lan</a:t>
+            </a:r>
+            <a:r>
+              <a:rPr b="0" dirty="0"/>
+              <a:t>.</a:t>
+            </a:r>
+            <a:endParaRPr sz="1700" dirty="0"/>
+          </a:p>
+          <a:p>
+            <a:pPr marL="221170" indent="-221170" defTabSz="589787">
+              <a:lnSpc>
+                <a:spcPct val="80000"/>
+              </a:lnSpc>
+              <a:spcBef>
+                <a:spcPts val="300"/>
+              </a:spcBef>
+              <a:buSzPct val="100000"/>
+              <a:buFont typeface="Arial"/>
+              <a:buChar char="•"/>
+              <a:defRPr sz="1500" b="1">
+                <a:latin typeface="Arial"/>
+                <a:ea typeface="Arial"/>
+                <a:cs typeface="Arial"/>
+                <a:sym typeface="Arial"/>
+              </a:defRPr>
+            </a:pPr>
+            <a:r>
+              <a:rPr dirty="0"/>
+              <a:t>font-style</a:t>
+            </a:r>
+            <a:r>
+              <a:rPr b="0" dirty="0"/>
+              <a:t>: </a:t>
+            </a:r>
+            <a:r>
+              <a:rPr lang="en-US" b="0" dirty="0" err="1"/>
+              <a:t>Fèl</a:t>
+            </a:r>
+            <a:r>
+              <a:rPr lang="en-US" b="0" dirty="0"/>
+              <a:t> </a:t>
+            </a:r>
+            <a:r>
+              <a:rPr lang="en-US" b="0" dirty="0" err="1"/>
+              <a:t>italik</a:t>
+            </a:r>
+            <a:r>
+              <a:rPr b="0" dirty="0"/>
+              <a:t>.</a:t>
+            </a:r>
+            <a:endParaRPr sz="1700" dirty="0"/>
+          </a:p>
+          <a:p>
+            <a:pPr marL="221170" indent="-221170" defTabSz="589787">
+              <a:lnSpc>
+                <a:spcPct val="80000"/>
+              </a:lnSpc>
+              <a:spcBef>
+                <a:spcPts val="300"/>
+              </a:spcBef>
+              <a:buSzPct val="100000"/>
+              <a:buFont typeface="Arial"/>
+              <a:buChar char="•"/>
+              <a:defRPr sz="1500" b="1">
+                <a:latin typeface="Arial"/>
+                <a:ea typeface="Arial"/>
+                <a:cs typeface="Arial"/>
+                <a:sym typeface="Arial"/>
+              </a:defRPr>
+            </a:pPr>
+            <a:r>
+              <a:rPr dirty="0"/>
+              <a:t>font-weight</a:t>
+            </a:r>
+            <a:r>
+              <a:rPr b="0" dirty="0"/>
+              <a:t>: </a:t>
+            </a:r>
+            <a:r>
+              <a:rPr lang="en-US" b="0" dirty="0" err="1"/>
+              <a:t>Fèl</a:t>
+            </a:r>
+            <a:r>
+              <a:rPr lang="en-US" b="0" dirty="0"/>
+              <a:t> </a:t>
+            </a:r>
+            <a:r>
+              <a:rPr lang="en-US" b="0" dirty="0" err="1"/>
+              <a:t>fonse</a:t>
+            </a:r>
+            <a:endParaRPr sz="1700" dirty="0"/>
+          </a:p>
+          <a:p>
+            <a:pPr defTabSz="589787">
+              <a:lnSpc>
+                <a:spcPct val="80000"/>
+              </a:lnSpc>
+              <a:spcBef>
+                <a:spcPts val="400"/>
+              </a:spcBef>
+              <a:defRPr b="1">
+                <a:latin typeface="Arial"/>
+                <a:ea typeface="Arial"/>
+                <a:cs typeface="Arial"/>
+                <a:sym typeface="Arial"/>
+              </a:defRPr>
+            </a:pPr>
+            <a:endParaRPr sz="1700" dirty="0"/>
+          </a:p>
+          <a:p>
+            <a:pPr defTabSz="589787">
+              <a:lnSpc>
+                <a:spcPct val="80000"/>
+              </a:lnSpc>
+              <a:spcBef>
+                <a:spcPts val="300"/>
+              </a:spcBef>
+              <a:defRPr sz="1500" b="1" u="sng">
+                <a:latin typeface="Arial"/>
+                <a:ea typeface="Arial"/>
+                <a:cs typeface="Arial"/>
+                <a:sym typeface="Arial"/>
+              </a:defRPr>
+            </a:pPr>
+            <a:r>
+              <a:rPr lang="en-US" sz="1500" b="1" u="sng" dirty="0" err="1">
+                <a:sym typeface="Arial"/>
+              </a:rPr>
+              <a:t>aliyman</a:t>
+            </a:r>
+            <a:r>
+              <a:rPr dirty="0"/>
+              <a:t> / </a:t>
+            </a:r>
+            <a:r>
+              <a:rPr lang="en-US" dirty="0" err="1"/>
+              <a:t>Espas</a:t>
+            </a:r>
+            <a:r>
+              <a:rPr dirty="0"/>
+              <a:t>:</a:t>
+            </a:r>
+            <a:endParaRPr sz="1700" dirty="0"/>
+          </a:p>
+          <a:p>
+            <a:pPr marL="221170" indent="-221170" defTabSz="589787">
+              <a:lnSpc>
+                <a:spcPct val="80000"/>
+              </a:lnSpc>
+              <a:spcBef>
+                <a:spcPts val="300"/>
+              </a:spcBef>
+              <a:buSzPct val="100000"/>
+              <a:buFont typeface="Arial"/>
+              <a:buChar char="•"/>
+              <a:defRPr sz="1500" b="1">
+                <a:latin typeface="Arial"/>
+                <a:ea typeface="Arial"/>
+                <a:cs typeface="Arial"/>
+                <a:sym typeface="Arial"/>
+              </a:defRPr>
+            </a:pPr>
+            <a:r>
+              <a:rPr dirty="0"/>
+              <a:t>padding (top/right/bottom/left): </a:t>
+            </a:r>
+            <a:r>
+              <a:rPr lang="en-US" b="0" dirty="0" err="1"/>
+              <a:t>Ajoute</a:t>
+            </a:r>
+            <a:r>
+              <a:rPr lang="en-US" b="0" dirty="0"/>
+              <a:t> </a:t>
+            </a:r>
+            <a:r>
+              <a:rPr lang="en-US" b="0" dirty="0" err="1"/>
+              <a:t>espas</a:t>
+            </a:r>
+            <a:r>
+              <a:rPr lang="en-US" b="0" dirty="0"/>
+              <a:t> </a:t>
+            </a:r>
+            <a:r>
+              <a:rPr lang="en-US" b="0" dirty="0" err="1"/>
+              <a:t>antre</a:t>
+            </a:r>
+            <a:r>
+              <a:rPr lang="en-US" b="0" dirty="0"/>
+              <a:t> </a:t>
+            </a:r>
+            <a:r>
+              <a:rPr lang="en-US" b="0" dirty="0" err="1"/>
+              <a:t>eleman</a:t>
+            </a:r>
+            <a:r>
+              <a:rPr lang="en-US" b="0" dirty="0"/>
+              <a:t> </a:t>
+            </a:r>
+            <a:r>
+              <a:rPr lang="en-US" b="0" dirty="0" err="1"/>
+              <a:t>yo</a:t>
+            </a:r>
+            <a:endParaRPr sz="1700" dirty="0"/>
+          </a:p>
+          <a:p>
+            <a:pPr marL="221170" indent="-221170" defTabSz="589787">
+              <a:lnSpc>
+                <a:spcPct val="80000"/>
+              </a:lnSpc>
+              <a:spcBef>
+                <a:spcPts val="400"/>
+              </a:spcBef>
+              <a:buSzPct val="100000"/>
+              <a:buFont typeface="Arial"/>
+              <a:buChar char="•"/>
+              <a:defRPr b="1">
+                <a:latin typeface="Arial"/>
+                <a:ea typeface="Arial"/>
+                <a:cs typeface="Arial"/>
+                <a:sym typeface="Arial"/>
+              </a:defRPr>
+            </a:pPr>
+            <a:endParaRPr sz="1700" dirty="0"/>
+          </a:p>
+          <a:p>
+            <a:pPr marL="221170" indent="-221170" defTabSz="589787">
+              <a:lnSpc>
+                <a:spcPct val="80000"/>
+              </a:lnSpc>
+              <a:spcBef>
+                <a:spcPts val="300"/>
+              </a:spcBef>
+              <a:buSzPct val="100000"/>
+              <a:buFont typeface="Arial"/>
+              <a:buChar char="•"/>
+              <a:defRPr sz="1500" b="1">
+                <a:latin typeface="Arial"/>
+                <a:ea typeface="Arial"/>
+                <a:cs typeface="Arial"/>
+                <a:sym typeface="Arial"/>
+              </a:defRPr>
+            </a:pPr>
+            <a:r>
+              <a:rPr dirty="0"/>
+              <a:t>margin (top/right/bottom/left): </a:t>
+            </a:r>
+            <a:r>
+              <a:rPr lang="en-US" b="0" dirty="0" err="1"/>
+              <a:t>Ajoute</a:t>
+            </a:r>
+            <a:r>
+              <a:rPr lang="en-US" b="0" dirty="0"/>
+              <a:t> </a:t>
+            </a:r>
+            <a:r>
+              <a:rPr lang="en-US" b="0" dirty="0" err="1"/>
+              <a:t>espas</a:t>
+            </a:r>
+            <a:r>
+              <a:rPr lang="en-US" b="0" dirty="0"/>
+              <a:t> </a:t>
+            </a:r>
+            <a:r>
+              <a:rPr lang="en-US" b="0" dirty="0" err="1"/>
+              <a:t>antre</a:t>
+            </a:r>
+            <a:r>
+              <a:rPr lang="en-US" b="0" dirty="0"/>
+              <a:t> </a:t>
+            </a:r>
+            <a:r>
+              <a:rPr lang="en-US" b="0" dirty="0" err="1"/>
+              <a:t>eleman</a:t>
+            </a:r>
+            <a:r>
+              <a:rPr lang="en-US" b="0" dirty="0"/>
+              <a:t> </a:t>
+            </a:r>
+            <a:r>
+              <a:rPr lang="en-US" b="0" dirty="0" err="1"/>
+              <a:t>yo</a:t>
+            </a:r>
+            <a:r>
+              <a:rPr lang="en-US" b="0" dirty="0"/>
+              <a:t> </a:t>
+            </a:r>
+            <a:r>
+              <a:rPr lang="en-US" b="0" dirty="0" err="1"/>
+              <a:t>avek</a:t>
+            </a:r>
+            <a:r>
+              <a:rPr lang="en-US" b="0" dirty="0"/>
+              <a:t> tout </a:t>
+            </a:r>
+            <a:r>
+              <a:rPr lang="en-US" b="0" dirty="0" err="1"/>
+              <a:t>sa</a:t>
+            </a:r>
+            <a:r>
+              <a:rPr lang="en-US" b="0" dirty="0"/>
+              <a:t> </a:t>
+            </a:r>
+            <a:r>
+              <a:rPr lang="en-US" b="0" dirty="0" err="1"/>
+              <a:t>ki</a:t>
+            </a:r>
+            <a:r>
+              <a:rPr lang="en-US" b="0" dirty="0"/>
+              <a:t> </a:t>
+            </a:r>
+            <a:r>
+              <a:rPr lang="en-US" b="0" dirty="0" err="1"/>
+              <a:t>antoure</a:t>
+            </a:r>
+            <a:r>
+              <a:rPr lang="en-US" b="0" dirty="0"/>
+              <a:t> </a:t>
+            </a:r>
+            <a:r>
+              <a:rPr lang="en-US" b="0" dirty="0" err="1"/>
+              <a:t>yo</a:t>
+            </a:r>
+            <a:r>
+              <a:rPr lang="en-US" b="0" dirty="0"/>
+              <a:t>.</a:t>
+            </a:r>
+          </a:p>
+          <a:p>
+            <a:pPr defTabSz="589787">
+              <a:lnSpc>
+                <a:spcPct val="80000"/>
+              </a:lnSpc>
+              <a:spcBef>
+                <a:spcPts val="400"/>
+              </a:spcBef>
+              <a:defRPr b="1">
+                <a:latin typeface="Arial"/>
+                <a:ea typeface="Arial"/>
+                <a:cs typeface="Arial"/>
+                <a:sym typeface="Arial"/>
+              </a:defRPr>
+            </a:pPr>
+            <a:endParaRPr sz="1700" dirty="0"/>
+          </a:p>
+          <a:p>
+            <a:pPr defTabSz="589787">
+              <a:lnSpc>
+                <a:spcPct val="80000"/>
+              </a:lnSpc>
+              <a:spcBef>
+                <a:spcPts val="300"/>
+              </a:spcBef>
+              <a:defRPr sz="1500" b="1" u="sng">
+                <a:latin typeface="Arial"/>
+                <a:ea typeface="Arial"/>
+                <a:cs typeface="Arial"/>
+                <a:sym typeface="Arial"/>
+              </a:defRPr>
+            </a:pPr>
+            <a:r>
+              <a:rPr dirty="0"/>
+              <a:t>Background: </a:t>
+            </a:r>
+            <a:endParaRPr sz="1700" dirty="0"/>
+          </a:p>
+          <a:p>
+            <a:pPr marL="221170" indent="-221170" defTabSz="589787">
+              <a:lnSpc>
+                <a:spcPct val="80000"/>
+              </a:lnSpc>
+              <a:spcBef>
+                <a:spcPts val="300"/>
+              </a:spcBef>
+              <a:buSzPct val="100000"/>
+              <a:buFont typeface="Arial"/>
+              <a:buChar char="•"/>
+              <a:defRPr sz="1500" b="1">
+                <a:latin typeface="Arial"/>
+                <a:ea typeface="Arial"/>
+                <a:cs typeface="Arial"/>
+                <a:sym typeface="Arial"/>
+              </a:defRPr>
+            </a:pPr>
+            <a:r>
+              <a:rPr dirty="0"/>
+              <a:t>background-color: </a:t>
+            </a:r>
+            <a:r>
+              <a:rPr lang="en-US" b="0" dirty="0" err="1"/>
+              <a:t>Chanje</a:t>
+            </a:r>
+            <a:r>
+              <a:rPr lang="en-US" b="0" dirty="0"/>
+              <a:t> </a:t>
+            </a:r>
+            <a:r>
+              <a:rPr lang="en-US" b="0" dirty="0" err="1"/>
+              <a:t>koulè</a:t>
+            </a:r>
+            <a:r>
+              <a:rPr lang="en-US" b="0" dirty="0"/>
+              <a:t> background </a:t>
+            </a:r>
+            <a:r>
+              <a:rPr lang="en-US" b="0" dirty="0" err="1"/>
+              <a:t>lan</a:t>
+            </a:r>
+            <a:r>
+              <a:rPr lang="en-US" b="0" dirty="0"/>
+              <a:t>.</a:t>
+            </a:r>
+          </a:p>
+          <a:p>
+            <a:pPr marL="221170" indent="-221170" defTabSz="589787">
+              <a:lnSpc>
+                <a:spcPct val="80000"/>
+              </a:lnSpc>
+              <a:spcBef>
+                <a:spcPts val="300"/>
+              </a:spcBef>
+              <a:buSzPct val="100000"/>
+              <a:buFont typeface="Arial"/>
+              <a:buChar char="•"/>
+              <a:defRPr sz="1500" b="1">
+                <a:latin typeface="Arial"/>
+                <a:ea typeface="Arial"/>
+                <a:cs typeface="Arial"/>
+                <a:sym typeface="Arial"/>
+              </a:defRPr>
+            </a:pPr>
+            <a:r>
+              <a:rPr dirty="0"/>
+              <a:t>background-image: </a:t>
+            </a:r>
+            <a:r>
+              <a:rPr lang="en-US" b="0" dirty="0" err="1"/>
+              <a:t>Chanje</a:t>
+            </a:r>
+            <a:r>
+              <a:rPr lang="en-US" b="0" dirty="0"/>
+              <a:t> </a:t>
+            </a:r>
+            <a:r>
+              <a:rPr lang="en-US" b="0" dirty="0" err="1"/>
+              <a:t>imaj</a:t>
+            </a:r>
+            <a:r>
+              <a:rPr lang="en-US" b="0" dirty="0"/>
+              <a:t> background </a:t>
+            </a:r>
+            <a:r>
+              <a:rPr lang="en-US" b="0" dirty="0" err="1"/>
+              <a:t>lan</a:t>
+            </a:r>
+            <a:r>
+              <a:rPr lang="en-US" b="0" dirty="0"/>
+              <a:t>.</a:t>
+            </a:r>
+            <a:endParaRPr sz="1700" dirty="0"/>
+          </a:p>
+          <a:p>
+            <a:pPr defTabSz="589787">
+              <a:lnSpc>
+                <a:spcPct val="80000"/>
+              </a:lnSpc>
+              <a:spcBef>
+                <a:spcPts val="400"/>
+              </a:spcBef>
+              <a:defRPr b="1" u="sng">
+                <a:latin typeface="Arial"/>
+                <a:ea typeface="Arial"/>
+                <a:cs typeface="Arial"/>
+                <a:sym typeface="Arial"/>
+              </a:defRPr>
+            </a:pPr>
+            <a:endParaRPr sz="1700" dirty="0"/>
+          </a:p>
+        </p:txBody>
+      </p:sp>
     </p:spTree>
   </p:cSld>
   <p:clrMapOvr>
@@ -4728,7 +5607,7 @@
       </p:grpSpPr>
       <p:sp>
         <p:nvSpPr>
-          <p:cNvPr id="614" name="Shape 614"/>
+          <p:cNvPr id="620" name="Shape 620"/>
           <p:cNvSpPr>
             <a:spLocks noGrp="1"/>
           </p:cNvSpPr>
@@ -4750,21 +5629,27 @@
           <a:lstStyle/>
           <a:p>
             <a:r>
-              <a:t>CSS Example</a:t>
-            </a:r>
+              <a:rPr lang="en-US" dirty="0" err="1"/>
+              <a:t>Pwisans</a:t>
+            </a:r>
+            <a:r>
+              <a:rPr lang="en-US" dirty="0"/>
+              <a:t> HTML5/CSS3</a:t>
+            </a:r>
+            <a:endParaRPr dirty="0"/>
           </a:p>
         </p:txBody>
       </p:sp>
       <p:sp>
         <p:nvSpPr>
-          <p:cNvPr id="615" name="Shape 615"/>
+          <p:cNvPr id="621" name="Shape 621"/>
           <p:cNvSpPr/>
           <p:nvPr/>
         </p:nvSpPr>
         <p:spPr>
           <a:xfrm>
-            <a:off x="457200" y="862014"/>
-            <a:ext cx="8153400" cy="4257208"/>
+            <a:off x="443344" y="1981200"/>
+            <a:ext cx="8229601" cy="968805"/>
           </a:xfrm>
           <a:prstGeom prst="rect">
             <a:avLst/>
@@ -4784,17 +5669,11 @@
           </a:bodyPr>
           <a:lstStyle/>
           <a:p>
-            <a:pPr marL="221170" indent="-221170" defTabSz="589787">
-              <a:lnSpc>
-                <a:spcPct val="80000"/>
-              </a:lnSpc>
+            <a:pPr algn="ctr" defTabSz="685800">
               <a:spcBef>
-                <a:spcPts val="300"/>
+                <a:spcPts val="600"/>
               </a:spcBef>
-              <a:buSzPct val="100000"/>
-              <a:buFont typeface="Arial"/>
-              <a:buChar char="•"/>
-              <a:defRPr sz="1200">
+              <a:defRPr sz="2800">
                 <a:latin typeface="Arial"/>
                 <a:ea typeface="Arial"/>
                 <a:cs typeface="Arial"/>
@@ -4802,333 +5681,62 @@
               </a:defRPr>
             </a:pPr>
             <a:r>
-              <a:t>In the below example the “Header” would be turned blue and MUCH larger because of the CSS.</a:t>
-            </a:r>
-            <a:endParaRPr sz="1300"/>
-          </a:p>
-          <a:p>
-            <a:pPr marL="221170" indent="-221170" defTabSz="589787">
-              <a:lnSpc>
-                <a:spcPct val="80000"/>
-              </a:lnSpc>
-              <a:spcBef>
-                <a:spcPts val="300"/>
-              </a:spcBef>
-              <a:buSzPct val="100000"/>
-              <a:buFont typeface="Arial"/>
-              <a:buChar char="•"/>
-              <a:defRPr>
-                <a:latin typeface="Arial"/>
-                <a:ea typeface="Arial"/>
-                <a:cs typeface="Arial"/>
-                <a:sym typeface="Arial"/>
-              </a:defRPr>
-            </a:pPr>
-            <a:endParaRPr sz="1300"/>
-          </a:p>
-          <a:p>
-            <a:pPr marL="221170" indent="-221170" defTabSz="589787">
-              <a:lnSpc>
-                <a:spcPct val="80000"/>
-              </a:lnSpc>
-              <a:spcBef>
-                <a:spcPts val="300"/>
-              </a:spcBef>
-              <a:buSzPct val="100000"/>
-              <a:buFont typeface="Arial"/>
-              <a:buChar char="•"/>
-              <a:defRPr sz="1200">
-                <a:latin typeface="Arial"/>
-                <a:ea typeface="Arial"/>
-                <a:cs typeface="Arial"/>
-                <a:sym typeface="Arial"/>
-              </a:defRPr>
-            </a:pPr>
-            <a:r>
-              <a:t>We can incorporate an element’s class or ID to apply a CSS style to a particular part of the document. </a:t>
-            </a:r>
-            <a:endParaRPr sz="1300"/>
-          </a:p>
-          <a:p>
-            <a:pPr marL="479203" lvl="1" indent="-184309" defTabSz="589787">
-              <a:lnSpc>
-                <a:spcPct val="80000"/>
-              </a:lnSpc>
-              <a:spcBef>
-                <a:spcPts val="200"/>
-              </a:spcBef>
-              <a:buSzPct val="100000"/>
-              <a:buFont typeface="Arial"/>
-              <a:buChar char="–"/>
-              <a:defRPr sz="1200">
-                <a:latin typeface="Arial"/>
-                <a:ea typeface="Arial"/>
-                <a:cs typeface="Arial"/>
-                <a:sym typeface="Arial"/>
-              </a:defRPr>
-            </a:pPr>
-            <a:r>
-              <a:t>Just remember to include the necessary symbol before the CSS: “.” for class, “#” for ID.</a:t>
-            </a:r>
-          </a:p>
-          <a:p>
-            <a:pPr defTabSz="589787">
-              <a:lnSpc>
-                <a:spcPct val="80000"/>
-              </a:lnSpc>
-              <a:spcBef>
-                <a:spcPts val="300"/>
-              </a:spcBef>
-              <a:defRPr>
-                <a:latin typeface="Arial"/>
-                <a:ea typeface="Arial"/>
-                <a:cs typeface="Arial"/>
-                <a:sym typeface="Arial"/>
-              </a:defRPr>
-            </a:pPr>
-            <a:endParaRPr/>
-          </a:p>
-          <a:p>
-            <a:pPr defTabSz="589787">
-              <a:lnSpc>
-                <a:spcPct val="80000"/>
-              </a:lnSpc>
-              <a:spcBef>
-                <a:spcPts val="300"/>
-              </a:spcBef>
-              <a:defRPr b="1">
-                <a:latin typeface="Arial"/>
-                <a:ea typeface="Arial"/>
-                <a:cs typeface="Arial"/>
-                <a:sym typeface="Arial"/>
-              </a:defRPr>
-            </a:pPr>
-            <a:endParaRPr/>
-          </a:p>
-          <a:p>
-            <a:pPr defTabSz="589787">
-              <a:lnSpc>
-                <a:spcPct val="80000"/>
-              </a:lnSpc>
-              <a:spcBef>
-                <a:spcPts val="300"/>
-              </a:spcBef>
-              <a:defRPr sz="1200" b="1" u="sng">
-                <a:latin typeface="Arial"/>
-                <a:ea typeface="Arial"/>
-                <a:cs typeface="Arial"/>
-                <a:sym typeface="Arial"/>
-              </a:defRPr>
-            </a:pPr>
-            <a:r>
-              <a:t>Example (HTML): </a:t>
-            </a:r>
-            <a:endParaRPr sz="1300"/>
-          </a:p>
-          <a:p>
-            <a:pPr defTabSz="589787">
-              <a:lnSpc>
-                <a:spcPct val="80000"/>
-              </a:lnSpc>
-              <a:spcBef>
-                <a:spcPts val="300"/>
-              </a:spcBef>
-              <a:defRPr b="1" u="sng">
-                <a:latin typeface="Arial"/>
-                <a:ea typeface="Arial"/>
-                <a:cs typeface="Arial"/>
-                <a:sym typeface="Arial"/>
-              </a:defRPr>
-            </a:pPr>
-            <a:endParaRPr sz="1300"/>
-          </a:p>
-          <a:p>
-            <a:pPr lvl="1" indent="344043" defTabSz="589787">
-              <a:lnSpc>
-                <a:spcPct val="80000"/>
-              </a:lnSpc>
-              <a:spcBef>
-                <a:spcPts val="400"/>
-              </a:spcBef>
-              <a:defRPr b="1">
-                <a:latin typeface="Arial"/>
-                <a:ea typeface="Arial"/>
-                <a:cs typeface="Arial"/>
-                <a:sym typeface="Arial"/>
-              </a:defRPr>
-            </a:pPr>
-            <a:r>
-              <a:t>&lt;p </a:t>
-            </a:r>
-            <a:r>
-              <a:rPr>
-                <a:solidFill>
-                  <a:srgbClr val="00B0F0"/>
-                </a:solidFill>
-              </a:rPr>
-              <a:t>class=“bigBlue”</a:t>
-            </a:r>
-            <a:r>
-              <a:t>&gt;Header&lt;/p&gt;</a:t>
-            </a:r>
-            <a:endParaRPr sz="1200"/>
-          </a:p>
-          <a:p>
-            <a:pPr marL="221170" indent="-221170" defTabSz="589787">
-              <a:lnSpc>
-                <a:spcPct val="80000"/>
-              </a:lnSpc>
-              <a:spcBef>
-                <a:spcPts val="300"/>
-              </a:spcBef>
-              <a:buSzPct val="100000"/>
-              <a:buFont typeface="Arial"/>
-              <a:buChar char="•"/>
-              <a:defRPr b="1">
-                <a:latin typeface="Arial"/>
-                <a:ea typeface="Arial"/>
-                <a:cs typeface="Arial"/>
-                <a:sym typeface="Arial"/>
-              </a:defRPr>
-            </a:pPr>
-            <a:endParaRPr sz="1200"/>
-          </a:p>
-          <a:p>
-            <a:pPr defTabSz="589787">
-              <a:lnSpc>
-                <a:spcPct val="80000"/>
-              </a:lnSpc>
-              <a:spcBef>
-                <a:spcPts val="300"/>
-              </a:spcBef>
-              <a:defRPr sz="1200" b="1" u="sng">
-                <a:latin typeface="Arial"/>
-                <a:ea typeface="Arial"/>
-                <a:cs typeface="Arial"/>
-                <a:sym typeface="Arial"/>
-              </a:defRPr>
-            </a:pPr>
-            <a:r>
-              <a:t>Example (CSS):</a:t>
-            </a:r>
-            <a:endParaRPr sz="1300"/>
-          </a:p>
-          <a:p>
-            <a:pPr defTabSz="589787">
-              <a:lnSpc>
-                <a:spcPct val="80000"/>
-              </a:lnSpc>
-              <a:spcBef>
-                <a:spcPts val="300"/>
-              </a:spcBef>
-              <a:defRPr b="1" u="sng">
-                <a:latin typeface="Arial"/>
-                <a:ea typeface="Arial"/>
-                <a:cs typeface="Arial"/>
-                <a:sym typeface="Arial"/>
-              </a:defRPr>
-            </a:pPr>
-            <a:endParaRPr sz="1300"/>
-          </a:p>
-          <a:p>
-            <a:pPr lvl="1" indent="344043" defTabSz="589787">
-              <a:lnSpc>
-                <a:spcPct val="80000"/>
-              </a:lnSpc>
-              <a:spcBef>
-                <a:spcPts val="400"/>
-              </a:spcBef>
-              <a:defRPr b="1">
-                <a:latin typeface="Arial"/>
-                <a:ea typeface="Arial"/>
-                <a:cs typeface="Arial"/>
-                <a:sym typeface="Arial"/>
-              </a:defRPr>
-            </a:pPr>
-            <a:r>
-              <a:t>.bigBlue </a:t>
-            </a:r>
-            <a:endParaRPr sz="1200"/>
-          </a:p>
-          <a:p>
-            <a:pPr lvl="1" indent="344043" defTabSz="589787">
-              <a:lnSpc>
-                <a:spcPct val="80000"/>
-              </a:lnSpc>
-              <a:spcBef>
-                <a:spcPts val="400"/>
-              </a:spcBef>
-              <a:defRPr b="1">
-                <a:latin typeface="Arial"/>
-                <a:ea typeface="Arial"/>
-                <a:cs typeface="Arial"/>
-                <a:sym typeface="Arial"/>
-              </a:defRPr>
-            </a:pPr>
-            <a:r>
-              <a:t>{</a:t>
-            </a:r>
-            <a:endParaRPr sz="1200"/>
-          </a:p>
-          <a:p>
-            <a:pPr lvl="1" indent="344043" defTabSz="589787">
-              <a:lnSpc>
-                <a:spcPct val="80000"/>
-              </a:lnSpc>
-              <a:spcBef>
-                <a:spcPts val="400"/>
-              </a:spcBef>
-              <a:defRPr b="1">
-                <a:latin typeface="Arial"/>
-                <a:ea typeface="Arial"/>
-                <a:cs typeface="Arial"/>
-                <a:sym typeface="Arial"/>
-              </a:defRPr>
-            </a:pPr>
-            <a:r>
-              <a:t>	font-size: 100px;</a:t>
-            </a:r>
-            <a:endParaRPr sz="1200"/>
-          </a:p>
-          <a:p>
-            <a:pPr lvl="1" indent="344043" defTabSz="589787">
-              <a:lnSpc>
-                <a:spcPct val="80000"/>
-              </a:lnSpc>
-              <a:spcBef>
-                <a:spcPts val="400"/>
-              </a:spcBef>
-              <a:defRPr b="1">
-                <a:latin typeface="Arial"/>
-                <a:ea typeface="Arial"/>
-                <a:cs typeface="Arial"/>
-                <a:sym typeface="Arial"/>
-              </a:defRPr>
-            </a:pPr>
-            <a:r>
-              <a:t>	color: blue;</a:t>
-            </a:r>
-            <a:endParaRPr sz="1200"/>
-          </a:p>
-          <a:p>
-            <a:pPr lvl="1" indent="344043" defTabSz="589787">
-              <a:lnSpc>
-                <a:spcPct val="80000"/>
-              </a:lnSpc>
-              <a:spcBef>
-                <a:spcPts val="400"/>
-              </a:spcBef>
-              <a:defRPr b="1">
-                <a:latin typeface="Arial"/>
-                <a:ea typeface="Arial"/>
-                <a:cs typeface="Arial"/>
-                <a:sym typeface="Arial"/>
-              </a:defRPr>
-            </a:pPr>
-            <a:r>
-              <a:t>}</a:t>
-            </a:r>
-            <a:endParaRPr sz="1200"/>
+              <a:rPr lang="en-US" dirty="0" err="1"/>
+              <a:t>Kwèl</a:t>
+            </a:r>
+            <a:r>
+              <a:rPr lang="en-US" dirty="0"/>
+              <a:t> </a:t>
+            </a:r>
+            <a:r>
+              <a:rPr lang="en-US" dirty="0" err="1"/>
+              <a:t>ou</a:t>
+            </a:r>
+            <a:r>
+              <a:rPr lang="en-US" dirty="0"/>
+              <a:t> pa, </a:t>
+            </a:r>
+            <a:r>
+              <a:rPr lang="en-US" dirty="0" err="1"/>
+              <a:t>ou</a:t>
+            </a:r>
+            <a:r>
+              <a:rPr lang="en-US" dirty="0"/>
+              <a:t> </a:t>
+            </a:r>
+            <a:r>
+              <a:rPr lang="en-US" dirty="0" err="1"/>
+              <a:t>kapab</a:t>
+            </a:r>
+            <a:r>
+              <a:rPr lang="en-US" dirty="0"/>
+              <a:t> </a:t>
+            </a:r>
+            <a:r>
+              <a:rPr lang="en-US" dirty="0" err="1"/>
+              <a:t>bati</a:t>
+            </a:r>
+            <a:r>
+              <a:rPr lang="en-US" dirty="0"/>
+              <a:t> yon </a:t>
+            </a:r>
+            <a:r>
+              <a:rPr lang="en-US" dirty="0" err="1"/>
+              <a:t>bèl</a:t>
+            </a:r>
+            <a:r>
+              <a:rPr lang="en-US" dirty="0"/>
+              <a:t> sit </a:t>
+            </a:r>
+            <a:r>
+              <a:rPr lang="en-US" dirty="0" err="1"/>
+              <a:t>avèk</a:t>
+            </a:r>
+            <a:r>
+              <a:rPr lang="en-US" dirty="0"/>
+              <a:t> HTML5/CSS3</a:t>
+            </a:r>
+            <a:endParaRPr dirty="0"/>
           </a:p>
         </p:txBody>
       </p:sp>
@@ -5171,7 +5779,7 @@
       </p:grpSpPr>
       <p:sp>
         <p:nvSpPr>
-          <p:cNvPr id="617" name="Shape 617"/>
+          <p:cNvPr id="623" name="Shape 623"/>
           <p:cNvSpPr>
             <a:spLocks noGrp="1"/>
           </p:cNvSpPr>
@@ -5193,27 +5801,30 @@
           <a:lstStyle/>
           <a:p>
             <a:r>
-              <a:t>Key CSS Attributes</a:t>
+              <a:rPr dirty="0"/>
+              <a:t>DEMO</a:t>
             </a:r>
           </a:p>
         </p:txBody>
       </p:sp>
       <p:sp>
         <p:nvSpPr>
-          <p:cNvPr id="618" name="Shape 618"/>
+          <p:cNvPr id="624" name="Shape 624"/>
           <p:cNvSpPr/>
           <p:nvPr/>
         </p:nvSpPr>
         <p:spPr>
           <a:xfrm>
-            <a:off x="457200" y="783751"/>
-            <a:ext cx="8153400" cy="4502092"/>
+            <a:off x="304800" y="1447800"/>
+            <a:ext cx="8534400" cy="3429000"/>
           </a:xfrm>
           <a:prstGeom prst="rect">
             <a:avLst/>
           </a:prstGeom>
-          <a:ln w="12700">
-            <a:miter lim="400000"/>
+          <a:ln>
+            <a:solidFill>
+              <a:srgbClr val="5B9BD5"/>
+            </a:solidFill>
           </a:ln>
           <a:extLst>
             <a:ext uri="{C572A759-6A51-4108-AA02-DFA0A04FC94B}">
@@ -5222,19 +5833,13 @@
           </a:extLst>
         </p:spPr>
         <p:txBody>
-          <a:bodyPr lIns="45718" tIns="45718" rIns="45718" bIns="45718">
+          <a:bodyPr lIns="45718" tIns="45718" rIns="45718" bIns="45718" anchor="ctr">
             <a:normAutofit/>
           </a:bodyPr>
           <a:lstStyle/>
           <a:p>
-            <a:pPr defTabSz="589787">
-              <a:lnSpc>
-                <a:spcPct val="80000"/>
-              </a:lnSpc>
-              <a:spcBef>
-                <a:spcPts val="300"/>
-              </a:spcBef>
-              <a:defRPr sz="1500" b="1" u="sng">
+            <a:pPr algn="ctr" defTabSz="685800">
+              <a:defRPr sz="3600" b="1" i="1">
                 <a:latin typeface="Arial"/>
                 <a:ea typeface="Arial"/>
                 <a:cs typeface="Arial"/>
@@ -5242,403 +5847,19 @@
               </a:defRPr>
             </a:pPr>
             <a:r>
-              <a:t>Font / Color:</a:t>
-            </a:r>
-            <a:endParaRPr sz="1700"/>
-          </a:p>
-          <a:p>
-            <a:pPr marL="221170" indent="-221170" defTabSz="589787">
-              <a:lnSpc>
-                <a:spcPct val="80000"/>
-              </a:lnSpc>
-              <a:spcBef>
-                <a:spcPts val="300"/>
-              </a:spcBef>
-              <a:buSzPct val="100000"/>
-              <a:buFont typeface="Arial"/>
-              <a:buChar char="•"/>
-              <a:defRPr sz="1500" b="1">
-                <a:latin typeface="Arial"/>
-                <a:ea typeface="Arial"/>
-                <a:cs typeface="Arial"/>
-                <a:sym typeface="Arial"/>
-              </a:defRPr>
-            </a:pPr>
-            <a:r>
-              <a:t>color</a:t>
-            </a:r>
-            <a:r>
-              <a:rPr b="0"/>
-              <a:t>: Sets color of text.</a:t>
-            </a:r>
-            <a:endParaRPr sz="1700"/>
-          </a:p>
-          <a:p>
-            <a:pPr marL="221170" indent="-221170" defTabSz="589787">
-              <a:lnSpc>
-                <a:spcPct val="80000"/>
-              </a:lnSpc>
-              <a:spcBef>
-                <a:spcPts val="300"/>
-              </a:spcBef>
-              <a:buSzPct val="100000"/>
-              <a:buFont typeface="Arial"/>
-              <a:buChar char="•"/>
-              <a:defRPr sz="1500" b="1">
-                <a:latin typeface="Arial"/>
-                <a:ea typeface="Arial"/>
-                <a:cs typeface="Arial"/>
-                <a:sym typeface="Arial"/>
-              </a:defRPr>
-            </a:pPr>
-            <a:r>
-              <a:t>font-size</a:t>
-            </a:r>
-            <a:r>
-              <a:rPr b="0"/>
-              <a:t>: Sets size of the font.</a:t>
-            </a:r>
-            <a:endParaRPr sz="1700"/>
-          </a:p>
-          <a:p>
-            <a:pPr marL="221170" indent="-221170" defTabSz="589787">
-              <a:lnSpc>
-                <a:spcPct val="80000"/>
-              </a:lnSpc>
-              <a:spcBef>
-                <a:spcPts val="300"/>
-              </a:spcBef>
-              <a:buSzPct val="100000"/>
-              <a:buFont typeface="Arial"/>
-              <a:buChar char="•"/>
-              <a:defRPr sz="1500" b="1">
-                <a:latin typeface="Arial"/>
-                <a:ea typeface="Arial"/>
-                <a:cs typeface="Arial"/>
-                <a:sym typeface="Arial"/>
-              </a:defRPr>
-            </a:pPr>
-            <a:r>
-              <a:t>font-style</a:t>
-            </a:r>
-            <a:r>
-              <a:rPr b="0"/>
-              <a:t>: Sets italics.</a:t>
-            </a:r>
-            <a:endParaRPr sz="1700"/>
-          </a:p>
-          <a:p>
-            <a:pPr marL="221170" indent="-221170" defTabSz="589787">
-              <a:lnSpc>
-                <a:spcPct val="80000"/>
-              </a:lnSpc>
-              <a:spcBef>
-                <a:spcPts val="300"/>
-              </a:spcBef>
-              <a:buSzPct val="100000"/>
-              <a:buFont typeface="Arial"/>
-              <a:buChar char="•"/>
-              <a:defRPr sz="1500" b="1">
-                <a:latin typeface="Arial"/>
-                <a:ea typeface="Arial"/>
-                <a:cs typeface="Arial"/>
-                <a:sym typeface="Arial"/>
-              </a:defRPr>
-            </a:pPr>
-            <a:r>
-              <a:t>font-weight</a:t>
-            </a:r>
-            <a:r>
-              <a:rPr b="0"/>
-              <a:t>: Sets bold.</a:t>
-            </a:r>
-            <a:endParaRPr sz="1700"/>
-          </a:p>
-          <a:p>
-            <a:pPr defTabSz="589787">
-              <a:lnSpc>
-                <a:spcPct val="80000"/>
-              </a:lnSpc>
-              <a:spcBef>
-                <a:spcPts val="400"/>
-              </a:spcBef>
-              <a:defRPr b="1">
-                <a:latin typeface="Arial"/>
-                <a:ea typeface="Arial"/>
-                <a:cs typeface="Arial"/>
-                <a:sym typeface="Arial"/>
-              </a:defRPr>
-            </a:pPr>
-            <a:endParaRPr sz="1700"/>
-          </a:p>
-          <a:p>
-            <a:pPr defTabSz="589787">
-              <a:lnSpc>
-                <a:spcPct val="80000"/>
-              </a:lnSpc>
-              <a:spcBef>
-                <a:spcPts val="300"/>
-              </a:spcBef>
-              <a:defRPr sz="1500" b="1" u="sng">
-                <a:latin typeface="Arial"/>
-                <a:ea typeface="Arial"/>
-                <a:cs typeface="Arial"/>
-                <a:sym typeface="Arial"/>
-              </a:defRPr>
-            </a:pPr>
-            <a:r>
-              <a:t>Alignment / Spacing:</a:t>
-            </a:r>
-            <a:endParaRPr sz="1700"/>
-          </a:p>
-          <a:p>
-            <a:pPr marL="221170" indent="-221170" defTabSz="589787">
-              <a:lnSpc>
-                <a:spcPct val="80000"/>
-              </a:lnSpc>
-              <a:spcBef>
-                <a:spcPts val="300"/>
-              </a:spcBef>
-              <a:buSzPct val="100000"/>
-              <a:buFont typeface="Arial"/>
-              <a:buChar char="•"/>
-              <a:defRPr sz="1500" b="1">
-                <a:latin typeface="Arial"/>
-                <a:ea typeface="Arial"/>
-                <a:cs typeface="Arial"/>
-                <a:sym typeface="Arial"/>
-              </a:defRPr>
-            </a:pPr>
-            <a:r>
-              <a:t>padding (top/right/bottom/left): </a:t>
-            </a:r>
-            <a:r>
-              <a:rPr b="0"/>
-              <a:t>Adds space between element and its own border.</a:t>
-            </a:r>
-            <a:endParaRPr sz="1700"/>
-          </a:p>
-          <a:p>
-            <a:pPr marL="221170" indent="-221170" defTabSz="589787">
-              <a:lnSpc>
-                <a:spcPct val="80000"/>
-              </a:lnSpc>
-              <a:spcBef>
-                <a:spcPts val="400"/>
-              </a:spcBef>
-              <a:buSzPct val="100000"/>
-              <a:buFont typeface="Arial"/>
-              <a:buChar char="•"/>
-              <a:defRPr b="1">
-                <a:latin typeface="Arial"/>
-                <a:ea typeface="Arial"/>
-                <a:cs typeface="Arial"/>
-                <a:sym typeface="Arial"/>
-              </a:defRPr>
-            </a:pPr>
-            <a:endParaRPr sz="1700"/>
-          </a:p>
-          <a:p>
-            <a:pPr marL="221170" indent="-221170" defTabSz="589787">
-              <a:lnSpc>
-                <a:spcPct val="80000"/>
-              </a:lnSpc>
-              <a:spcBef>
-                <a:spcPts val="300"/>
-              </a:spcBef>
-              <a:buSzPct val="100000"/>
-              <a:buFont typeface="Arial"/>
-              <a:buChar char="•"/>
-              <a:defRPr sz="1500" b="1">
-                <a:latin typeface="Arial"/>
-                <a:ea typeface="Arial"/>
-                <a:cs typeface="Arial"/>
-                <a:sym typeface="Arial"/>
-              </a:defRPr>
-            </a:pPr>
-            <a:r>
-              <a:t>margin (top/right/bottom/left): </a:t>
-            </a:r>
-            <a:r>
-              <a:rPr b="0"/>
-              <a:t>Adds space between element and surrounding elements.</a:t>
-            </a:r>
-            <a:endParaRPr sz="1700"/>
-          </a:p>
-          <a:p>
-            <a:pPr marL="221170" indent="-221170" defTabSz="589787">
-              <a:lnSpc>
-                <a:spcPct val="80000"/>
-              </a:lnSpc>
-              <a:spcBef>
-                <a:spcPts val="400"/>
-              </a:spcBef>
-              <a:buSzPct val="100000"/>
-              <a:buFont typeface="Arial"/>
-              <a:buChar char="•"/>
-              <a:defRPr b="1">
-                <a:latin typeface="Arial"/>
-                <a:ea typeface="Arial"/>
-                <a:cs typeface="Arial"/>
-                <a:sym typeface="Arial"/>
-              </a:defRPr>
-            </a:pPr>
-            <a:endParaRPr sz="1700"/>
-          </a:p>
-          <a:p>
-            <a:pPr marL="221170" indent="-221170" defTabSz="589787">
-              <a:lnSpc>
-                <a:spcPct val="80000"/>
-              </a:lnSpc>
-              <a:spcBef>
-                <a:spcPts val="300"/>
-              </a:spcBef>
-              <a:buSzPct val="100000"/>
-              <a:buFont typeface="Arial"/>
-              <a:buChar char="•"/>
-              <a:defRPr sz="1500" b="1">
-                <a:latin typeface="Arial"/>
-                <a:ea typeface="Arial"/>
-                <a:cs typeface="Arial"/>
-                <a:sym typeface="Arial"/>
-              </a:defRPr>
-            </a:pPr>
-            <a:r>
-              <a:t>float: </a:t>
-            </a:r>
-            <a:r>
-              <a:rPr b="0"/>
-              <a:t>Forces elements to the sides, centers, or tops.</a:t>
-            </a:r>
-            <a:endParaRPr sz="1700"/>
-          </a:p>
-          <a:p>
-            <a:pPr defTabSz="589787">
-              <a:lnSpc>
-                <a:spcPct val="80000"/>
-              </a:lnSpc>
-              <a:spcBef>
-                <a:spcPts val="400"/>
-              </a:spcBef>
-              <a:defRPr b="1">
-                <a:latin typeface="Arial"/>
-                <a:ea typeface="Arial"/>
-                <a:cs typeface="Arial"/>
-                <a:sym typeface="Arial"/>
-              </a:defRPr>
-            </a:pPr>
-            <a:endParaRPr sz="1700"/>
-          </a:p>
-          <a:p>
-            <a:pPr defTabSz="589787">
-              <a:lnSpc>
-                <a:spcPct val="80000"/>
-              </a:lnSpc>
-              <a:spcBef>
-                <a:spcPts val="300"/>
-              </a:spcBef>
-              <a:defRPr sz="1500" b="1" u="sng">
-                <a:latin typeface="Arial"/>
-                <a:ea typeface="Arial"/>
-                <a:cs typeface="Arial"/>
-                <a:sym typeface="Arial"/>
-              </a:defRPr>
-            </a:pPr>
-            <a:r>
-              <a:t>Background: </a:t>
-            </a:r>
-            <a:endParaRPr sz="1700"/>
-          </a:p>
-          <a:p>
-            <a:pPr marL="221170" indent="-221170" defTabSz="589787">
-              <a:lnSpc>
-                <a:spcPct val="80000"/>
-              </a:lnSpc>
-              <a:spcBef>
-                <a:spcPts val="300"/>
-              </a:spcBef>
-              <a:buSzPct val="100000"/>
-              <a:buFont typeface="Arial"/>
-              <a:buChar char="•"/>
-              <a:defRPr sz="1500" b="1">
-                <a:latin typeface="Arial"/>
-                <a:ea typeface="Arial"/>
-                <a:cs typeface="Arial"/>
-                <a:sym typeface="Arial"/>
-              </a:defRPr>
-            </a:pPr>
-            <a:r>
-              <a:t>background-color: </a:t>
-            </a:r>
-            <a:r>
-              <a:rPr b="0"/>
-              <a:t>sets background color.</a:t>
-            </a:r>
-            <a:endParaRPr sz="1700"/>
-          </a:p>
-          <a:p>
-            <a:pPr marL="221170" indent="-221170" defTabSz="589787">
-              <a:lnSpc>
-                <a:spcPct val="80000"/>
-              </a:lnSpc>
-              <a:spcBef>
-                <a:spcPts val="300"/>
-              </a:spcBef>
-              <a:buSzPct val="100000"/>
-              <a:buFont typeface="Arial"/>
-              <a:buChar char="•"/>
-              <a:defRPr sz="1500" b="1">
-                <a:latin typeface="Arial"/>
-                <a:ea typeface="Arial"/>
-                <a:cs typeface="Arial"/>
-                <a:sym typeface="Arial"/>
-              </a:defRPr>
-            </a:pPr>
-            <a:r>
-              <a:t>background-image: </a:t>
-            </a:r>
-            <a:r>
-              <a:rPr b="0"/>
-              <a:t>sets background image.</a:t>
-            </a:r>
-            <a:endParaRPr sz="1700"/>
-          </a:p>
-          <a:p>
-            <a:pPr marL="221170" indent="-221170" defTabSz="589787">
-              <a:lnSpc>
-                <a:spcPct val="80000"/>
-              </a:lnSpc>
-              <a:spcBef>
-                <a:spcPts val="400"/>
-              </a:spcBef>
-              <a:buSzPct val="100000"/>
-              <a:buFont typeface="Arial"/>
-              <a:buChar char="•"/>
-              <a:defRPr b="1">
-                <a:latin typeface="Arial"/>
-                <a:ea typeface="Arial"/>
-                <a:cs typeface="Arial"/>
-                <a:sym typeface="Arial"/>
-              </a:defRPr>
-            </a:pPr>
-            <a:endParaRPr sz="1700"/>
-          </a:p>
-          <a:p>
-            <a:pPr defTabSz="589787">
-              <a:lnSpc>
-                <a:spcPct val="80000"/>
-              </a:lnSpc>
-              <a:spcBef>
-                <a:spcPts val="400"/>
-              </a:spcBef>
-              <a:defRPr b="1" u="sng">
-                <a:latin typeface="Arial"/>
-                <a:ea typeface="Arial"/>
-                <a:cs typeface="Arial"/>
-                <a:sym typeface="Arial"/>
-              </a:defRPr>
-            </a:pPr>
-            <a:endParaRPr sz="1700"/>
+              <a:rPr lang="en-US" dirty="0" err="1"/>
+              <a:t>Pwofesè</a:t>
+            </a:r>
+            <a:r>
+              <a:rPr dirty="0"/>
+              <a:t>: Demo </a:t>
+            </a:r>
+            <a:endParaRPr sz="3300" dirty="0">
+              <a:latin typeface="Calibri Light"/>
+              <a:ea typeface="Calibri Light"/>
+              <a:cs typeface="Calibri Light"/>
+              <a:sym typeface="Calibri Light"/>
+            </a:endParaRPr>
           </a:p>
         </p:txBody>
       </p:sp>
@@ -5681,7 +5902,7 @@
       </p:grpSpPr>
       <p:sp>
         <p:nvSpPr>
-          <p:cNvPr id="620" name="Shape 620"/>
+          <p:cNvPr id="626" name="Shape 626"/>
           <p:cNvSpPr>
             <a:spLocks noGrp="1"/>
           </p:cNvSpPr>
@@ -5703,21 +5924,78 @@
           <a:lstStyle/>
           <a:p>
             <a:r>
-              <a:t>Powerful Duo</a:t>
+              <a:rPr dirty="0"/>
+              <a:t>&gt; </a:t>
+            </a:r>
+            <a:r>
+              <a:rPr lang="en-US" dirty="0" err="1"/>
+              <a:t>Tou</a:t>
+            </a:r>
+            <a:r>
+              <a:rPr lang="en-US" dirty="0"/>
+              <a:t> </a:t>
+            </a:r>
+            <a:r>
+              <a:rPr lang="en-US" dirty="0" err="1"/>
+              <a:t>pa’w</a:t>
+            </a:r>
+            <a:r>
+              <a:rPr dirty="0"/>
+              <a:t>!</a:t>
             </a:r>
           </a:p>
         </p:txBody>
       </p:sp>
       <p:sp>
         <p:nvSpPr>
-          <p:cNvPr id="621" name="Shape 621"/>
+          <p:cNvPr id="627" name="Shape 627"/>
           <p:cNvSpPr/>
           <p:nvPr/>
         </p:nvSpPr>
         <p:spPr>
           <a:xfrm>
-            <a:off x="443344" y="1981200"/>
-            <a:ext cx="8229601" cy="968805"/>
+            <a:off x="-11742" y="689615"/>
+            <a:ext cx="9155743" cy="5626583"/>
+          </a:xfrm>
+          <a:prstGeom prst="rect">
+            <a:avLst/>
+          </a:prstGeom>
+          <a:solidFill>
+            <a:srgbClr val="F2F2F2"/>
+          </a:solidFill>
+          <a:ln w="12700">
+            <a:miter lim="400000"/>
+          </a:ln>
+        </p:spPr>
+        <p:txBody>
+          <a:bodyPr lIns="45718" tIns="45718" rIns="45718" bIns="45718" anchor="ctr"/>
+          <a:lstStyle/>
+          <a:p>
+            <a:pPr algn="ctr">
+              <a:defRPr>
+                <a:solidFill>
+                  <a:srgbClr val="FFFFFF"/>
+                </a:solidFill>
+                <a:latin typeface="Arial"/>
+                <a:ea typeface="Arial"/>
+                <a:cs typeface="Arial"/>
+                <a:sym typeface="Arial"/>
+              </a:defRPr>
+            </a:pPr>
+            <a:endParaRPr/>
+          </a:p>
+        </p:txBody>
+      </p:sp>
+      <p:sp>
+        <p:nvSpPr>
+          <p:cNvPr id="628" name="Shape 628"/>
+          <p:cNvSpPr/>
+          <p:nvPr/>
+        </p:nvSpPr>
+        <p:spPr>
+          <a:xfrm>
+            <a:off x="304800" y="914399"/>
+            <a:ext cx="8686800" cy="1569656"/>
           </a:xfrm>
           <a:prstGeom prst="rect">
             <a:avLst/>
@@ -5733,15 +6011,12 @@
         </p:spPr>
         <p:txBody>
           <a:bodyPr lIns="45718" tIns="45718" rIns="45718" bIns="45718">
-            <a:normAutofit lnSpcReduction="10000"/>
+            <a:spAutoFit/>
           </a:bodyPr>
           <a:lstStyle/>
           <a:p>
-            <a:pPr algn="ctr" defTabSz="685800">
-              <a:spcBef>
-                <a:spcPts val="600"/>
-              </a:spcBef>
-              <a:defRPr sz="2800">
+            <a:pPr>
+              <a:defRPr sz="2400" b="1">
                 <a:latin typeface="Arial"/>
                 <a:ea typeface="Arial"/>
                 <a:cs typeface="Arial"/>
@@ -5749,24 +6024,209 @@
               </a:defRPr>
             </a:pPr>
             <a:r>
-              <a:t>Believe it or not, HTML / CSS is all you need </a:t>
-            </a:r>
-            <a:endParaRPr sz="2400"/>
-          </a:p>
-          <a:p>
-            <a:pPr algn="ctr" defTabSz="685800">
-              <a:spcBef>
-                <a:spcPts val="600"/>
-              </a:spcBef>
-              <a:defRPr sz="2800">
+              <a:rPr lang="en-US" sz="2400" b="1" dirty="0" err="1">
+                <a:sym typeface="Arial"/>
+              </a:rPr>
+              <a:t>Egzèsis</a:t>
+            </a:r>
+            <a:endParaRPr dirty="0"/>
+          </a:p>
+          <a:p>
+            <a:pPr>
+              <a:defRPr sz="2400">
                 <a:latin typeface="Arial"/>
                 <a:ea typeface="Arial"/>
                 <a:cs typeface="Arial"/>
                 <a:sym typeface="Arial"/>
               </a:defRPr>
             </a:pPr>
-            <a:r>
-              <a:t>to develop a vivid, full-blown website. </a:t>
+            <a:endParaRPr dirty="0"/>
+          </a:p>
+          <a:p>
+            <a:pPr>
+              <a:defRPr sz="2400">
+                <a:latin typeface="Arial"/>
+                <a:ea typeface="Arial"/>
+                <a:cs typeface="Arial"/>
+                <a:sym typeface="Arial"/>
+              </a:defRPr>
+            </a:pPr>
+            <a:r>
+              <a:rPr lang="en-US" dirty="0"/>
+              <a:t>Nan </a:t>
+            </a:r>
+            <a:r>
+              <a:rPr lang="en-US" dirty="0" err="1"/>
+              <a:t>aktivite</a:t>
+            </a:r>
+            <a:r>
+              <a:rPr lang="en-US" dirty="0"/>
+              <a:t> </a:t>
+            </a:r>
+            <a:r>
+              <a:rPr lang="en-US" dirty="0" err="1"/>
+              <a:t>sa</a:t>
+            </a:r>
+            <a:r>
+              <a:rPr lang="en-US" dirty="0"/>
+              <a:t>. </a:t>
+            </a:r>
+            <a:r>
+              <a:rPr lang="en-US" dirty="0" err="1"/>
+              <a:t>Wap</a:t>
+            </a:r>
+            <a:r>
+              <a:rPr lang="en-US" dirty="0"/>
+              <a:t> </a:t>
+            </a:r>
+            <a:r>
+              <a:rPr lang="en-US" dirty="0" err="1"/>
+              <a:t>pran</a:t>
+            </a:r>
+            <a:r>
+              <a:rPr lang="en-US" dirty="0"/>
+              <a:t> </a:t>
+            </a:r>
+            <a:r>
+              <a:rPr lang="en-US" dirty="0" err="1"/>
+              <a:t>premye</a:t>
+            </a:r>
+            <a:r>
+              <a:rPr lang="en-US" dirty="0"/>
+              <a:t> </a:t>
+            </a:r>
+            <a:r>
+              <a:rPr lang="en-US" dirty="0" err="1"/>
+              <a:t>aktivite</a:t>
+            </a:r>
+            <a:r>
+              <a:rPr lang="en-US" dirty="0"/>
+              <a:t> an, </a:t>
+            </a:r>
+            <a:r>
+              <a:rPr lang="en-US" dirty="0" err="1"/>
+              <a:t>wap</a:t>
+            </a:r>
+            <a:r>
+              <a:rPr lang="en-US" dirty="0"/>
+              <a:t> </a:t>
+            </a:r>
+            <a:r>
+              <a:rPr lang="en-US" dirty="0" err="1"/>
+              <a:t>itilize</a:t>
+            </a:r>
+            <a:r>
+              <a:rPr lang="en-US" dirty="0"/>
+              <a:t> </a:t>
+            </a:r>
+            <a:r>
+              <a:rPr lang="en-US" dirty="0" err="1"/>
+              <a:t>kèk</a:t>
+            </a:r>
+            <a:r>
+              <a:rPr lang="en-US" dirty="0"/>
+              <a:t> CSS </a:t>
+            </a:r>
+            <a:r>
+              <a:rPr lang="en-US" dirty="0" err="1"/>
+              <a:t>pou’w</a:t>
+            </a:r>
+            <a:r>
+              <a:rPr lang="en-US" dirty="0"/>
+              <a:t> </a:t>
+            </a:r>
+            <a:r>
+              <a:rPr lang="en-US" dirty="0" err="1"/>
+              <a:t>akonpli</a:t>
+            </a:r>
+            <a:r>
+              <a:rPr lang="en-US" dirty="0"/>
+              <a:t> </a:t>
+            </a:r>
+            <a:r>
+              <a:rPr lang="en-US" dirty="0" err="1"/>
+              <a:t>sa</a:t>
+            </a:r>
+            <a:r>
+              <a:rPr lang="en-US" dirty="0"/>
+              <a:t> </a:t>
+            </a:r>
+            <a:r>
+              <a:rPr lang="en-US" dirty="0" err="1"/>
+              <a:t>ki</a:t>
+            </a:r>
+            <a:r>
+              <a:rPr lang="en-US" dirty="0"/>
+              <a:t> nan </a:t>
+            </a:r>
+            <a:r>
+              <a:rPr lang="en-US" dirty="0" err="1"/>
+              <a:t>imaj</a:t>
+            </a:r>
+            <a:r>
+              <a:rPr lang="en-US" dirty="0"/>
+              <a:t> </a:t>
+            </a:r>
+            <a:r>
+              <a:rPr lang="en-US" dirty="0" err="1"/>
+              <a:t>lan</a:t>
+            </a:r>
+            <a:r>
+              <a:rPr lang="en-US" dirty="0"/>
+              <a:t>.</a:t>
+            </a:r>
+            <a:endParaRPr dirty="0"/>
+          </a:p>
+        </p:txBody>
+      </p:sp>
+      <p:sp>
+        <p:nvSpPr>
+          <p:cNvPr id="629" name="Shape 629"/>
+          <p:cNvSpPr/>
+          <p:nvPr/>
+        </p:nvSpPr>
+        <p:spPr>
+          <a:xfrm>
+            <a:off x="2590800" y="124823"/>
+            <a:ext cx="6400800" cy="369328"/>
+          </a:xfrm>
+          <a:prstGeom prst="rect">
+            <a:avLst/>
+          </a:prstGeom>
+          <a:ln w="12700">
+            <a:miter lim="400000"/>
+          </a:ln>
+          <a:extLst>
+            <a:ext uri="{C572A759-6A51-4108-AA02-DFA0A04FC94B}">
+              <ma14:wrappingTextBoxFlag xmlns:ma14="http://schemas.microsoft.com/office/mac/drawingml/2011/main" xmlns="" val="1"/>
+            </a:ext>
+          </a:extLst>
+        </p:spPr>
+        <p:txBody>
+          <a:bodyPr lIns="45718" tIns="45718" rIns="45718" bIns="45718">
+            <a:spAutoFit/>
+          </a:bodyPr>
+          <a:lstStyle/>
+          <a:p>
+            <a:pPr algn="r">
+              <a:defRPr b="1">
+                <a:latin typeface="Arial"/>
+                <a:ea typeface="Arial"/>
+                <a:cs typeface="Arial"/>
+                <a:sym typeface="Arial"/>
+              </a:defRPr>
+            </a:pPr>
+            <a:r>
+              <a:rPr lang="en-US" dirty="0"/>
+              <a:t>Tan: </a:t>
+            </a:r>
+            <a:r>
+              <a:rPr lang="en-US" b="0" dirty="0"/>
+              <a:t>2</a:t>
+            </a:r>
+            <a:r>
+              <a:rPr b="0" dirty="0"/>
+              <a:t>0 min</a:t>
             </a:r>
           </a:p>
         </p:txBody>
@@ -5810,391 +6270,6 @@
       </p:grpSpPr>
       <p:sp>
         <p:nvSpPr>
-          <p:cNvPr id="623" name="Shape 623"/>
-          <p:cNvSpPr>
-            <a:spLocks noGrp="1"/>
-          </p:cNvSpPr>
-          <p:nvPr>
-            <p:ph type="title"/>
-          </p:nvPr>
-        </p:nvSpPr>
-        <p:spPr>
-          <a:xfrm>
-            <a:off x="304798" y="-2"/>
-            <a:ext cx="5470530" cy="653858"/>
-          </a:xfrm>
-          <a:prstGeom prst="rect">
-            <a:avLst/>
-          </a:prstGeom>
-        </p:spPr>
-        <p:txBody>
-          <a:bodyPr/>
-          <a:lstStyle/>
-          <a:p>
-            <a:r>
-              <a:t>INSTRUCTOR DEMO</a:t>
-            </a:r>
-          </a:p>
-        </p:txBody>
-      </p:sp>
-      <p:sp>
-        <p:nvSpPr>
-          <p:cNvPr id="624" name="Shape 624"/>
-          <p:cNvSpPr/>
-          <p:nvPr/>
-        </p:nvSpPr>
-        <p:spPr>
-          <a:xfrm>
-            <a:off x="304800" y="1447800"/>
-            <a:ext cx="8534400" cy="3429000"/>
-          </a:xfrm>
-          <a:prstGeom prst="rect">
-            <a:avLst/>
-          </a:prstGeom>
-          <a:ln>
-            <a:solidFill>
-              <a:srgbClr val="5B9BD5"/>
-            </a:solidFill>
-          </a:ln>
-          <a:extLst>
-            <a:ext uri="{C572A759-6A51-4108-AA02-DFA0A04FC94B}">
-              <ma14:wrappingTextBoxFlag xmlns:ma14="http://schemas.microsoft.com/office/mac/drawingml/2011/main" xmlns="" val="1"/>
-            </a:ext>
-          </a:extLst>
-        </p:spPr>
-        <p:txBody>
-          <a:bodyPr lIns="45718" tIns="45718" rIns="45718" bIns="45718" anchor="ctr">
-            <a:normAutofit/>
-          </a:bodyPr>
-          <a:lstStyle/>
-          <a:p>
-            <a:pPr algn="ctr" defTabSz="685800">
-              <a:defRPr sz="3600" b="1" i="1">
-                <a:latin typeface="Arial"/>
-                <a:ea typeface="Arial"/>
-                <a:cs typeface="Arial"/>
-                <a:sym typeface="Arial"/>
-              </a:defRPr>
-            </a:pPr>
-            <a:r>
-              <a:t>Instructor: Demo </a:t>
-            </a:r>
-            <a:endParaRPr sz="3300">
-              <a:latin typeface="Calibri Light"/>
-              <a:ea typeface="Calibri Light"/>
-              <a:cs typeface="Calibri Light"/>
-              <a:sym typeface="Calibri Light"/>
-            </a:endParaRPr>
-          </a:p>
-          <a:p>
-            <a:pPr algn="ctr" defTabSz="685800">
-              <a:defRPr sz="2800" i="1">
-                <a:latin typeface="Arial"/>
-                <a:ea typeface="Arial"/>
-                <a:cs typeface="Arial"/>
-                <a:sym typeface="Arial"/>
-              </a:defRPr>
-            </a:pPr>
-            <a:r>
-              <a:t>(quickexample_internalcss.html | 2-BasicCSS) </a:t>
-            </a:r>
-          </a:p>
-        </p:txBody>
-      </p:sp>
-    </p:spTree>
-  </p:cSld>
-  <p:clrMapOvr>
-    <a:masterClrMapping/>
-  </p:clrMapOvr>
-  <mc:AlternateContent xmlns:mc="http://schemas.openxmlformats.org/markup-compatibility/2006" xmlns:p14="http://schemas.microsoft.com/office/powerpoint/2010/main">
-    <mc:Choice Requires="p14">
-      <p:transition spd="slow">
-        <p:dissolve/>
-      </p:transition>
-    </mc:Choice>
-    <mc:Fallback xmlns="">
-      <p:transition spd="med">
-        <p:fade/>
-      </p:transition>
-    </mc:Fallback>
-  </mc:AlternateContent>
-</p:sld>
-</file>
-
-<file path=ppt/slides/slide26.xml><?xml version="1.0" encoding="utf-8"?>
-<p:sld xmlns:a="http://schemas.openxmlformats.org/drawingml/2006/main" xmlns:r="http://schemas.openxmlformats.org/officeDocument/2006/relationships" xmlns:p="http://schemas.openxmlformats.org/presentationml/2006/main">
-  <p:cSld>
-    <p:spTree>
-      <p:nvGrpSpPr>
-        <p:cNvPr id="1" name=""/>
-        <p:cNvGrpSpPr/>
-        <p:nvPr/>
-      </p:nvGrpSpPr>
-      <p:grpSpPr>
-        <a:xfrm>
-          <a:off x="0" y="0"/>
-          <a:ext cx="0" cy="0"/>
-          <a:chOff x="0" y="0"/>
-          <a:chExt cx="0" cy="0"/>
-        </a:xfrm>
-      </p:grpSpPr>
-      <p:sp>
-        <p:nvSpPr>
-          <p:cNvPr id="626" name="Shape 626"/>
-          <p:cNvSpPr>
-            <a:spLocks noGrp="1"/>
-          </p:cNvSpPr>
-          <p:nvPr>
-            <p:ph type="title"/>
-          </p:nvPr>
-        </p:nvSpPr>
-        <p:spPr>
-          <a:xfrm>
-            <a:off x="304798" y="-2"/>
-            <a:ext cx="5470530" cy="653858"/>
-          </a:xfrm>
-          <a:prstGeom prst="rect">
-            <a:avLst/>
-          </a:prstGeom>
-        </p:spPr>
-        <p:txBody>
-          <a:bodyPr/>
-          <a:lstStyle/>
-          <a:p>
-            <a:r>
-              <a:t>&gt; YOUR TURN!</a:t>
-            </a:r>
-          </a:p>
-        </p:txBody>
-      </p:sp>
-      <p:sp>
-        <p:nvSpPr>
-          <p:cNvPr id="627" name="Shape 627"/>
-          <p:cNvSpPr/>
-          <p:nvPr/>
-        </p:nvSpPr>
-        <p:spPr>
-          <a:xfrm>
-            <a:off x="-11742" y="689615"/>
-            <a:ext cx="9155743" cy="5626583"/>
-          </a:xfrm>
-          <a:prstGeom prst="rect">
-            <a:avLst/>
-          </a:prstGeom>
-          <a:solidFill>
-            <a:srgbClr val="F2F2F2"/>
-          </a:solidFill>
-          <a:ln w="12700">
-            <a:miter lim="400000"/>
-          </a:ln>
-        </p:spPr>
-        <p:txBody>
-          <a:bodyPr lIns="45718" tIns="45718" rIns="45718" bIns="45718" anchor="ctr"/>
-          <a:lstStyle/>
-          <a:p>
-            <a:pPr algn="ctr">
-              <a:defRPr>
-                <a:solidFill>
-                  <a:srgbClr val="FFFFFF"/>
-                </a:solidFill>
-                <a:latin typeface="Arial"/>
-                <a:ea typeface="Arial"/>
-                <a:cs typeface="Arial"/>
-                <a:sym typeface="Arial"/>
-              </a:defRPr>
-            </a:pPr>
-            <a:endParaRPr/>
-          </a:p>
-        </p:txBody>
-      </p:sp>
-      <p:sp>
-        <p:nvSpPr>
-          <p:cNvPr id="628" name="Shape 628"/>
-          <p:cNvSpPr/>
-          <p:nvPr/>
-        </p:nvSpPr>
-        <p:spPr>
-          <a:xfrm>
-            <a:off x="304800" y="914399"/>
-            <a:ext cx="8686800" cy="2570668"/>
-          </a:xfrm>
-          <a:prstGeom prst="rect">
-            <a:avLst/>
-          </a:prstGeom>
-          <a:ln w="12700">
-            <a:miter lim="400000"/>
-          </a:ln>
-          <a:extLst>
-            <a:ext uri="{C572A759-6A51-4108-AA02-DFA0A04FC94B}">
-              <ma14:wrappingTextBoxFlag xmlns:ma14="http://schemas.microsoft.com/office/mac/drawingml/2011/main" xmlns="" val="1"/>
-            </a:ext>
-          </a:extLst>
-        </p:spPr>
-        <p:txBody>
-          <a:bodyPr lIns="45718" tIns="45718" rIns="45718" bIns="45718">
-            <a:spAutoFit/>
-          </a:bodyPr>
-          <a:lstStyle/>
-          <a:p>
-            <a:pPr>
-              <a:defRPr sz="2400" b="1">
-                <a:latin typeface="Arial"/>
-                <a:ea typeface="Arial"/>
-                <a:cs typeface="Arial"/>
-                <a:sym typeface="Arial"/>
-              </a:defRPr>
-            </a:pPr>
-            <a:r>
-              <a:t>Assignment</a:t>
-            </a:r>
-          </a:p>
-          <a:p>
-            <a:pPr>
-              <a:defRPr sz="2400">
-                <a:latin typeface="Arial"/>
-                <a:ea typeface="Arial"/>
-                <a:cs typeface="Arial"/>
-                <a:sym typeface="Arial"/>
-              </a:defRPr>
-            </a:pPr>
-            <a:endParaRPr/>
-          </a:p>
-          <a:p>
-            <a:pPr>
-              <a:defRPr sz="2400">
-                <a:latin typeface="Arial"/>
-                <a:ea typeface="Arial"/>
-                <a:cs typeface="Arial"/>
-                <a:sym typeface="Arial"/>
-              </a:defRPr>
-            </a:pPr>
-            <a:r>
-              <a:t>In this activity, you’ll upgrade your previous HTML bio-page using CSS style rules. Once you’re done, commit and push up your changes to GitHub.</a:t>
-            </a:r>
-          </a:p>
-          <a:p>
-            <a:pPr>
-              <a:defRPr sz="2400">
-                <a:latin typeface="Arial"/>
-                <a:ea typeface="Arial"/>
-                <a:cs typeface="Arial"/>
-                <a:sym typeface="Arial"/>
-              </a:defRPr>
-            </a:pPr>
-            <a:endParaRPr/>
-          </a:p>
-          <a:p>
-            <a:pPr>
-              <a:defRPr sz="2400">
-                <a:latin typeface="Arial"/>
-                <a:ea typeface="Arial"/>
-                <a:cs typeface="Arial"/>
-                <a:sym typeface="Arial"/>
-              </a:defRPr>
-            </a:pPr>
-            <a:r>
-              <a:t>We’ll send you additional instructions via Slack.</a:t>
-            </a:r>
-          </a:p>
-        </p:txBody>
-      </p:sp>
-      <p:sp>
-        <p:nvSpPr>
-          <p:cNvPr id="629" name="Shape 629"/>
-          <p:cNvSpPr/>
-          <p:nvPr/>
-        </p:nvSpPr>
-        <p:spPr>
-          <a:xfrm>
-            <a:off x="2590800" y="124823"/>
-            <a:ext cx="6400800" cy="350661"/>
-          </a:xfrm>
-          <a:prstGeom prst="rect">
-            <a:avLst/>
-          </a:prstGeom>
-          <a:ln w="12700">
-            <a:miter lim="400000"/>
-          </a:ln>
-          <a:extLst>
-            <a:ext uri="{C572A759-6A51-4108-AA02-DFA0A04FC94B}">
-              <ma14:wrappingTextBoxFlag xmlns:ma14="http://schemas.microsoft.com/office/mac/drawingml/2011/main" xmlns="" val="1"/>
-            </a:ext>
-          </a:extLst>
-        </p:spPr>
-        <p:txBody>
-          <a:bodyPr lIns="45718" tIns="45718" rIns="45718" bIns="45718">
-            <a:spAutoFit/>
-          </a:bodyPr>
-          <a:lstStyle/>
-          <a:p>
-            <a:pPr algn="r">
-              <a:defRPr b="1">
-                <a:latin typeface="Arial"/>
-                <a:ea typeface="Arial"/>
-                <a:cs typeface="Arial"/>
-                <a:sym typeface="Arial"/>
-              </a:defRPr>
-            </a:pPr>
-            <a:r>
-              <a:t>Activity</a:t>
-            </a:r>
-            <a:r>
-              <a:rPr b="0" i="1"/>
-              <a:t>: </a:t>
-            </a:r>
-            <a:r>
-              <a:rPr b="0"/>
-              <a:t>3-HTML_CSS_Layout </a:t>
-            </a:r>
-            <a:r>
-              <a:t>|  Suggested Time: </a:t>
-            </a:r>
-            <a:r>
-              <a:rPr b="0"/>
-              <a:t>20 min</a:t>
-            </a:r>
-          </a:p>
-        </p:txBody>
-      </p:sp>
-    </p:spTree>
-  </p:cSld>
-  <p:clrMapOvr>
-    <a:masterClrMapping/>
-  </p:clrMapOvr>
-  <mc:AlternateContent xmlns:mc="http://schemas.openxmlformats.org/markup-compatibility/2006" xmlns:p14="http://schemas.microsoft.com/office/powerpoint/2010/main">
-    <mc:Choice Requires="p14">
-      <p:transition spd="slow">
-        <p:dissolve/>
-      </p:transition>
-    </mc:Choice>
-    <mc:Fallback xmlns="">
-      <p:transition spd="med">
-        <p:fade/>
-      </p:transition>
-    </mc:Fallback>
-  </mc:AlternateContent>
-</p:sld>
-</file>
-
-<file path=ppt/slides/slide27.xml><?xml version="1.0" encoding="utf-8"?>
-<p:sld xmlns:a="http://schemas.openxmlformats.org/drawingml/2006/main" xmlns:r="http://schemas.openxmlformats.org/officeDocument/2006/relationships" xmlns:p="http://schemas.openxmlformats.org/presentationml/2006/main">
-  <p:cSld>
-    <p:spTree>
-      <p:nvGrpSpPr>
-        <p:cNvPr id="1" name=""/>
-        <p:cNvGrpSpPr/>
-        <p:nvPr/>
-      </p:nvGrpSpPr>
-      <p:grpSpPr>
-        <a:xfrm>
-          <a:off x="0" y="0"/>
-          <a:ext cx="0" cy="0"/>
-          <a:chOff x="0" y="0"/>
-          <a:chExt cx="0" cy="0"/>
-        </a:xfrm>
-      </p:grpSpPr>
-      <p:sp>
-        <p:nvSpPr>
           <p:cNvPr id="631" name="Shape 631"/>
           <p:cNvSpPr>
             <a:spLocks noGrp="1"/>
@@ -6217,7 +6292,24 @@
           <a:lstStyle/>
           <a:p>
             <a:r>
-              <a:t>&gt; YOUR TURN!</a:t>
+              <a:rPr dirty="0"/>
+              <a:t>&gt; </a:t>
+            </a:r>
+            <a:r>
+              <a:rPr lang="en-US" dirty="0" err="1"/>
+              <a:t>Tou</a:t>
+            </a:r>
+            <a:r>
+              <a:rPr lang="en-US" dirty="0"/>
+              <a:t> </a:t>
+            </a:r>
+            <a:r>
+              <a:rPr lang="en-US" dirty="0" err="1"/>
+              <a:t>pa’w</a:t>
+            </a:r>
+            <a:r>
+              <a:rPr dirty="0"/>
+              <a:t>!</a:t>
             </a:r>
           </a:p>
         </p:txBody>
@@ -6271,7 +6363,7 @@
 </p:sld>
 </file>
 
-<file path=ppt/slides/slide28.xml><?xml version="1.0" encoding="utf-8"?>
+<file path=ppt/slides/slide26.xml><?xml version="1.0" encoding="utf-8"?>
 <p:sld xmlns:a="http://schemas.openxmlformats.org/drawingml/2006/main" xmlns:r="http://schemas.openxmlformats.org/officeDocument/2006/relationships" xmlns:p="http://schemas.openxmlformats.org/presentationml/2006/main">
   <p:cSld>
     <p:spTree>
@@ -6290,7 +6382,7 @@
       </p:grpSpPr>
       <p:sp>
         <p:nvSpPr>
-          <p:cNvPr id="634" name="Shape 634"/>
+          <p:cNvPr id="642" name="Shape 642"/>
           <p:cNvSpPr>
             <a:spLocks noGrp="1"/>
           </p:cNvSpPr>
@@ -6300,8 +6392,8 @@
         </p:nvSpPr>
         <p:spPr>
           <a:xfrm>
-            <a:off x="304798" y="-2"/>
-            <a:ext cx="5470530" cy="653858"/>
+            <a:off x="390606" y="2953542"/>
+            <a:ext cx="8229601" cy="871860"/>
           </a:xfrm>
           <a:prstGeom prst="rect">
             <a:avLst/>
@@ -6312,280 +6404,13 @@
           <a:lstStyle/>
           <a:p>
             <a:r>
-              <a:t>Video Walkthrough!!</a:t>
-            </a:r>
+              <a:rPr lang="en-US" dirty="0" err="1"/>
+              <a:t>Kesyon</a:t>
+            </a:r>
+            <a:endParaRPr dirty="0"/>
           </a:p>
         </p:txBody>
       </p:sp>
-      <p:pic>
-        <p:nvPicPr>
-          <p:cNvPr id="635" name="image30.png" descr="Picture 2"/>
-          <p:cNvPicPr>
-            <a:picLocks noChangeAspect="1"/>
-          </p:cNvPicPr>
-          <p:nvPr/>
-        </p:nvPicPr>
-        <p:blipFill>
-          <a:blip r:embed="rId2">
-            <a:extLst/>
-          </a:blip>
-          <a:stretch>
-            <a:fillRect/>
-          </a:stretch>
-        </p:blipFill>
-        <p:spPr>
-          <a:xfrm>
-            <a:off x="457200" y="838200"/>
-            <a:ext cx="8229600" cy="4752975"/>
-          </a:xfrm>
-          <a:prstGeom prst="rect">
-            <a:avLst/>
-          </a:prstGeom>
-          <a:ln w="12700">
-            <a:miter lim="400000"/>
-          </a:ln>
-        </p:spPr>
-      </p:pic>
-      <p:sp>
-        <p:nvSpPr>
-          <p:cNvPr id="636" name="Shape 636"/>
-          <p:cNvSpPr/>
-          <p:nvPr/>
-        </p:nvSpPr>
-        <p:spPr>
-          <a:xfrm>
-            <a:off x="457200" y="5638799"/>
-            <a:ext cx="8229600" cy="617361"/>
-          </a:xfrm>
-          <a:prstGeom prst="rect">
-            <a:avLst/>
-          </a:prstGeom>
-          <a:ln w="12700">
-            <a:miter lim="400000"/>
-          </a:ln>
-          <a:extLst>
-            <a:ext uri="{C572A759-6A51-4108-AA02-DFA0A04FC94B}">
-              <ma14:wrappingTextBoxFlag xmlns:ma14="http://schemas.microsoft.com/office/mac/drawingml/2011/main" xmlns="" val="1"/>
-            </a:ext>
-          </a:extLst>
-        </p:spPr>
-        <p:txBody>
-          <a:bodyPr lIns="45718" tIns="45718" rIns="45718" bIns="45718">
-            <a:spAutoFit/>
-          </a:bodyPr>
-          <a:lstStyle>
-            <a:lvl1pPr>
-              <a:defRPr u="sng">
-                <a:solidFill>
-                  <a:srgbClr val="0000FF"/>
-                </a:solidFill>
-                <a:uFill>
-                  <a:solidFill>
-                    <a:srgbClr val="0000FF"/>
-                  </a:solidFill>
-                </a:uFill>
-                <a:latin typeface="Arial"/>
-                <a:ea typeface="Arial"/>
-                <a:cs typeface="Arial"/>
-                <a:sym typeface="Arial"/>
-                <a:hlinkClick r:id="rId3"/>
-              </a:defRPr>
-            </a:lvl1pPr>
-          </a:lstStyle>
-          <a:p>
-            <a:r>
-              <a:rPr>
-                <a:hlinkClick r:id="rId3"/>
-              </a:rPr>
-              <a:t>https://www.youtube.com/watch?v=kMBinXTCrXI&amp;list=PLgJ8UgkiorCnMLsUevoQRxH8t9bt7ne14&amp;index=2</a:t>
-            </a:r>
-          </a:p>
-        </p:txBody>
-      </p:sp>
-    </p:spTree>
-  </p:cSld>
-  <p:clrMapOvr>
-    <a:masterClrMapping/>
-  </p:clrMapOvr>
-  <mc:AlternateContent xmlns:mc="http://schemas.openxmlformats.org/markup-compatibility/2006" xmlns:p14="http://schemas.microsoft.com/office/powerpoint/2010/main">
-    <mc:Choice Requires="p14">
-      <p:transition spd="slow">
-        <p:dissolve/>
-      </p:transition>
-    </mc:Choice>
-    <mc:Fallback xmlns="">
-      <p:transition spd="med">
-        <p:fade/>
-      </p:transition>
-    </mc:Fallback>
-  </mc:AlternateContent>
-</p:sld>
-</file>
-
-<file path=ppt/slides/slide29.xml><?xml version="1.0" encoding="utf-8"?>
-<p:sld xmlns:a="http://schemas.openxmlformats.org/drawingml/2006/main" xmlns:r="http://schemas.openxmlformats.org/officeDocument/2006/relationships" xmlns:p="http://schemas.openxmlformats.org/presentationml/2006/main">
-  <p:cSld>
-    <p:spTree>
-      <p:nvGrpSpPr>
-        <p:cNvPr id="1" name=""/>
-        <p:cNvGrpSpPr/>
-        <p:nvPr/>
-      </p:nvGrpSpPr>
-      <p:grpSpPr>
-        <a:xfrm>
-          <a:off x="0" y="0"/>
-          <a:ext cx="0" cy="0"/>
-          <a:chOff x="0" y="0"/>
-          <a:chExt cx="0" cy="0"/>
-        </a:xfrm>
-      </p:grpSpPr>
-      <p:sp>
-        <p:nvSpPr>
-          <p:cNvPr id="638" name="Shape 638"/>
-          <p:cNvSpPr>
-            <a:spLocks noGrp="1"/>
-          </p:cNvSpPr>
-          <p:nvPr>
-            <p:ph type="title"/>
-          </p:nvPr>
-        </p:nvSpPr>
-        <p:spPr>
-          <a:xfrm>
-            <a:off x="304798" y="-2"/>
-            <a:ext cx="5470530" cy="653858"/>
-          </a:xfrm>
-          <a:prstGeom prst="rect">
-            <a:avLst/>
-          </a:prstGeom>
-        </p:spPr>
-        <p:txBody>
-          <a:bodyPr/>
-          <a:lstStyle/>
-          <a:p>
-            <a:r>
-              <a:t>Still a Bit Confused?</a:t>
-            </a:r>
-          </a:p>
-        </p:txBody>
-      </p:sp>
-      <p:sp>
-        <p:nvSpPr>
-          <p:cNvPr id="639" name="Shape 639"/>
-          <p:cNvSpPr/>
-          <p:nvPr/>
-        </p:nvSpPr>
-        <p:spPr>
-          <a:xfrm>
-            <a:off x="381000" y="914400"/>
-            <a:ext cx="8001000" cy="4892039"/>
-          </a:xfrm>
-          <a:prstGeom prst="rect">
-            <a:avLst/>
-          </a:prstGeom>
-          <a:ln w="12700">
-            <a:miter lim="400000"/>
-          </a:ln>
-          <a:extLst>
-            <a:ext uri="{C572A759-6A51-4108-AA02-DFA0A04FC94B}">
-              <ma14:wrappingTextBoxFlag xmlns:ma14="http://schemas.microsoft.com/office/mac/drawingml/2011/main" xmlns="" val="1"/>
-            </a:ext>
-          </a:extLst>
-        </p:spPr>
-        <p:txBody>
-          <a:bodyPr lIns="45718" tIns="45718" rIns="45718" bIns="45718">
-            <a:spAutoFit/>
-          </a:bodyPr>
-          <a:lstStyle/>
-          <a:p>
-            <a:r>
-              <a:t>Remember! We’ve got video guides for key activities like that last one.</a:t>
-            </a:r>
-          </a:p>
-          <a:p>
-            <a:endParaRPr/>
-          </a:p>
-          <a:p>
-            <a:endParaRPr/>
-          </a:p>
-          <a:p>
-            <a:endParaRPr/>
-          </a:p>
-          <a:p>
-            <a:endParaRPr/>
-          </a:p>
-          <a:p>
-            <a:endParaRPr/>
-          </a:p>
-          <a:p>
-            <a:endParaRPr/>
-          </a:p>
-          <a:p>
-            <a:endParaRPr/>
-          </a:p>
-          <a:p>
-            <a:endParaRPr/>
-          </a:p>
-          <a:p>
-            <a:endParaRPr/>
-          </a:p>
-          <a:p>
-            <a:endParaRPr/>
-          </a:p>
-          <a:p>
-            <a:endParaRPr/>
-          </a:p>
-          <a:p>
-            <a:endParaRPr/>
-          </a:p>
-          <a:p>
-            <a:r>
-              <a:t>If you feel like you are EVER falling behind, use those online walkthroughs to help catch back up. They are made to be easy to understand.</a:t>
-            </a:r>
-          </a:p>
-          <a:p>
-            <a:endParaRPr/>
-          </a:p>
-          <a:p>
-            <a:r>
-              <a:t>Still having trouble? Shoot your instructor or one of your TAs a message!</a:t>
-            </a:r>
-          </a:p>
-          <a:p>
-            <a:r>
-              <a:t>We are here to help you out in whatever way we can! </a:t>
-            </a:r>
-          </a:p>
-        </p:txBody>
-      </p:sp>
-      <p:pic>
-        <p:nvPicPr>
-          <p:cNvPr id="640" name="image31.png" descr="kMBinXTCrXI"/>
-          <p:cNvPicPr>
-            <a:picLocks noChangeAspect="1"/>
-          </p:cNvPicPr>
-          <p:nvPr/>
-        </p:nvPicPr>
-        <p:blipFill>
-          <a:blip r:embed="rId2">
-            <a:extLst/>
-          </a:blip>
-          <a:stretch>
-            <a:fillRect/>
-          </a:stretch>
-        </p:blipFill>
-        <p:spPr>
-          <a:xfrm>
-            <a:off x="2209800" y="1600200"/>
-            <a:ext cx="4572000" cy="2571750"/>
-          </a:xfrm>
-          <a:prstGeom prst="rect">
-            <a:avLst/>
-          </a:prstGeom>
-          <a:ln w="12700">
-            <a:miter lim="400000"/>
-          </a:ln>
-        </p:spPr>
-      </p:pic>
     </p:spTree>
   </p:cSld>
   <p:clrMapOvr>
@@ -7040,72 +6865,6 @@
           <a:lstStyle/>
           <a:p>
             <a:endParaRPr/>
-          </a:p>
-        </p:txBody>
-      </p:sp>
-    </p:spTree>
-  </p:cSld>
-  <p:clrMapOvr>
-    <a:masterClrMapping/>
-  </p:clrMapOvr>
-  <mc:AlternateContent xmlns:mc="http://schemas.openxmlformats.org/markup-compatibility/2006" xmlns:p14="http://schemas.microsoft.com/office/powerpoint/2010/main">
-    <mc:Choice Requires="p14">
-      <p:transition spd="slow">
-        <p:dissolve/>
-      </p:transition>
-    </mc:Choice>
-    <mc:Fallback xmlns="">
-      <p:transition spd="med">
-        <p:fade/>
-      </p:transition>
-    </mc:Fallback>
-  </mc:AlternateContent>
-</p:sld>
-</file>
-
-<file path=ppt/slides/slide30.xml><?xml version="1.0" encoding="utf-8"?>
-<p:sld xmlns:a="http://schemas.openxmlformats.org/drawingml/2006/main" xmlns:r="http://schemas.openxmlformats.org/officeDocument/2006/relationships" xmlns:p="http://schemas.openxmlformats.org/presentationml/2006/main">
-  <p:cSld>
-    <p:spTree>
-      <p:nvGrpSpPr>
-        <p:cNvPr id="1" name=""/>
-        <p:cNvGrpSpPr/>
-        <p:nvPr/>
-      </p:nvGrpSpPr>
-      <p:grpSpPr>
-        <a:xfrm>
-          <a:off x="0" y="0"/>
-          <a:ext cx="0" cy="0"/>
-          <a:chOff x="0" y="0"/>
-          <a:chExt cx="0" cy="0"/>
-        </a:xfrm>
-      </p:grpSpPr>
-      <p:sp>
-        <p:nvSpPr>
-          <p:cNvPr id="642" name="Shape 642"/>
-          <p:cNvSpPr>
-            <a:spLocks noGrp="1"/>
-          </p:cNvSpPr>
-          <p:nvPr>
-            <p:ph type="title"/>
-          </p:nvPr>
-        </p:nvSpPr>
-        <p:spPr>
-          <a:xfrm>
-            <a:off x="390606" y="2953542"/>
-            <a:ext cx="8229601" cy="871860"/>
-          </a:xfrm>
-          <a:prstGeom prst="rect">
-            <a:avLst/>
-          </a:prstGeom>
-        </p:spPr>
-        <p:txBody>
-          <a:bodyPr/>
-          <a:lstStyle/>
-          <a:p>
-            <a:r>
-              <a:t>Recap + Questions</a:t>
-            </a:r>
           </a:p>
         </p:txBody>
       </p:sp>
